--- a/notes/csc402-ln011.pptx
+++ b/notes/csc402-ln011.pptx
@@ -251,7 +251,7 @@
           <a:p>
             <a:fld id="{5C4B8448-6450-4447-A858-494F5BEEEB27}" type="datetimeFigureOut">
               <a:rPr lang="en-US" smtClean="0"/>
-              <a:t>11/5/19</a:t>
+              <a:t>11/16/20</a:t>
             </a:fld>
             <a:endParaRPr lang="en-US"/>
           </a:p>
@@ -315,38 +315,37 @@
           <a:p>
             <a:pPr lvl="0"/>
             <a:r>
-              <a:rPr lang="en-US" smtClean="0"/>
+              <a:rPr lang="en-US"/>
               <a:t>Click to edit Master text styles</a:t>
             </a:r>
           </a:p>
           <a:p>
             <a:pPr lvl="1"/>
             <a:r>
-              <a:rPr lang="en-US" smtClean="0"/>
+              <a:rPr lang="en-US"/>
               <a:t>Second level</a:t>
             </a:r>
           </a:p>
           <a:p>
             <a:pPr lvl="2"/>
             <a:r>
-              <a:rPr lang="en-US" smtClean="0"/>
+              <a:rPr lang="en-US"/>
               <a:t>Third level</a:t>
             </a:r>
           </a:p>
           <a:p>
             <a:pPr lvl="3"/>
             <a:r>
-              <a:rPr lang="en-US" smtClean="0"/>
+              <a:rPr lang="en-US"/>
               <a:t>Fourth level</a:t>
             </a:r>
           </a:p>
           <a:p>
             <a:pPr lvl="4"/>
             <a:r>
-              <a:rPr lang="en-US" smtClean="0"/>
+              <a:rPr lang="en-US"/>
               <a:t>Fifth level</a:t>
             </a:r>
-            <a:endParaRPr lang="en-US"/>
           </a:p>
         </p:txBody>
       </p:sp>
@@ -576,7 +575,7 @@
           <a:ln/>
           <a:extLst>
             <a:ext uri="{FAA26D3D-D897-4be2-8F04-BA451C77F1D7}">
-              <ma14:placeholderFlag xmlns:ma14="http://schemas.microsoft.com/office/mac/drawingml/2011/main" val="1"/>
+              <ma14:placeholderFlag xmlns:ma14="http://schemas.microsoft.com/office/mac/drawingml/2011/main" xmlns="" val="1"/>
             </a:ext>
           </a:extLst>
         </p:spPr>
@@ -658,12 +657,12 @@
           <a:effectLst/>
           <a:extLst>
             <a:ext uri="{909E8E84-426E-40dd-AFC4-6F175D3DCCD1}">
-              <a14:hiddenFill xmlns:a14="http://schemas.microsoft.com/office/drawing/2010/main" xmlns="">
+              <a14:hiddenFill xmlns="" xmlns:a14="http://schemas.microsoft.com/office/drawing/2010/main">
                 <a:noFill/>
               </a14:hiddenFill>
             </a:ext>
             <a:ext uri="{AF507438-7753-43e0-B8FC-AC1667EBCBE1}">
-              <a14:hiddenEffects xmlns:a14="http://schemas.microsoft.com/office/drawing/2010/main" xmlns="">
+              <a14:hiddenEffects xmlns="" xmlns:a14="http://schemas.microsoft.com/office/drawing/2010/main">
                 <a:effectLst>
                   <a:outerShdw blurRad="63500" dist="38099" dir="2700000" algn="ctr" rotWithShape="0">
                     <a:schemeClr val="bg2">
@@ -709,7 +708,7 @@
           <a:p>
             <a:pPr lvl="0"/>
             <a:r>
-              <a:rPr lang="en-US" noProof="0" smtClean="0"/>
+              <a:rPr lang="en-US" noProof="0"/>
               <a:t>Click to edit Master title style</a:t>
             </a:r>
           </a:p>
@@ -743,7 +742,7 @@
           <a:p>
             <a:pPr lvl="0"/>
             <a:r>
-              <a:rPr lang="en-US" noProof="0" smtClean="0"/>
+              <a:rPr lang="en-US" noProof="0"/>
               <a:t>Click to edit Master subtitle style</a:t>
             </a:r>
           </a:p>
@@ -864,7 +863,7 @@
             <a:effectLst/>
             <a:extLst>
               <a:ext uri="{91240B29-F687-4f45-9708-019B960494DF}">
-                <a14:hiddenLine xmlns:a14="http://schemas.microsoft.com/office/drawing/2010/main" xmlns="" w="9525">
+                <a14:hiddenLine xmlns="" xmlns:a14="http://schemas.microsoft.com/office/drawing/2010/main" w="9525">
                   <a:solidFill>
                     <a:schemeClr val="tx1"/>
                   </a:solidFill>
@@ -874,7 +873,7 @@
                 </a14:hiddenLine>
               </a:ext>
               <a:ext uri="{AF507438-7753-43e0-B8FC-AC1667EBCBE1}">
-                <a14:hiddenEffects xmlns:a14="http://schemas.microsoft.com/office/drawing/2010/main" xmlns="">
+                <a14:hiddenEffects xmlns="" xmlns:a14="http://schemas.microsoft.com/office/drawing/2010/main">
                   <a:effectLst>
                     <a:outerShdw blurRad="63500" dist="38099" dir="2700000" algn="ctr" rotWithShape="0">
                       <a:schemeClr val="bg2">
@@ -919,7 +918,7 @@
             <a:effectLst/>
             <a:extLst>
               <a:ext uri="{91240B29-F687-4f45-9708-019B960494DF}">
-                <a14:hiddenLine xmlns:a14="http://schemas.microsoft.com/office/drawing/2010/main" xmlns="" w="9525">
+                <a14:hiddenLine xmlns="" xmlns:a14="http://schemas.microsoft.com/office/drawing/2010/main" w="9525">
                   <a:solidFill>
                     <a:schemeClr val="tx1"/>
                   </a:solidFill>
@@ -929,7 +928,7 @@
                 </a14:hiddenLine>
               </a:ext>
               <a:ext uri="{AF507438-7753-43e0-B8FC-AC1667EBCBE1}">
-                <a14:hiddenEffects xmlns:a14="http://schemas.microsoft.com/office/drawing/2010/main" xmlns="">
+                <a14:hiddenEffects xmlns="" xmlns:a14="http://schemas.microsoft.com/office/drawing/2010/main">
                   <a:effectLst>
                     <a:outerShdw blurRad="63500" dist="38099" dir="2700000" algn="ctr" rotWithShape="0">
                       <a:schemeClr val="bg2">
@@ -974,7 +973,7 @@
             <a:effectLst/>
             <a:extLst>
               <a:ext uri="{91240B29-F687-4f45-9708-019B960494DF}">
-                <a14:hiddenLine xmlns:a14="http://schemas.microsoft.com/office/drawing/2010/main" xmlns="" w="9525">
+                <a14:hiddenLine xmlns="" xmlns:a14="http://schemas.microsoft.com/office/drawing/2010/main" w="9525">
                   <a:solidFill>
                     <a:schemeClr val="tx1"/>
                   </a:solidFill>
@@ -984,7 +983,7 @@
                 </a14:hiddenLine>
               </a:ext>
               <a:ext uri="{AF507438-7753-43e0-B8FC-AC1667EBCBE1}">
-                <a14:hiddenEffects xmlns:a14="http://schemas.microsoft.com/office/drawing/2010/main" xmlns="">
+                <a14:hiddenEffects xmlns="" xmlns:a14="http://schemas.microsoft.com/office/drawing/2010/main">
                   <a:effectLst>
                     <a:outerShdw blurRad="63500" dist="38099" dir="2700000" algn="ctr" rotWithShape="0">
                       <a:schemeClr val="bg2">
@@ -1029,7 +1028,7 @@
             <a:effectLst/>
             <a:extLst>
               <a:ext uri="{91240B29-F687-4f45-9708-019B960494DF}">
-                <a14:hiddenLine xmlns:a14="http://schemas.microsoft.com/office/drawing/2010/main" xmlns="" w="9525">
+                <a14:hiddenLine xmlns="" xmlns:a14="http://schemas.microsoft.com/office/drawing/2010/main" w="9525">
                   <a:solidFill>
                     <a:schemeClr val="tx1"/>
                   </a:solidFill>
@@ -1039,7 +1038,7 @@
                 </a14:hiddenLine>
               </a:ext>
               <a:ext uri="{AF507438-7753-43e0-B8FC-AC1667EBCBE1}">
-                <a14:hiddenEffects xmlns:a14="http://schemas.microsoft.com/office/drawing/2010/main" xmlns="">
+                <a14:hiddenEffects xmlns="" xmlns:a14="http://schemas.microsoft.com/office/drawing/2010/main">
                   <a:effectLst>
                     <a:outerShdw blurRad="63500" dist="38099" dir="2700000" algn="ctr" rotWithShape="0">
                       <a:schemeClr val="bg2">
@@ -1084,7 +1083,7 @@
             <a:effectLst/>
             <a:extLst>
               <a:ext uri="{91240B29-F687-4f45-9708-019B960494DF}">
-                <a14:hiddenLine xmlns:a14="http://schemas.microsoft.com/office/drawing/2010/main" xmlns="" w="9525">
+                <a14:hiddenLine xmlns="" xmlns:a14="http://schemas.microsoft.com/office/drawing/2010/main" w="9525">
                   <a:solidFill>
                     <a:schemeClr val="tx1"/>
                   </a:solidFill>
@@ -1094,7 +1093,7 @@
                 </a14:hiddenLine>
               </a:ext>
               <a:ext uri="{AF507438-7753-43e0-B8FC-AC1667EBCBE1}">
-                <a14:hiddenEffects xmlns:a14="http://schemas.microsoft.com/office/drawing/2010/main" xmlns="">
+                <a14:hiddenEffects xmlns="" xmlns:a14="http://schemas.microsoft.com/office/drawing/2010/main">
                   <a:effectLst>
                     <a:outerShdw blurRad="63500" dist="38099" dir="2700000" algn="ctr" rotWithShape="0">
                       <a:schemeClr val="bg2">
@@ -1139,7 +1138,7 @@
             <a:effectLst/>
             <a:extLst>
               <a:ext uri="{91240B29-F687-4f45-9708-019B960494DF}">
-                <a14:hiddenLine xmlns:a14="http://schemas.microsoft.com/office/drawing/2010/main" xmlns="" w="9525">
+                <a14:hiddenLine xmlns="" xmlns:a14="http://schemas.microsoft.com/office/drawing/2010/main" w="9525">
                   <a:solidFill>
                     <a:schemeClr val="tx1"/>
                   </a:solidFill>
@@ -1149,7 +1148,7 @@
                 </a14:hiddenLine>
               </a:ext>
               <a:ext uri="{AF507438-7753-43e0-B8FC-AC1667EBCBE1}">
-                <a14:hiddenEffects xmlns:a14="http://schemas.microsoft.com/office/drawing/2010/main" xmlns="">
+                <a14:hiddenEffects xmlns="" xmlns:a14="http://schemas.microsoft.com/office/drawing/2010/main">
                   <a:effectLst>
                     <a:outerShdw blurRad="63500" dist="38099" dir="2700000" algn="ctr" rotWithShape="0">
                       <a:schemeClr val="bg2">
@@ -1194,7 +1193,7 @@
             <a:effectLst/>
             <a:extLst>
               <a:ext uri="{91240B29-F687-4f45-9708-019B960494DF}">
-                <a14:hiddenLine xmlns:a14="http://schemas.microsoft.com/office/drawing/2010/main" xmlns="" w="9525">
+                <a14:hiddenLine xmlns="" xmlns:a14="http://schemas.microsoft.com/office/drawing/2010/main" w="9525">
                   <a:solidFill>
                     <a:schemeClr val="tx1"/>
                   </a:solidFill>
@@ -1204,7 +1203,7 @@
                 </a14:hiddenLine>
               </a:ext>
               <a:ext uri="{AF507438-7753-43e0-B8FC-AC1667EBCBE1}">
-                <a14:hiddenEffects xmlns:a14="http://schemas.microsoft.com/office/drawing/2010/main" xmlns="">
+                <a14:hiddenEffects xmlns="" xmlns:a14="http://schemas.microsoft.com/office/drawing/2010/main">
                   <a:effectLst>
                     <a:outerShdw blurRad="63500" dist="38099" dir="2700000" algn="ctr" rotWithShape="0">
                       <a:schemeClr val="bg2">
@@ -1249,7 +1248,7 @@
             <a:effectLst/>
             <a:extLst>
               <a:ext uri="{91240B29-F687-4f45-9708-019B960494DF}">
-                <a14:hiddenLine xmlns:a14="http://schemas.microsoft.com/office/drawing/2010/main" xmlns="" w="9525">
+                <a14:hiddenLine xmlns="" xmlns:a14="http://schemas.microsoft.com/office/drawing/2010/main" w="9525">
                   <a:solidFill>
                     <a:schemeClr val="tx1"/>
                   </a:solidFill>
@@ -1259,7 +1258,7 @@
                 </a14:hiddenLine>
               </a:ext>
               <a:ext uri="{AF507438-7753-43e0-B8FC-AC1667EBCBE1}">
-                <a14:hiddenEffects xmlns:a14="http://schemas.microsoft.com/office/drawing/2010/main" xmlns="">
+                <a14:hiddenEffects xmlns="" xmlns:a14="http://schemas.microsoft.com/office/drawing/2010/main">
                   <a:effectLst>
                     <a:outerShdw blurRad="63500" dist="38099" dir="2700000" algn="ctr" rotWithShape="0">
                       <a:schemeClr val="bg2">
@@ -1304,7 +1303,7 @@
             <a:effectLst/>
             <a:extLst>
               <a:ext uri="{91240B29-F687-4f45-9708-019B960494DF}">
-                <a14:hiddenLine xmlns:a14="http://schemas.microsoft.com/office/drawing/2010/main" xmlns="" w="9525">
+                <a14:hiddenLine xmlns="" xmlns:a14="http://schemas.microsoft.com/office/drawing/2010/main" w="9525">
                   <a:solidFill>
                     <a:schemeClr val="tx1"/>
                   </a:solidFill>
@@ -1314,7 +1313,7 @@
                 </a14:hiddenLine>
               </a:ext>
               <a:ext uri="{AF507438-7753-43e0-B8FC-AC1667EBCBE1}">
-                <a14:hiddenEffects xmlns:a14="http://schemas.microsoft.com/office/drawing/2010/main" xmlns="">
+                <a14:hiddenEffects xmlns="" xmlns:a14="http://schemas.microsoft.com/office/drawing/2010/main">
                   <a:effectLst>
                     <a:outerShdw blurRad="63500" dist="38099" dir="2700000" algn="ctr" rotWithShape="0">
                       <a:schemeClr val="bg2">
@@ -1359,7 +1358,7 @@
             <a:effectLst/>
             <a:extLst>
               <a:ext uri="{91240B29-F687-4f45-9708-019B960494DF}">
-                <a14:hiddenLine xmlns:a14="http://schemas.microsoft.com/office/drawing/2010/main" xmlns="" w="9525">
+                <a14:hiddenLine xmlns="" xmlns:a14="http://schemas.microsoft.com/office/drawing/2010/main" w="9525">
                   <a:solidFill>
                     <a:schemeClr val="tx1"/>
                   </a:solidFill>
@@ -1369,7 +1368,7 @@
                 </a14:hiddenLine>
               </a:ext>
               <a:ext uri="{AF507438-7753-43e0-B8FC-AC1667EBCBE1}">
-                <a14:hiddenEffects xmlns:a14="http://schemas.microsoft.com/office/drawing/2010/main" xmlns="">
+                <a14:hiddenEffects xmlns="" xmlns:a14="http://schemas.microsoft.com/office/drawing/2010/main">
                   <a:effectLst>
                     <a:outerShdw blurRad="63500" dist="38099" dir="2700000" algn="ctr" rotWithShape="0">
                       <a:schemeClr val="bg2">
@@ -1414,7 +1413,7 @@
             <a:effectLst/>
             <a:extLst>
               <a:ext uri="{91240B29-F687-4f45-9708-019B960494DF}">
-                <a14:hiddenLine xmlns:a14="http://schemas.microsoft.com/office/drawing/2010/main" xmlns="" w="9525">
+                <a14:hiddenLine xmlns="" xmlns:a14="http://schemas.microsoft.com/office/drawing/2010/main" w="9525">
                   <a:solidFill>
                     <a:schemeClr val="tx1"/>
                   </a:solidFill>
@@ -1424,7 +1423,7 @@
                 </a14:hiddenLine>
               </a:ext>
               <a:ext uri="{AF507438-7753-43e0-B8FC-AC1667EBCBE1}">
-                <a14:hiddenEffects xmlns:a14="http://schemas.microsoft.com/office/drawing/2010/main" xmlns="">
+                <a14:hiddenEffects xmlns="" xmlns:a14="http://schemas.microsoft.com/office/drawing/2010/main">
                   <a:effectLst>
                     <a:outerShdw blurRad="63500" dist="38099" dir="2700000" algn="ctr" rotWithShape="0">
                       <a:schemeClr val="bg2">
@@ -1469,7 +1468,7 @@
             <a:effectLst/>
             <a:extLst>
               <a:ext uri="{91240B29-F687-4f45-9708-019B960494DF}">
-                <a14:hiddenLine xmlns:a14="http://schemas.microsoft.com/office/drawing/2010/main" xmlns="" w="9525">
+                <a14:hiddenLine xmlns="" xmlns:a14="http://schemas.microsoft.com/office/drawing/2010/main" w="9525">
                   <a:solidFill>
                     <a:schemeClr val="tx1"/>
                   </a:solidFill>
@@ -1479,7 +1478,7 @@
                 </a14:hiddenLine>
               </a:ext>
               <a:ext uri="{AF507438-7753-43e0-B8FC-AC1667EBCBE1}">
-                <a14:hiddenEffects xmlns:a14="http://schemas.microsoft.com/office/drawing/2010/main" xmlns="">
+                <a14:hiddenEffects xmlns="" xmlns:a14="http://schemas.microsoft.com/office/drawing/2010/main">
                   <a:effectLst>
                     <a:outerShdw blurRad="63500" dist="38099" dir="2700000" algn="ctr" rotWithShape="0">
                       <a:schemeClr val="bg2">
@@ -1524,7 +1523,7 @@
             <a:effectLst/>
             <a:extLst>
               <a:ext uri="{91240B29-F687-4f45-9708-019B960494DF}">
-                <a14:hiddenLine xmlns:a14="http://schemas.microsoft.com/office/drawing/2010/main" xmlns="" w="9525">
+                <a14:hiddenLine xmlns="" xmlns:a14="http://schemas.microsoft.com/office/drawing/2010/main" w="9525">
                   <a:solidFill>
                     <a:schemeClr val="tx1"/>
                   </a:solidFill>
@@ -1534,7 +1533,7 @@
                 </a14:hiddenLine>
               </a:ext>
               <a:ext uri="{AF507438-7753-43e0-B8FC-AC1667EBCBE1}">
-                <a14:hiddenEffects xmlns:a14="http://schemas.microsoft.com/office/drawing/2010/main" xmlns="">
+                <a14:hiddenEffects xmlns="" xmlns:a14="http://schemas.microsoft.com/office/drawing/2010/main">
                   <a:effectLst>
                     <a:outerShdw blurRad="63500" dist="38099" dir="2700000" algn="ctr" rotWithShape="0">
                       <a:schemeClr val="bg2">
@@ -1579,7 +1578,7 @@
             <a:effectLst/>
             <a:extLst>
               <a:ext uri="{91240B29-F687-4f45-9708-019B960494DF}">
-                <a14:hiddenLine xmlns:a14="http://schemas.microsoft.com/office/drawing/2010/main" xmlns="" w="9525">
+                <a14:hiddenLine xmlns="" xmlns:a14="http://schemas.microsoft.com/office/drawing/2010/main" w="9525">
                   <a:solidFill>
                     <a:schemeClr val="tx1"/>
                   </a:solidFill>
@@ -1589,7 +1588,7 @@
                 </a14:hiddenLine>
               </a:ext>
               <a:ext uri="{AF507438-7753-43e0-B8FC-AC1667EBCBE1}">
-                <a14:hiddenEffects xmlns:a14="http://schemas.microsoft.com/office/drawing/2010/main" xmlns="">
+                <a14:hiddenEffects xmlns="" xmlns:a14="http://schemas.microsoft.com/office/drawing/2010/main">
                   <a:effectLst>
                     <a:outerShdw blurRad="63500" dist="38099" dir="2700000" algn="ctr" rotWithShape="0">
                       <a:schemeClr val="bg2">
@@ -1634,7 +1633,7 @@
             <a:effectLst/>
             <a:extLst>
               <a:ext uri="{91240B29-F687-4f45-9708-019B960494DF}">
-                <a14:hiddenLine xmlns:a14="http://schemas.microsoft.com/office/drawing/2010/main" xmlns="" w="9525">
+                <a14:hiddenLine xmlns="" xmlns:a14="http://schemas.microsoft.com/office/drawing/2010/main" w="9525">
                   <a:solidFill>
                     <a:schemeClr val="tx1"/>
                   </a:solidFill>
@@ -1644,7 +1643,7 @@
                 </a14:hiddenLine>
               </a:ext>
               <a:ext uri="{AF507438-7753-43e0-B8FC-AC1667EBCBE1}">
-                <a14:hiddenEffects xmlns:a14="http://schemas.microsoft.com/office/drawing/2010/main" xmlns="">
+                <a14:hiddenEffects xmlns="" xmlns:a14="http://schemas.microsoft.com/office/drawing/2010/main">
                   <a:effectLst>
                     <a:outerShdw blurRad="63500" dist="38099" dir="2700000" algn="ctr" rotWithShape="0">
                       <a:schemeClr val="bg2">
@@ -1689,7 +1688,7 @@
             <a:effectLst/>
             <a:extLst>
               <a:ext uri="{91240B29-F687-4f45-9708-019B960494DF}">
-                <a14:hiddenLine xmlns:a14="http://schemas.microsoft.com/office/drawing/2010/main" xmlns="" w="9525">
+                <a14:hiddenLine xmlns="" xmlns:a14="http://schemas.microsoft.com/office/drawing/2010/main" w="9525">
                   <a:solidFill>
                     <a:schemeClr val="tx1"/>
                   </a:solidFill>
@@ -1699,7 +1698,7 @@
                 </a14:hiddenLine>
               </a:ext>
               <a:ext uri="{AF507438-7753-43e0-B8FC-AC1667EBCBE1}">
-                <a14:hiddenEffects xmlns:a14="http://schemas.microsoft.com/office/drawing/2010/main" xmlns="">
+                <a14:hiddenEffects xmlns="" xmlns:a14="http://schemas.microsoft.com/office/drawing/2010/main">
                   <a:effectLst>
                     <a:outerShdw blurRad="63500" dist="38099" dir="2700000" algn="ctr" rotWithShape="0">
                       <a:schemeClr val="bg2">
@@ -1744,7 +1743,7 @@
             <a:effectLst/>
             <a:extLst>
               <a:ext uri="{91240B29-F687-4f45-9708-019B960494DF}">
-                <a14:hiddenLine xmlns:a14="http://schemas.microsoft.com/office/drawing/2010/main" xmlns="" w="9525">
+                <a14:hiddenLine xmlns="" xmlns:a14="http://schemas.microsoft.com/office/drawing/2010/main" w="9525">
                   <a:solidFill>
                     <a:schemeClr val="tx1"/>
                   </a:solidFill>
@@ -1754,7 +1753,7 @@
                 </a14:hiddenLine>
               </a:ext>
               <a:ext uri="{AF507438-7753-43e0-B8FC-AC1667EBCBE1}">
-                <a14:hiddenEffects xmlns:a14="http://schemas.microsoft.com/office/drawing/2010/main" xmlns="">
+                <a14:hiddenEffects xmlns="" xmlns:a14="http://schemas.microsoft.com/office/drawing/2010/main">
                   <a:effectLst>
                     <a:outerShdw blurRad="63500" dist="38099" dir="2700000" algn="ctr" rotWithShape="0">
                       <a:schemeClr val="bg2">
@@ -1799,7 +1798,7 @@
             <a:effectLst/>
             <a:extLst>
               <a:ext uri="{91240B29-F687-4f45-9708-019B960494DF}">
-                <a14:hiddenLine xmlns:a14="http://schemas.microsoft.com/office/drawing/2010/main" xmlns="" w="9525">
+                <a14:hiddenLine xmlns="" xmlns:a14="http://schemas.microsoft.com/office/drawing/2010/main" w="9525">
                   <a:solidFill>
                     <a:schemeClr val="tx1"/>
                   </a:solidFill>
@@ -1809,7 +1808,7 @@
                 </a14:hiddenLine>
               </a:ext>
               <a:ext uri="{AF507438-7753-43e0-B8FC-AC1667EBCBE1}">
-                <a14:hiddenEffects xmlns:a14="http://schemas.microsoft.com/office/drawing/2010/main" xmlns="">
+                <a14:hiddenEffects xmlns="" xmlns:a14="http://schemas.microsoft.com/office/drawing/2010/main">
                   <a:effectLst>
                     <a:outerShdw blurRad="63500" dist="38099" dir="2700000" algn="ctr" rotWithShape="0">
                       <a:schemeClr val="bg2">
@@ -1854,7 +1853,7 @@
             <a:effectLst/>
             <a:extLst>
               <a:ext uri="{91240B29-F687-4f45-9708-019B960494DF}">
-                <a14:hiddenLine xmlns:a14="http://schemas.microsoft.com/office/drawing/2010/main" xmlns="" w="9525">
+                <a14:hiddenLine xmlns="" xmlns:a14="http://schemas.microsoft.com/office/drawing/2010/main" w="9525">
                   <a:solidFill>
                     <a:schemeClr val="tx1"/>
                   </a:solidFill>
@@ -1864,7 +1863,7 @@
                 </a14:hiddenLine>
               </a:ext>
               <a:ext uri="{AF507438-7753-43e0-B8FC-AC1667EBCBE1}">
-                <a14:hiddenEffects xmlns:a14="http://schemas.microsoft.com/office/drawing/2010/main" xmlns="">
+                <a14:hiddenEffects xmlns="" xmlns:a14="http://schemas.microsoft.com/office/drawing/2010/main">
                   <a:effectLst>
                     <a:outerShdw blurRad="63500" dist="38099" dir="2700000" algn="ctr" rotWithShape="0">
                       <a:schemeClr val="bg2">
@@ -1909,7 +1908,7 @@
             <a:effectLst/>
             <a:extLst>
               <a:ext uri="{91240B29-F687-4f45-9708-019B960494DF}">
-                <a14:hiddenLine xmlns:a14="http://schemas.microsoft.com/office/drawing/2010/main" xmlns="" w="9525">
+                <a14:hiddenLine xmlns="" xmlns:a14="http://schemas.microsoft.com/office/drawing/2010/main" w="9525">
                   <a:solidFill>
                     <a:schemeClr val="tx1"/>
                   </a:solidFill>
@@ -1919,7 +1918,7 @@
                 </a14:hiddenLine>
               </a:ext>
               <a:ext uri="{AF507438-7753-43e0-B8FC-AC1667EBCBE1}">
-                <a14:hiddenEffects xmlns:a14="http://schemas.microsoft.com/office/drawing/2010/main" xmlns="">
+                <a14:hiddenEffects xmlns="" xmlns:a14="http://schemas.microsoft.com/office/drawing/2010/main">
                   <a:effectLst>
                     <a:outerShdw blurRad="63500" dist="38099" dir="2700000" algn="ctr" rotWithShape="0">
                       <a:schemeClr val="bg2">
@@ -1964,7 +1963,7 @@
             <a:effectLst/>
             <a:extLst>
               <a:ext uri="{91240B29-F687-4f45-9708-019B960494DF}">
-                <a14:hiddenLine xmlns:a14="http://schemas.microsoft.com/office/drawing/2010/main" xmlns="" w="9525">
+                <a14:hiddenLine xmlns="" xmlns:a14="http://schemas.microsoft.com/office/drawing/2010/main" w="9525">
                   <a:solidFill>
                     <a:schemeClr val="tx1"/>
                   </a:solidFill>
@@ -1974,7 +1973,7 @@
                 </a14:hiddenLine>
               </a:ext>
               <a:ext uri="{AF507438-7753-43e0-B8FC-AC1667EBCBE1}">
-                <a14:hiddenEffects xmlns:a14="http://schemas.microsoft.com/office/drawing/2010/main" xmlns="">
+                <a14:hiddenEffects xmlns="" xmlns:a14="http://schemas.microsoft.com/office/drawing/2010/main">
                   <a:effectLst>
                     <a:outerShdw blurRad="63500" dist="38099" dir="2700000" algn="ctr" rotWithShape="0">
                       <a:schemeClr val="bg2">
@@ -2019,7 +2018,7 @@
             <a:effectLst/>
             <a:extLst>
               <a:ext uri="{91240B29-F687-4f45-9708-019B960494DF}">
-                <a14:hiddenLine xmlns:a14="http://schemas.microsoft.com/office/drawing/2010/main" xmlns="" w="9525">
+                <a14:hiddenLine xmlns="" xmlns:a14="http://schemas.microsoft.com/office/drawing/2010/main" w="9525">
                   <a:solidFill>
                     <a:schemeClr val="tx1"/>
                   </a:solidFill>
@@ -2029,7 +2028,7 @@
                 </a14:hiddenLine>
               </a:ext>
               <a:ext uri="{AF507438-7753-43e0-B8FC-AC1667EBCBE1}">
-                <a14:hiddenEffects xmlns:a14="http://schemas.microsoft.com/office/drawing/2010/main" xmlns="">
+                <a14:hiddenEffects xmlns="" xmlns:a14="http://schemas.microsoft.com/office/drawing/2010/main">
                   <a:effectLst>
                     <a:outerShdw blurRad="63500" dist="38099" dir="2700000" algn="ctr" rotWithShape="0">
                       <a:schemeClr val="bg2">
@@ -2074,7 +2073,7 @@
             <a:effectLst/>
             <a:extLst>
               <a:ext uri="{91240B29-F687-4f45-9708-019B960494DF}">
-                <a14:hiddenLine xmlns:a14="http://schemas.microsoft.com/office/drawing/2010/main" xmlns="" w="9525">
+                <a14:hiddenLine xmlns="" xmlns:a14="http://schemas.microsoft.com/office/drawing/2010/main" w="9525">
                   <a:solidFill>
                     <a:schemeClr val="tx1"/>
                   </a:solidFill>
@@ -2084,7 +2083,7 @@
                 </a14:hiddenLine>
               </a:ext>
               <a:ext uri="{AF507438-7753-43e0-B8FC-AC1667EBCBE1}">
-                <a14:hiddenEffects xmlns:a14="http://schemas.microsoft.com/office/drawing/2010/main" xmlns="">
+                <a14:hiddenEffects xmlns="" xmlns:a14="http://schemas.microsoft.com/office/drawing/2010/main">
                   <a:effectLst>
                     <a:outerShdw blurRad="63500" dist="38099" dir="2700000" algn="ctr" rotWithShape="0">
                       <a:schemeClr val="bg2">
@@ -2129,7 +2128,7 @@
             <a:effectLst/>
             <a:extLst>
               <a:ext uri="{91240B29-F687-4f45-9708-019B960494DF}">
-                <a14:hiddenLine xmlns:a14="http://schemas.microsoft.com/office/drawing/2010/main" xmlns="" w="9525">
+                <a14:hiddenLine xmlns="" xmlns:a14="http://schemas.microsoft.com/office/drawing/2010/main" w="9525">
                   <a:solidFill>
                     <a:schemeClr val="tx1"/>
                   </a:solidFill>
@@ -2139,7 +2138,7 @@
                 </a14:hiddenLine>
               </a:ext>
               <a:ext uri="{AF507438-7753-43e0-B8FC-AC1667EBCBE1}">
-                <a14:hiddenEffects xmlns:a14="http://schemas.microsoft.com/office/drawing/2010/main" xmlns="">
+                <a14:hiddenEffects xmlns="" xmlns:a14="http://schemas.microsoft.com/office/drawing/2010/main">
                   <a:effectLst>
                     <a:outerShdw blurRad="63500" dist="38099" dir="2700000" algn="ctr" rotWithShape="0">
                       <a:schemeClr val="bg2">
@@ -2184,7 +2183,7 @@
             <a:effectLst/>
             <a:extLst>
               <a:ext uri="{91240B29-F687-4f45-9708-019B960494DF}">
-                <a14:hiddenLine xmlns:a14="http://schemas.microsoft.com/office/drawing/2010/main" xmlns="" w="9525">
+                <a14:hiddenLine xmlns="" xmlns:a14="http://schemas.microsoft.com/office/drawing/2010/main" w="9525">
                   <a:solidFill>
                     <a:schemeClr val="tx1"/>
                   </a:solidFill>
@@ -2194,7 +2193,7 @@
                 </a14:hiddenLine>
               </a:ext>
               <a:ext uri="{AF507438-7753-43e0-B8FC-AC1667EBCBE1}">
-                <a14:hiddenEffects xmlns:a14="http://schemas.microsoft.com/office/drawing/2010/main" xmlns="">
+                <a14:hiddenEffects xmlns="" xmlns:a14="http://schemas.microsoft.com/office/drawing/2010/main">
                   <a:effectLst>
                     <a:outerShdw blurRad="63500" dist="38099" dir="2700000" algn="ctr" rotWithShape="0">
                       <a:schemeClr val="bg2">
@@ -2239,7 +2238,7 @@
             <a:effectLst/>
             <a:extLst>
               <a:ext uri="{91240B29-F687-4f45-9708-019B960494DF}">
-                <a14:hiddenLine xmlns:a14="http://schemas.microsoft.com/office/drawing/2010/main" xmlns="" w="9525">
+                <a14:hiddenLine xmlns="" xmlns:a14="http://schemas.microsoft.com/office/drawing/2010/main" w="9525">
                   <a:solidFill>
                     <a:schemeClr val="tx1"/>
                   </a:solidFill>
@@ -2249,7 +2248,7 @@
                 </a14:hiddenLine>
               </a:ext>
               <a:ext uri="{AF507438-7753-43e0-B8FC-AC1667EBCBE1}">
-                <a14:hiddenEffects xmlns:a14="http://schemas.microsoft.com/office/drawing/2010/main" xmlns="">
+                <a14:hiddenEffects xmlns="" xmlns:a14="http://schemas.microsoft.com/office/drawing/2010/main">
                   <a:effectLst>
                     <a:outerShdw blurRad="63500" dist="38099" dir="2700000" algn="ctr" rotWithShape="0">
                       <a:schemeClr val="bg2">
@@ -2294,7 +2293,7 @@
             <a:effectLst/>
             <a:extLst>
               <a:ext uri="{91240B29-F687-4f45-9708-019B960494DF}">
-                <a14:hiddenLine xmlns:a14="http://schemas.microsoft.com/office/drawing/2010/main" xmlns="" w="9525">
+                <a14:hiddenLine xmlns="" xmlns:a14="http://schemas.microsoft.com/office/drawing/2010/main" w="9525">
                   <a:solidFill>
                     <a:schemeClr val="tx1"/>
                   </a:solidFill>
@@ -2304,7 +2303,7 @@
                 </a14:hiddenLine>
               </a:ext>
               <a:ext uri="{AF507438-7753-43e0-B8FC-AC1667EBCBE1}">
-                <a14:hiddenEffects xmlns:a14="http://schemas.microsoft.com/office/drawing/2010/main" xmlns="">
+                <a14:hiddenEffects xmlns="" xmlns:a14="http://schemas.microsoft.com/office/drawing/2010/main">
                   <a:effectLst>
                     <a:outerShdw blurRad="63500" dist="38099" dir="2700000" algn="ctr" rotWithShape="0">
                       <a:schemeClr val="bg2">
@@ -2349,7 +2348,7 @@
             <a:effectLst/>
             <a:extLst>
               <a:ext uri="{91240B29-F687-4f45-9708-019B960494DF}">
-                <a14:hiddenLine xmlns:a14="http://schemas.microsoft.com/office/drawing/2010/main" xmlns="" w="9525">
+                <a14:hiddenLine xmlns="" xmlns:a14="http://schemas.microsoft.com/office/drawing/2010/main" w="9525">
                   <a:solidFill>
                     <a:schemeClr val="tx1"/>
                   </a:solidFill>
@@ -2359,7 +2358,7 @@
                 </a14:hiddenLine>
               </a:ext>
               <a:ext uri="{AF507438-7753-43e0-B8FC-AC1667EBCBE1}">
-                <a14:hiddenEffects xmlns:a14="http://schemas.microsoft.com/office/drawing/2010/main" xmlns="">
+                <a14:hiddenEffects xmlns="" xmlns:a14="http://schemas.microsoft.com/office/drawing/2010/main">
                   <a:effectLst>
                     <a:outerShdw blurRad="63500" dist="38099" dir="2700000" algn="ctr" rotWithShape="0">
                       <a:schemeClr val="bg2">
@@ -2404,7 +2403,7 @@
             <a:effectLst/>
             <a:extLst>
               <a:ext uri="{91240B29-F687-4f45-9708-019B960494DF}">
-                <a14:hiddenLine xmlns:a14="http://schemas.microsoft.com/office/drawing/2010/main" xmlns="" w="9525">
+                <a14:hiddenLine xmlns="" xmlns:a14="http://schemas.microsoft.com/office/drawing/2010/main" w="9525">
                   <a:solidFill>
                     <a:schemeClr val="tx1"/>
                   </a:solidFill>
@@ -2414,7 +2413,7 @@
                 </a14:hiddenLine>
               </a:ext>
               <a:ext uri="{AF507438-7753-43e0-B8FC-AC1667EBCBE1}">
-                <a14:hiddenEffects xmlns:a14="http://schemas.microsoft.com/office/drawing/2010/main" xmlns="">
+                <a14:hiddenEffects xmlns="" xmlns:a14="http://schemas.microsoft.com/office/drawing/2010/main">
                   <a:effectLst>
                     <a:outerShdw blurRad="63500" dist="38099" dir="2700000" algn="ctr" rotWithShape="0">
                       <a:schemeClr val="bg2">
@@ -2459,7 +2458,7 @@
             <a:effectLst/>
             <a:extLst>
               <a:ext uri="{91240B29-F687-4f45-9708-019B960494DF}">
-                <a14:hiddenLine xmlns:a14="http://schemas.microsoft.com/office/drawing/2010/main" xmlns="" w="9525">
+                <a14:hiddenLine xmlns="" xmlns:a14="http://schemas.microsoft.com/office/drawing/2010/main" w="9525">
                   <a:solidFill>
                     <a:schemeClr val="tx1"/>
                   </a:solidFill>
@@ -2469,7 +2468,7 @@
                 </a14:hiddenLine>
               </a:ext>
               <a:ext uri="{AF507438-7753-43e0-B8FC-AC1667EBCBE1}">
-                <a14:hiddenEffects xmlns:a14="http://schemas.microsoft.com/office/drawing/2010/main" xmlns="">
+                <a14:hiddenEffects xmlns="" xmlns:a14="http://schemas.microsoft.com/office/drawing/2010/main">
                   <a:effectLst>
                     <a:outerShdw blurRad="63500" dist="38099" dir="2700000" algn="ctr" rotWithShape="0">
                       <a:schemeClr val="bg2">
@@ -2514,7 +2513,7 @@
             <a:effectLst/>
             <a:extLst>
               <a:ext uri="{91240B29-F687-4f45-9708-019B960494DF}">
-                <a14:hiddenLine xmlns:a14="http://schemas.microsoft.com/office/drawing/2010/main" xmlns="" w="9525">
+                <a14:hiddenLine xmlns="" xmlns:a14="http://schemas.microsoft.com/office/drawing/2010/main" w="9525">
                   <a:solidFill>
                     <a:schemeClr val="tx1"/>
                   </a:solidFill>
@@ -2524,7 +2523,7 @@
                 </a14:hiddenLine>
               </a:ext>
               <a:ext uri="{AF507438-7753-43e0-B8FC-AC1667EBCBE1}">
-                <a14:hiddenEffects xmlns:a14="http://schemas.microsoft.com/office/drawing/2010/main" xmlns="">
+                <a14:hiddenEffects xmlns="" xmlns:a14="http://schemas.microsoft.com/office/drawing/2010/main">
                   <a:effectLst>
                     <a:outerShdw blurRad="63500" dist="38099" dir="2700000" algn="ctr" rotWithShape="0">
                       <a:schemeClr val="bg2">
@@ -2573,12 +2572,12 @@
           <a:effectLst/>
           <a:extLst>
             <a:ext uri="{909E8E84-426E-40dd-AFC4-6F175D3DCCD1}">
-              <a14:hiddenFill xmlns:a14="http://schemas.microsoft.com/office/drawing/2010/main" xmlns="">
+              <a14:hiddenFill xmlns="" xmlns:a14="http://schemas.microsoft.com/office/drawing/2010/main">
                 <a:noFill/>
               </a14:hiddenFill>
             </a:ext>
             <a:ext uri="{AF507438-7753-43e0-B8FC-AC1667EBCBE1}">
-              <a14:hiddenEffects xmlns:a14="http://schemas.microsoft.com/office/drawing/2010/main" xmlns="">
+              <a14:hiddenEffects xmlns="" xmlns:a14="http://schemas.microsoft.com/office/drawing/2010/main">
                 <a:effectLst>
                   <a:outerShdw blurRad="63500" dist="38099" dir="2700000" algn="ctr" rotWithShape="0">
                     <a:schemeClr val="bg2">
@@ -2603,13 +2602,6 @@
   <p:clrMapOvr>
     <a:masterClrMapping/>
   </p:clrMapOvr>
-  <p:timing>
-    <p:tnLst>
-      <p:par>
-        <p:cTn id="1" dur="indefinite" restart="never" nodeType="tmRoot"/>
-      </p:par>
-    </p:tnLst>
-  </p:timing>
 </p:sldLayout>
 </file>
 
@@ -2646,10 +2638,9 @@
           <a:lstStyle/>
           <a:p>
             <a:r>
-              <a:rPr lang="en-US" smtClean="0"/>
+              <a:rPr lang="en-US"/>
               <a:t>Click to edit Master title style</a:t>
             </a:r>
-            <a:endParaRPr lang="en-US"/>
           </a:p>
         </p:txBody>
       </p:sp>
@@ -2670,38 +2661,37 @@
           <a:p>
             <a:pPr lvl="0"/>
             <a:r>
-              <a:rPr lang="en-US" smtClean="0"/>
+              <a:rPr lang="en-US"/>
               <a:t>Click to edit Master text styles</a:t>
             </a:r>
           </a:p>
           <a:p>
             <a:pPr lvl="1"/>
             <a:r>
-              <a:rPr lang="en-US" smtClean="0"/>
+              <a:rPr lang="en-US"/>
               <a:t>Second level</a:t>
             </a:r>
           </a:p>
           <a:p>
             <a:pPr lvl="2"/>
             <a:r>
-              <a:rPr lang="en-US" smtClean="0"/>
+              <a:rPr lang="en-US"/>
               <a:t>Third level</a:t>
             </a:r>
           </a:p>
           <a:p>
             <a:pPr lvl="3"/>
             <a:r>
-              <a:rPr lang="en-US" smtClean="0"/>
+              <a:rPr lang="en-US"/>
               <a:t>Fourth level</a:t>
             </a:r>
           </a:p>
           <a:p>
             <a:pPr lvl="4"/>
             <a:r>
-              <a:rPr lang="en-US" smtClean="0"/>
+              <a:rPr lang="en-US"/>
               <a:t>Fifth level</a:t>
             </a:r>
-            <a:endParaRPr lang="en-US"/>
           </a:p>
         </p:txBody>
       </p:sp>
@@ -2830,10 +2820,9 @@
           <a:lstStyle/>
           <a:p>
             <a:r>
-              <a:rPr lang="en-US" smtClean="0"/>
+              <a:rPr lang="en-US"/>
               <a:t>Click to edit Master title style</a:t>
             </a:r>
-            <a:endParaRPr lang="en-US"/>
           </a:p>
         </p:txBody>
       </p:sp>
@@ -2859,38 +2848,37 @@
           <a:p>
             <a:pPr lvl="0"/>
             <a:r>
-              <a:rPr lang="en-US" smtClean="0"/>
+              <a:rPr lang="en-US"/>
               <a:t>Click to edit Master text styles</a:t>
             </a:r>
           </a:p>
           <a:p>
             <a:pPr lvl="1"/>
             <a:r>
-              <a:rPr lang="en-US" smtClean="0"/>
+              <a:rPr lang="en-US"/>
               <a:t>Second level</a:t>
             </a:r>
           </a:p>
           <a:p>
             <a:pPr lvl="2"/>
             <a:r>
-              <a:rPr lang="en-US" smtClean="0"/>
+              <a:rPr lang="en-US"/>
               <a:t>Third level</a:t>
             </a:r>
           </a:p>
           <a:p>
             <a:pPr lvl="3"/>
             <a:r>
-              <a:rPr lang="en-US" smtClean="0"/>
+              <a:rPr lang="en-US"/>
               <a:t>Fourth level</a:t>
             </a:r>
           </a:p>
           <a:p>
             <a:pPr lvl="4"/>
             <a:r>
-              <a:rPr lang="en-US" smtClean="0"/>
+              <a:rPr lang="en-US"/>
               <a:t>Fifth level</a:t>
             </a:r>
-            <a:endParaRPr lang="en-US"/>
           </a:p>
         </p:txBody>
       </p:sp>
@@ -3014,10 +3002,9 @@
           <a:lstStyle/>
           <a:p>
             <a:r>
-              <a:rPr lang="en-US" smtClean="0"/>
+              <a:rPr lang="en-US"/>
               <a:t>Click to edit Master title style</a:t>
             </a:r>
-            <a:endParaRPr lang="en-US"/>
           </a:p>
         </p:txBody>
       </p:sp>
@@ -3038,38 +3025,37 @@
           <a:p>
             <a:pPr lvl="0"/>
             <a:r>
-              <a:rPr lang="en-US" smtClean="0"/>
+              <a:rPr lang="en-US"/>
               <a:t>Click to edit Master text styles</a:t>
             </a:r>
           </a:p>
           <a:p>
             <a:pPr lvl="1"/>
             <a:r>
-              <a:rPr lang="en-US" smtClean="0"/>
+              <a:rPr lang="en-US"/>
               <a:t>Second level</a:t>
             </a:r>
           </a:p>
           <a:p>
             <a:pPr lvl="2"/>
             <a:r>
-              <a:rPr lang="en-US" smtClean="0"/>
+              <a:rPr lang="en-US"/>
               <a:t>Third level</a:t>
             </a:r>
           </a:p>
           <a:p>
             <a:pPr lvl="3"/>
             <a:r>
-              <a:rPr lang="en-US" smtClean="0"/>
+              <a:rPr lang="en-US"/>
               <a:t>Fourth level</a:t>
             </a:r>
           </a:p>
           <a:p>
             <a:pPr lvl="4"/>
             <a:r>
-              <a:rPr lang="en-US" smtClean="0"/>
+              <a:rPr lang="en-US"/>
               <a:t>Fifth level</a:t>
             </a:r>
-            <a:endParaRPr lang="en-US"/>
           </a:p>
         </p:txBody>
       </p:sp>
@@ -3202,10 +3188,9 @@
           </a:lstStyle>
           <a:p>
             <a:r>
-              <a:rPr lang="en-US" smtClean="0"/>
+              <a:rPr lang="en-US"/>
               <a:t>Click to edit Master title style</a:t>
             </a:r>
-            <a:endParaRPr lang="en-US"/>
           </a:p>
         </p:txBody>
       </p:sp>
@@ -3268,7 +3253,7 @@
           <a:p>
             <a:pPr lvl="0"/>
             <a:r>
-              <a:rPr lang="en-US" smtClean="0"/>
+              <a:rPr lang="en-US"/>
               <a:t>Click to edit Master text styles</a:t>
             </a:r>
           </a:p>
@@ -3394,10 +3379,9 @@
           <a:lstStyle/>
           <a:p>
             <a:r>
-              <a:rPr lang="en-US" smtClean="0"/>
+              <a:rPr lang="en-US"/>
               <a:t>Click to edit Master title style</a:t>
             </a:r>
-            <a:endParaRPr lang="en-US"/>
           </a:p>
         </p:txBody>
       </p:sp>
@@ -3451,38 +3435,37 @@
           <a:p>
             <a:pPr lvl="0"/>
             <a:r>
-              <a:rPr lang="en-US" smtClean="0"/>
+              <a:rPr lang="en-US"/>
               <a:t>Click to edit Master text styles</a:t>
             </a:r>
           </a:p>
           <a:p>
             <a:pPr lvl="1"/>
             <a:r>
-              <a:rPr lang="en-US" smtClean="0"/>
+              <a:rPr lang="en-US"/>
               <a:t>Second level</a:t>
             </a:r>
           </a:p>
           <a:p>
             <a:pPr lvl="2"/>
             <a:r>
-              <a:rPr lang="en-US" smtClean="0"/>
+              <a:rPr lang="en-US"/>
               <a:t>Third level</a:t>
             </a:r>
           </a:p>
           <a:p>
             <a:pPr lvl="3"/>
             <a:r>
-              <a:rPr lang="en-US" smtClean="0"/>
+              <a:rPr lang="en-US"/>
               <a:t>Fourth level</a:t>
             </a:r>
           </a:p>
           <a:p>
             <a:pPr lvl="4"/>
             <a:r>
-              <a:rPr lang="en-US" smtClean="0"/>
+              <a:rPr lang="en-US"/>
               <a:t>Fifth level</a:t>
             </a:r>
-            <a:endParaRPr lang="en-US"/>
           </a:p>
         </p:txBody>
       </p:sp>
@@ -3536,38 +3519,37 @@
           <a:p>
             <a:pPr lvl="0"/>
             <a:r>
-              <a:rPr lang="en-US" smtClean="0"/>
+              <a:rPr lang="en-US"/>
               <a:t>Click to edit Master text styles</a:t>
             </a:r>
           </a:p>
           <a:p>
             <a:pPr lvl="1"/>
             <a:r>
-              <a:rPr lang="en-US" smtClean="0"/>
+              <a:rPr lang="en-US"/>
               <a:t>Second level</a:t>
             </a:r>
           </a:p>
           <a:p>
             <a:pPr lvl="2"/>
             <a:r>
-              <a:rPr lang="en-US" smtClean="0"/>
+              <a:rPr lang="en-US"/>
               <a:t>Third level</a:t>
             </a:r>
           </a:p>
           <a:p>
             <a:pPr lvl="3"/>
             <a:r>
-              <a:rPr lang="en-US" smtClean="0"/>
+              <a:rPr lang="en-US"/>
               <a:t>Fourth level</a:t>
             </a:r>
           </a:p>
           <a:p>
             <a:pPr lvl="4"/>
             <a:r>
-              <a:rPr lang="en-US" smtClean="0"/>
+              <a:rPr lang="en-US"/>
               <a:t>Fifth level</a:t>
             </a:r>
-            <a:endParaRPr lang="en-US"/>
           </a:p>
         </p:txBody>
       </p:sp>
@@ -3700,10 +3682,9 @@
           </a:lstStyle>
           <a:p>
             <a:r>
-              <a:rPr lang="en-US" smtClean="0"/>
+              <a:rPr lang="en-US"/>
               <a:t>Click to edit Master title style</a:t>
             </a:r>
-            <a:endParaRPr lang="en-US"/>
           </a:p>
         </p:txBody>
       </p:sp>
@@ -3766,7 +3747,7 @@
           <a:p>
             <a:pPr lvl="0"/>
             <a:r>
-              <a:rPr lang="en-US" smtClean="0"/>
+              <a:rPr lang="en-US"/>
               <a:t>Click to edit Master text styles</a:t>
             </a:r>
           </a:p>
@@ -3822,38 +3803,37 @@
           <a:p>
             <a:pPr lvl="0"/>
             <a:r>
-              <a:rPr lang="en-US" smtClean="0"/>
+              <a:rPr lang="en-US"/>
               <a:t>Click to edit Master text styles</a:t>
             </a:r>
           </a:p>
           <a:p>
             <a:pPr lvl="1"/>
             <a:r>
-              <a:rPr lang="en-US" smtClean="0"/>
+              <a:rPr lang="en-US"/>
               <a:t>Second level</a:t>
             </a:r>
           </a:p>
           <a:p>
             <a:pPr lvl="2"/>
             <a:r>
-              <a:rPr lang="en-US" smtClean="0"/>
+              <a:rPr lang="en-US"/>
               <a:t>Third level</a:t>
             </a:r>
           </a:p>
           <a:p>
             <a:pPr lvl="3"/>
             <a:r>
-              <a:rPr lang="en-US" smtClean="0"/>
+              <a:rPr lang="en-US"/>
               <a:t>Fourth level</a:t>
             </a:r>
           </a:p>
           <a:p>
             <a:pPr lvl="4"/>
             <a:r>
-              <a:rPr lang="en-US" smtClean="0"/>
+              <a:rPr lang="en-US"/>
               <a:t>Fifth level</a:t>
             </a:r>
-            <a:endParaRPr lang="en-US"/>
           </a:p>
         </p:txBody>
       </p:sp>
@@ -3916,7 +3896,7 @@
           <a:p>
             <a:pPr lvl="0"/>
             <a:r>
-              <a:rPr lang="en-US" smtClean="0"/>
+              <a:rPr lang="en-US"/>
               <a:t>Click to edit Master text styles</a:t>
             </a:r>
           </a:p>
@@ -3972,38 +3952,37 @@
           <a:p>
             <a:pPr lvl="0"/>
             <a:r>
-              <a:rPr lang="en-US" smtClean="0"/>
+              <a:rPr lang="en-US"/>
               <a:t>Click to edit Master text styles</a:t>
             </a:r>
           </a:p>
           <a:p>
             <a:pPr lvl="1"/>
             <a:r>
-              <a:rPr lang="en-US" smtClean="0"/>
+              <a:rPr lang="en-US"/>
               <a:t>Second level</a:t>
             </a:r>
           </a:p>
           <a:p>
             <a:pPr lvl="2"/>
             <a:r>
-              <a:rPr lang="en-US" smtClean="0"/>
+              <a:rPr lang="en-US"/>
               <a:t>Third level</a:t>
             </a:r>
           </a:p>
           <a:p>
             <a:pPr lvl="3"/>
             <a:r>
-              <a:rPr lang="en-US" smtClean="0"/>
+              <a:rPr lang="en-US"/>
               <a:t>Fourth level</a:t>
             </a:r>
           </a:p>
           <a:p>
             <a:pPr lvl="4"/>
             <a:r>
-              <a:rPr lang="en-US" smtClean="0"/>
+              <a:rPr lang="en-US"/>
               <a:t>Fifth level</a:t>
             </a:r>
-            <a:endParaRPr lang="en-US"/>
           </a:p>
         </p:txBody>
       </p:sp>
@@ -4127,10 +4106,9 @@
           <a:lstStyle/>
           <a:p>
             <a:r>
-              <a:rPr lang="en-US" smtClean="0"/>
+              <a:rPr lang="en-US"/>
               <a:t>Click to edit Master title style</a:t>
             </a:r>
-            <a:endParaRPr lang="en-US"/>
           </a:p>
         </p:txBody>
       </p:sp>
@@ -4367,10 +4345,9 @@
           </a:lstStyle>
           <a:p>
             <a:r>
-              <a:rPr lang="en-US" smtClean="0"/>
+              <a:rPr lang="en-US"/>
               <a:t>Click to edit Master title style</a:t>
             </a:r>
-            <a:endParaRPr lang="en-US"/>
           </a:p>
         </p:txBody>
       </p:sp>
@@ -4424,38 +4401,37 @@
           <a:p>
             <a:pPr lvl="0"/>
             <a:r>
-              <a:rPr lang="en-US" smtClean="0"/>
+              <a:rPr lang="en-US"/>
               <a:t>Click to edit Master text styles</a:t>
             </a:r>
           </a:p>
           <a:p>
             <a:pPr lvl="1"/>
             <a:r>
-              <a:rPr lang="en-US" smtClean="0"/>
+              <a:rPr lang="en-US"/>
               <a:t>Second level</a:t>
             </a:r>
           </a:p>
           <a:p>
             <a:pPr lvl="2"/>
             <a:r>
-              <a:rPr lang="en-US" smtClean="0"/>
+              <a:rPr lang="en-US"/>
               <a:t>Third level</a:t>
             </a:r>
           </a:p>
           <a:p>
             <a:pPr lvl="3"/>
             <a:r>
-              <a:rPr lang="en-US" smtClean="0"/>
+              <a:rPr lang="en-US"/>
               <a:t>Fourth level</a:t>
             </a:r>
           </a:p>
           <a:p>
             <a:pPr lvl="4"/>
             <a:r>
-              <a:rPr lang="en-US" smtClean="0"/>
+              <a:rPr lang="en-US"/>
               <a:t>Fifth level</a:t>
             </a:r>
-            <a:endParaRPr lang="en-US"/>
           </a:p>
         </p:txBody>
       </p:sp>
@@ -4518,7 +4494,7 @@
           <a:p>
             <a:pPr lvl="0"/>
             <a:r>
-              <a:rPr lang="en-US" smtClean="0"/>
+              <a:rPr lang="en-US"/>
               <a:t>Click to edit Master text styles</a:t>
             </a:r>
           </a:p>
@@ -4653,10 +4629,9 @@
           </a:lstStyle>
           <a:p>
             <a:r>
-              <a:rPr lang="en-US" smtClean="0"/>
+              <a:rPr lang="en-US"/>
               <a:t>Click to edit Master title style</a:t>
             </a:r>
-            <a:endParaRPr lang="en-US"/>
           </a:p>
         </p:txBody>
       </p:sp>
@@ -4780,7 +4755,7 @@
           <a:p>
             <a:pPr lvl="0"/>
             <a:r>
-              <a:rPr lang="en-US" smtClean="0"/>
+              <a:rPr lang="en-US"/>
               <a:t>Click to edit Master text styles</a:t>
             </a:r>
           </a:p>
@@ -4926,12 +4901,12 @@
           <a:effectLst/>
           <a:extLst>
             <a:ext uri="{909E8E84-426E-40dd-AFC4-6F175D3DCCD1}">
-              <a14:hiddenFill xmlns:a14="http://schemas.microsoft.com/office/drawing/2010/main" xmlns="">
+              <a14:hiddenFill xmlns="" xmlns:a14="http://schemas.microsoft.com/office/drawing/2010/main">
                 <a:noFill/>
               </a14:hiddenFill>
             </a:ext>
             <a:ext uri="{AF507438-7753-43e0-B8FC-AC1667EBCBE1}">
-              <a14:hiddenEffects xmlns:a14="http://schemas.microsoft.com/office/drawing/2010/main" xmlns="">
+              <a14:hiddenEffects xmlns="" xmlns:a14="http://schemas.microsoft.com/office/drawing/2010/main">
                 <a:effectLst>
                   <a:outerShdw blurRad="63500" dist="38099" dir="2700000" algn="ctr" rotWithShape="0">
                     <a:schemeClr val="bg2">
@@ -4976,17 +4951,17 @@
           <a:effectLst/>
           <a:extLst>
             <a:ext uri="{FAA26D3D-D897-4be2-8F04-BA451C77F1D7}">
-              <ma14:placeholderFlag xmlns:ma14="http://schemas.microsoft.com/office/mac/drawingml/2011/main" val="1"/>
+              <ma14:placeholderFlag xmlns:ma14="http://schemas.microsoft.com/office/mac/drawingml/2011/main" xmlns="" val="1"/>
             </a:ext>
             <a:ext uri="{909E8E84-426E-40dd-AFC4-6F175D3DCCD1}">
-              <a14:hiddenFill xmlns:a14="http://schemas.microsoft.com/office/drawing/2010/main" xmlns="">
+              <a14:hiddenFill xmlns="" xmlns:a14="http://schemas.microsoft.com/office/drawing/2010/main">
                 <a:solidFill>
                   <a:schemeClr val="accent1"/>
                 </a:solidFill>
               </a14:hiddenFill>
             </a:ext>
             <a:ext uri="{91240B29-F687-4f45-9708-019B960494DF}">
-              <a14:hiddenLine xmlns:a14="http://schemas.microsoft.com/office/drawing/2010/main" xmlns="" w="9525">
+              <a14:hiddenLine xmlns="" xmlns:a14="http://schemas.microsoft.com/office/drawing/2010/main" w="9525">
                 <a:solidFill>
                   <a:schemeClr val="tx1"/>
                 </a:solidFill>
@@ -4996,7 +4971,7 @@
               </a14:hiddenLine>
             </a:ext>
             <a:ext uri="{AF507438-7753-43e0-B8FC-AC1667EBCBE1}">
-              <a14:hiddenEffects xmlns:a14="http://schemas.microsoft.com/office/drawing/2010/main" xmlns="">
+              <a14:hiddenEffects xmlns="" xmlns:a14="http://schemas.microsoft.com/office/drawing/2010/main">
                 <a:effectLst>
                   <a:outerShdw blurRad="63500" dist="38099" dir="2700000" algn="ctr" rotWithShape="0">
                     <a:schemeClr val="bg2">
@@ -5049,17 +5024,17 @@
           <a:effectLst/>
           <a:extLst>
             <a:ext uri="{FAA26D3D-D897-4be2-8F04-BA451C77F1D7}">
-              <ma14:placeholderFlag xmlns:ma14="http://schemas.microsoft.com/office/mac/drawingml/2011/main" val="1"/>
+              <ma14:placeholderFlag xmlns:ma14="http://schemas.microsoft.com/office/mac/drawingml/2011/main" xmlns="" val="1"/>
             </a:ext>
             <a:ext uri="{909E8E84-426E-40dd-AFC4-6F175D3DCCD1}">
-              <a14:hiddenFill xmlns:a14="http://schemas.microsoft.com/office/drawing/2010/main" xmlns="">
+              <a14:hiddenFill xmlns="" xmlns:a14="http://schemas.microsoft.com/office/drawing/2010/main">
                 <a:solidFill>
                   <a:schemeClr val="accent1"/>
                 </a:solidFill>
               </a14:hiddenFill>
             </a:ext>
             <a:ext uri="{91240B29-F687-4f45-9708-019B960494DF}">
-              <a14:hiddenLine xmlns:a14="http://schemas.microsoft.com/office/drawing/2010/main" xmlns="" w="9525">
+              <a14:hiddenLine xmlns="" xmlns:a14="http://schemas.microsoft.com/office/drawing/2010/main" w="9525">
                 <a:solidFill>
                   <a:schemeClr val="tx1"/>
                 </a:solidFill>
@@ -5069,7 +5044,7 @@
               </a14:hiddenLine>
             </a:ext>
             <a:ext uri="{AF507438-7753-43e0-B8FC-AC1667EBCBE1}">
-              <a14:hiddenEffects xmlns:a14="http://schemas.microsoft.com/office/drawing/2010/main" xmlns="">
+              <a14:hiddenEffects xmlns="" xmlns:a14="http://schemas.microsoft.com/office/drawing/2010/main">
                 <a:effectLst>
                   <a:outerShdw blurRad="63500" dist="38099" dir="2700000" algn="ctr" rotWithShape="0">
                     <a:schemeClr val="bg2">
@@ -5150,17 +5125,17 @@
           <a:effectLst/>
           <a:extLst>
             <a:ext uri="{FAA26D3D-D897-4be2-8F04-BA451C77F1D7}">
-              <ma14:placeholderFlag xmlns:ma14="http://schemas.microsoft.com/office/mac/drawingml/2011/main" val="1"/>
+              <ma14:placeholderFlag xmlns:ma14="http://schemas.microsoft.com/office/mac/drawingml/2011/main" xmlns="" val="1"/>
             </a:ext>
             <a:ext uri="{909E8E84-426E-40dd-AFC4-6F175D3DCCD1}">
-              <a14:hiddenFill xmlns:a14="http://schemas.microsoft.com/office/drawing/2010/main" xmlns="">
+              <a14:hiddenFill xmlns="" xmlns:a14="http://schemas.microsoft.com/office/drawing/2010/main">
                 <a:solidFill>
                   <a:schemeClr val="accent1"/>
                 </a:solidFill>
               </a14:hiddenFill>
             </a:ext>
             <a:ext uri="{91240B29-F687-4f45-9708-019B960494DF}">
-              <a14:hiddenLine xmlns:a14="http://schemas.microsoft.com/office/drawing/2010/main" xmlns="" w="9525">
+              <a14:hiddenLine xmlns="" xmlns:a14="http://schemas.microsoft.com/office/drawing/2010/main" w="9525">
                 <a:solidFill>
                   <a:schemeClr val="tx1"/>
                 </a:solidFill>
@@ -5170,7 +5145,7 @@
               </a14:hiddenLine>
             </a:ext>
             <a:ext uri="{AF507438-7753-43e0-B8FC-AC1667EBCBE1}">
-              <a14:hiddenEffects xmlns:a14="http://schemas.microsoft.com/office/drawing/2010/main" xmlns="">
+              <a14:hiddenEffects xmlns="" xmlns:a14="http://schemas.microsoft.com/office/drawing/2010/main">
                 <a:effectLst>
                   <a:outerShdw blurRad="63500" dist="38099" dir="2700000" algn="ctr" rotWithShape="0">
                     <a:schemeClr val="bg2">
@@ -5223,17 +5198,17 @@
           <a:effectLst/>
           <a:extLst>
             <a:ext uri="{FAA26D3D-D897-4be2-8F04-BA451C77F1D7}">
-              <ma14:placeholderFlag xmlns:ma14="http://schemas.microsoft.com/office/mac/drawingml/2011/main" val="1"/>
+              <ma14:placeholderFlag xmlns:ma14="http://schemas.microsoft.com/office/mac/drawingml/2011/main" xmlns="" val="1"/>
             </a:ext>
             <a:ext uri="{909E8E84-426E-40dd-AFC4-6F175D3DCCD1}">
-              <a14:hiddenFill xmlns:a14="http://schemas.microsoft.com/office/drawing/2010/main" xmlns="">
+              <a14:hiddenFill xmlns="" xmlns:a14="http://schemas.microsoft.com/office/drawing/2010/main">
                 <a:solidFill>
                   <a:schemeClr val="accent1"/>
                 </a:solidFill>
               </a14:hiddenFill>
             </a:ext>
             <a:ext uri="{91240B29-F687-4f45-9708-019B960494DF}">
-              <a14:hiddenLine xmlns:a14="http://schemas.microsoft.com/office/drawing/2010/main" xmlns="" w="9525">
+              <a14:hiddenLine xmlns="" xmlns:a14="http://schemas.microsoft.com/office/drawing/2010/main" w="9525">
                 <a:solidFill>
                   <a:schemeClr val="tx1"/>
                 </a:solidFill>
@@ -5243,7 +5218,7 @@
               </a14:hiddenLine>
             </a:ext>
             <a:ext uri="{AF507438-7753-43e0-B8FC-AC1667EBCBE1}">
-              <a14:hiddenEffects xmlns:a14="http://schemas.microsoft.com/office/drawing/2010/main" xmlns="">
+              <a14:hiddenEffects xmlns="" xmlns:a14="http://schemas.microsoft.com/office/drawing/2010/main">
                 <a:effectLst>
                   <a:outerShdw blurRad="63500" dist="38099" dir="2700000" algn="ctr" rotWithShape="0">
                     <a:schemeClr val="bg2">
@@ -5296,17 +5271,17 @@
           <a:effectLst/>
           <a:extLst>
             <a:ext uri="{FAA26D3D-D897-4be2-8F04-BA451C77F1D7}">
-              <ma14:placeholderFlag xmlns:ma14="http://schemas.microsoft.com/office/mac/drawingml/2011/main" val="1"/>
+              <ma14:placeholderFlag xmlns:ma14="http://schemas.microsoft.com/office/mac/drawingml/2011/main" xmlns="" val="1"/>
             </a:ext>
             <a:ext uri="{909E8E84-426E-40dd-AFC4-6F175D3DCCD1}">
-              <a14:hiddenFill xmlns:a14="http://schemas.microsoft.com/office/drawing/2010/main" xmlns="">
+              <a14:hiddenFill xmlns="" xmlns:a14="http://schemas.microsoft.com/office/drawing/2010/main">
                 <a:solidFill>
                   <a:schemeClr val="accent1"/>
                 </a:solidFill>
               </a14:hiddenFill>
             </a:ext>
             <a:ext uri="{91240B29-F687-4f45-9708-019B960494DF}">
-              <a14:hiddenLine xmlns:a14="http://schemas.microsoft.com/office/drawing/2010/main" xmlns="" w="9525">
+              <a14:hiddenLine xmlns="" xmlns:a14="http://schemas.microsoft.com/office/drawing/2010/main" w="9525">
                 <a:solidFill>
                   <a:schemeClr val="tx1"/>
                 </a:solidFill>
@@ -5316,7 +5291,7 @@
               </a14:hiddenLine>
             </a:ext>
             <a:ext uri="{AF507438-7753-43e0-B8FC-AC1667EBCBE1}">
-              <a14:hiddenEffects xmlns:a14="http://schemas.microsoft.com/office/drawing/2010/main" xmlns="">
+              <a14:hiddenEffects xmlns="" xmlns:a14="http://schemas.microsoft.com/office/drawing/2010/main">
                 <a:effectLst>
                   <a:outerShdw blurRad="63500" dist="38099" dir="2700000" algn="ctr" rotWithShape="0">
                     <a:schemeClr val="bg2">
@@ -5390,7 +5365,7 @@
             <a:effectLst/>
             <a:extLst>
               <a:ext uri="{91240B29-F687-4f45-9708-019B960494DF}">
-                <a14:hiddenLine xmlns:a14="http://schemas.microsoft.com/office/drawing/2010/main" xmlns="" w="9525">
+                <a14:hiddenLine xmlns="" xmlns:a14="http://schemas.microsoft.com/office/drawing/2010/main" w="9525">
                   <a:solidFill>
                     <a:schemeClr val="tx1"/>
                   </a:solidFill>
@@ -5400,7 +5375,7 @@
                 </a14:hiddenLine>
               </a:ext>
               <a:ext uri="{AF507438-7753-43e0-B8FC-AC1667EBCBE1}">
-                <a14:hiddenEffects xmlns:a14="http://schemas.microsoft.com/office/drawing/2010/main" xmlns="">
+                <a14:hiddenEffects xmlns="" xmlns:a14="http://schemas.microsoft.com/office/drawing/2010/main">
                   <a:effectLst>
                     <a:outerShdw blurRad="63500" dist="38099" dir="2700000" algn="ctr" rotWithShape="0">
                       <a:schemeClr val="bg2">
@@ -5445,7 +5420,7 @@
             <a:effectLst/>
             <a:extLst>
               <a:ext uri="{91240B29-F687-4f45-9708-019B960494DF}">
-                <a14:hiddenLine xmlns:a14="http://schemas.microsoft.com/office/drawing/2010/main" xmlns="" w="9525">
+                <a14:hiddenLine xmlns="" xmlns:a14="http://schemas.microsoft.com/office/drawing/2010/main" w="9525">
                   <a:solidFill>
                     <a:schemeClr val="tx1"/>
                   </a:solidFill>
@@ -5455,7 +5430,7 @@
                 </a14:hiddenLine>
               </a:ext>
               <a:ext uri="{AF507438-7753-43e0-B8FC-AC1667EBCBE1}">
-                <a14:hiddenEffects xmlns:a14="http://schemas.microsoft.com/office/drawing/2010/main" xmlns="">
+                <a14:hiddenEffects xmlns="" xmlns:a14="http://schemas.microsoft.com/office/drawing/2010/main">
                   <a:effectLst>
                     <a:outerShdw blurRad="63500" dist="38099" dir="2700000" algn="ctr" rotWithShape="0">
                       <a:schemeClr val="bg2">
@@ -5500,7 +5475,7 @@
             <a:effectLst/>
             <a:extLst>
               <a:ext uri="{91240B29-F687-4f45-9708-019B960494DF}">
-                <a14:hiddenLine xmlns:a14="http://schemas.microsoft.com/office/drawing/2010/main" xmlns="" w="9525">
+                <a14:hiddenLine xmlns="" xmlns:a14="http://schemas.microsoft.com/office/drawing/2010/main" w="9525">
                   <a:solidFill>
                     <a:schemeClr val="tx1"/>
                   </a:solidFill>
@@ -5510,7 +5485,7 @@
                 </a14:hiddenLine>
               </a:ext>
               <a:ext uri="{AF507438-7753-43e0-B8FC-AC1667EBCBE1}">
-                <a14:hiddenEffects xmlns:a14="http://schemas.microsoft.com/office/drawing/2010/main" xmlns="">
+                <a14:hiddenEffects xmlns="" xmlns:a14="http://schemas.microsoft.com/office/drawing/2010/main">
                   <a:effectLst>
                     <a:outerShdw blurRad="63500" dist="38099" dir="2700000" algn="ctr" rotWithShape="0">
                       <a:schemeClr val="bg2">
@@ -5555,7 +5530,7 @@
             <a:effectLst/>
             <a:extLst>
               <a:ext uri="{91240B29-F687-4f45-9708-019B960494DF}">
-                <a14:hiddenLine xmlns:a14="http://schemas.microsoft.com/office/drawing/2010/main" xmlns="" w="9525">
+                <a14:hiddenLine xmlns="" xmlns:a14="http://schemas.microsoft.com/office/drawing/2010/main" w="9525">
                   <a:solidFill>
                     <a:schemeClr val="tx1"/>
                   </a:solidFill>
@@ -5565,7 +5540,7 @@
                 </a14:hiddenLine>
               </a:ext>
               <a:ext uri="{AF507438-7753-43e0-B8FC-AC1667EBCBE1}">
-                <a14:hiddenEffects xmlns:a14="http://schemas.microsoft.com/office/drawing/2010/main" xmlns="">
+                <a14:hiddenEffects xmlns="" xmlns:a14="http://schemas.microsoft.com/office/drawing/2010/main">
                   <a:effectLst>
                     <a:outerShdw blurRad="63500" dist="38099" dir="2700000" algn="ctr" rotWithShape="0">
                       <a:schemeClr val="bg2">
@@ -5610,7 +5585,7 @@
             <a:effectLst/>
             <a:extLst>
               <a:ext uri="{91240B29-F687-4f45-9708-019B960494DF}">
-                <a14:hiddenLine xmlns:a14="http://schemas.microsoft.com/office/drawing/2010/main" xmlns="" w="9525">
+                <a14:hiddenLine xmlns="" xmlns:a14="http://schemas.microsoft.com/office/drawing/2010/main" w="9525">
                   <a:solidFill>
                     <a:schemeClr val="tx1"/>
                   </a:solidFill>
@@ -5620,7 +5595,7 @@
                 </a14:hiddenLine>
               </a:ext>
               <a:ext uri="{AF507438-7753-43e0-B8FC-AC1667EBCBE1}">
-                <a14:hiddenEffects xmlns:a14="http://schemas.microsoft.com/office/drawing/2010/main" xmlns="">
+                <a14:hiddenEffects xmlns="" xmlns:a14="http://schemas.microsoft.com/office/drawing/2010/main">
                   <a:effectLst>
                     <a:outerShdw blurRad="63500" dist="38099" dir="2700000" algn="ctr" rotWithShape="0">
                       <a:schemeClr val="bg2">
@@ -5665,7 +5640,7 @@
             <a:effectLst/>
             <a:extLst>
               <a:ext uri="{91240B29-F687-4f45-9708-019B960494DF}">
-                <a14:hiddenLine xmlns:a14="http://schemas.microsoft.com/office/drawing/2010/main" xmlns="" w="9525">
+                <a14:hiddenLine xmlns="" xmlns:a14="http://schemas.microsoft.com/office/drawing/2010/main" w="9525">
                   <a:solidFill>
                     <a:schemeClr val="tx1"/>
                   </a:solidFill>
@@ -5675,7 +5650,7 @@
                 </a14:hiddenLine>
               </a:ext>
               <a:ext uri="{AF507438-7753-43e0-B8FC-AC1667EBCBE1}">
-                <a14:hiddenEffects xmlns:a14="http://schemas.microsoft.com/office/drawing/2010/main" xmlns="">
+                <a14:hiddenEffects xmlns="" xmlns:a14="http://schemas.microsoft.com/office/drawing/2010/main">
                   <a:effectLst>
                     <a:outerShdw blurRad="63500" dist="38099" dir="2700000" algn="ctr" rotWithShape="0">
                       <a:schemeClr val="bg2">
@@ -5720,7 +5695,7 @@
             <a:effectLst/>
             <a:extLst>
               <a:ext uri="{91240B29-F687-4f45-9708-019B960494DF}">
-                <a14:hiddenLine xmlns:a14="http://schemas.microsoft.com/office/drawing/2010/main" xmlns="" w="9525">
+                <a14:hiddenLine xmlns="" xmlns:a14="http://schemas.microsoft.com/office/drawing/2010/main" w="9525">
                   <a:solidFill>
                     <a:schemeClr val="tx1"/>
                   </a:solidFill>
@@ -5730,7 +5705,7 @@
                 </a14:hiddenLine>
               </a:ext>
               <a:ext uri="{AF507438-7753-43e0-B8FC-AC1667EBCBE1}">
-                <a14:hiddenEffects xmlns:a14="http://schemas.microsoft.com/office/drawing/2010/main" xmlns="">
+                <a14:hiddenEffects xmlns="" xmlns:a14="http://schemas.microsoft.com/office/drawing/2010/main">
                   <a:effectLst>
                     <a:outerShdw blurRad="63500" dist="38099" dir="2700000" algn="ctr" rotWithShape="0">
                       <a:schemeClr val="bg2">
@@ -5775,7 +5750,7 @@
             <a:effectLst/>
             <a:extLst>
               <a:ext uri="{91240B29-F687-4f45-9708-019B960494DF}">
-                <a14:hiddenLine xmlns:a14="http://schemas.microsoft.com/office/drawing/2010/main" xmlns="" w="9525">
+                <a14:hiddenLine xmlns="" xmlns:a14="http://schemas.microsoft.com/office/drawing/2010/main" w="9525">
                   <a:solidFill>
                     <a:schemeClr val="tx1"/>
                   </a:solidFill>
@@ -5785,7 +5760,7 @@
                 </a14:hiddenLine>
               </a:ext>
               <a:ext uri="{AF507438-7753-43e0-B8FC-AC1667EBCBE1}">
-                <a14:hiddenEffects xmlns:a14="http://schemas.microsoft.com/office/drawing/2010/main" xmlns="">
+                <a14:hiddenEffects xmlns="" xmlns:a14="http://schemas.microsoft.com/office/drawing/2010/main">
                   <a:effectLst>
                     <a:outerShdw blurRad="63500" dist="38099" dir="2700000" algn="ctr" rotWithShape="0">
                       <a:schemeClr val="bg2">
@@ -5830,7 +5805,7 @@
             <a:effectLst/>
             <a:extLst>
               <a:ext uri="{91240B29-F687-4f45-9708-019B960494DF}">
-                <a14:hiddenLine xmlns:a14="http://schemas.microsoft.com/office/drawing/2010/main" xmlns="" w="9525">
+                <a14:hiddenLine xmlns="" xmlns:a14="http://schemas.microsoft.com/office/drawing/2010/main" w="9525">
                   <a:solidFill>
                     <a:schemeClr val="tx1"/>
                   </a:solidFill>
@@ -5840,7 +5815,7 @@
                 </a14:hiddenLine>
               </a:ext>
               <a:ext uri="{AF507438-7753-43e0-B8FC-AC1667EBCBE1}">
-                <a14:hiddenEffects xmlns:a14="http://schemas.microsoft.com/office/drawing/2010/main" xmlns="">
+                <a14:hiddenEffects xmlns="" xmlns:a14="http://schemas.microsoft.com/office/drawing/2010/main">
                   <a:effectLst>
                     <a:outerShdw blurRad="63500" dist="38099" dir="2700000" algn="ctr" rotWithShape="0">
                       <a:schemeClr val="bg2">
@@ -5885,7 +5860,7 @@
             <a:effectLst/>
             <a:extLst>
               <a:ext uri="{91240B29-F687-4f45-9708-019B960494DF}">
-                <a14:hiddenLine xmlns:a14="http://schemas.microsoft.com/office/drawing/2010/main" xmlns="" w="9525">
+                <a14:hiddenLine xmlns="" xmlns:a14="http://schemas.microsoft.com/office/drawing/2010/main" w="9525">
                   <a:solidFill>
                     <a:schemeClr val="tx1"/>
                   </a:solidFill>
@@ -5895,7 +5870,7 @@
                 </a14:hiddenLine>
               </a:ext>
               <a:ext uri="{AF507438-7753-43e0-B8FC-AC1667EBCBE1}">
-                <a14:hiddenEffects xmlns:a14="http://schemas.microsoft.com/office/drawing/2010/main" xmlns="">
+                <a14:hiddenEffects xmlns="" xmlns:a14="http://schemas.microsoft.com/office/drawing/2010/main">
                   <a:effectLst>
                     <a:outerShdw blurRad="63500" dist="38099" dir="2700000" algn="ctr" rotWithShape="0">
                       <a:schemeClr val="bg2">
@@ -5940,7 +5915,7 @@
             <a:effectLst/>
             <a:extLst>
               <a:ext uri="{91240B29-F687-4f45-9708-019B960494DF}">
-                <a14:hiddenLine xmlns:a14="http://schemas.microsoft.com/office/drawing/2010/main" xmlns="" w="9525">
+                <a14:hiddenLine xmlns="" xmlns:a14="http://schemas.microsoft.com/office/drawing/2010/main" w="9525">
                   <a:solidFill>
                     <a:schemeClr val="tx1"/>
                   </a:solidFill>
@@ -5950,7 +5925,7 @@
                 </a14:hiddenLine>
               </a:ext>
               <a:ext uri="{AF507438-7753-43e0-B8FC-AC1667EBCBE1}">
-                <a14:hiddenEffects xmlns:a14="http://schemas.microsoft.com/office/drawing/2010/main" xmlns="">
+                <a14:hiddenEffects xmlns="" xmlns:a14="http://schemas.microsoft.com/office/drawing/2010/main">
                   <a:effectLst>
                     <a:outerShdw blurRad="63500" dist="38099" dir="2700000" algn="ctr" rotWithShape="0">
                       <a:schemeClr val="bg2">
@@ -5995,7 +5970,7 @@
             <a:effectLst/>
             <a:extLst>
               <a:ext uri="{91240B29-F687-4f45-9708-019B960494DF}">
-                <a14:hiddenLine xmlns:a14="http://schemas.microsoft.com/office/drawing/2010/main" xmlns="" w="9525">
+                <a14:hiddenLine xmlns="" xmlns:a14="http://schemas.microsoft.com/office/drawing/2010/main" w="9525">
                   <a:solidFill>
                     <a:schemeClr val="tx1"/>
                   </a:solidFill>
@@ -6005,7 +5980,7 @@
                 </a14:hiddenLine>
               </a:ext>
               <a:ext uri="{AF507438-7753-43e0-B8FC-AC1667EBCBE1}">
-                <a14:hiddenEffects xmlns:a14="http://schemas.microsoft.com/office/drawing/2010/main" xmlns="">
+                <a14:hiddenEffects xmlns="" xmlns:a14="http://schemas.microsoft.com/office/drawing/2010/main">
                   <a:effectLst>
                     <a:outerShdw blurRad="63500" dist="38099" dir="2700000" algn="ctr" rotWithShape="0">
                       <a:schemeClr val="bg2">
@@ -6050,7 +6025,7 @@
             <a:effectLst/>
             <a:extLst>
               <a:ext uri="{91240B29-F687-4f45-9708-019B960494DF}">
-                <a14:hiddenLine xmlns:a14="http://schemas.microsoft.com/office/drawing/2010/main" xmlns="" w="9525">
+                <a14:hiddenLine xmlns="" xmlns:a14="http://schemas.microsoft.com/office/drawing/2010/main" w="9525">
                   <a:solidFill>
                     <a:schemeClr val="tx1"/>
                   </a:solidFill>
@@ -6060,7 +6035,7 @@
                 </a14:hiddenLine>
               </a:ext>
               <a:ext uri="{AF507438-7753-43e0-B8FC-AC1667EBCBE1}">
-                <a14:hiddenEffects xmlns:a14="http://schemas.microsoft.com/office/drawing/2010/main" xmlns="">
+                <a14:hiddenEffects xmlns="" xmlns:a14="http://schemas.microsoft.com/office/drawing/2010/main">
                   <a:effectLst>
                     <a:outerShdw blurRad="63500" dist="38099" dir="2700000" algn="ctr" rotWithShape="0">
                       <a:schemeClr val="bg2">
@@ -6105,7 +6080,7 @@
             <a:effectLst/>
             <a:extLst>
               <a:ext uri="{91240B29-F687-4f45-9708-019B960494DF}">
-                <a14:hiddenLine xmlns:a14="http://schemas.microsoft.com/office/drawing/2010/main" xmlns="" w="9525">
+                <a14:hiddenLine xmlns="" xmlns:a14="http://schemas.microsoft.com/office/drawing/2010/main" w="9525">
                   <a:solidFill>
                     <a:schemeClr val="tx1"/>
                   </a:solidFill>
@@ -6115,7 +6090,7 @@
                 </a14:hiddenLine>
               </a:ext>
               <a:ext uri="{AF507438-7753-43e0-B8FC-AC1667EBCBE1}">
-                <a14:hiddenEffects xmlns:a14="http://schemas.microsoft.com/office/drawing/2010/main" xmlns="">
+                <a14:hiddenEffects xmlns="" xmlns:a14="http://schemas.microsoft.com/office/drawing/2010/main">
                   <a:effectLst>
                     <a:outerShdw blurRad="63500" dist="38099" dir="2700000" algn="ctr" rotWithShape="0">
                       <a:schemeClr val="bg2">
@@ -6160,7 +6135,7 @@
             <a:effectLst/>
             <a:extLst>
               <a:ext uri="{91240B29-F687-4f45-9708-019B960494DF}">
-                <a14:hiddenLine xmlns:a14="http://schemas.microsoft.com/office/drawing/2010/main" xmlns="" w="9525">
+                <a14:hiddenLine xmlns="" xmlns:a14="http://schemas.microsoft.com/office/drawing/2010/main" w="9525">
                   <a:solidFill>
                     <a:schemeClr val="tx1"/>
                   </a:solidFill>
@@ -6170,7 +6145,7 @@
                 </a14:hiddenLine>
               </a:ext>
               <a:ext uri="{AF507438-7753-43e0-B8FC-AC1667EBCBE1}">
-                <a14:hiddenEffects xmlns:a14="http://schemas.microsoft.com/office/drawing/2010/main" xmlns="">
+                <a14:hiddenEffects xmlns="" xmlns:a14="http://schemas.microsoft.com/office/drawing/2010/main">
                   <a:effectLst>
                     <a:outerShdw blurRad="63500" dist="38099" dir="2700000" algn="ctr" rotWithShape="0">
                       <a:schemeClr val="bg2">
@@ -6215,7 +6190,7 @@
             <a:effectLst/>
             <a:extLst>
               <a:ext uri="{91240B29-F687-4f45-9708-019B960494DF}">
-                <a14:hiddenLine xmlns:a14="http://schemas.microsoft.com/office/drawing/2010/main" xmlns="" w="9525">
+                <a14:hiddenLine xmlns="" xmlns:a14="http://schemas.microsoft.com/office/drawing/2010/main" w="9525">
                   <a:solidFill>
                     <a:schemeClr val="tx1"/>
                   </a:solidFill>
@@ -6225,7 +6200,7 @@
                 </a14:hiddenLine>
               </a:ext>
               <a:ext uri="{AF507438-7753-43e0-B8FC-AC1667EBCBE1}">
-                <a14:hiddenEffects xmlns:a14="http://schemas.microsoft.com/office/drawing/2010/main" xmlns="">
+                <a14:hiddenEffects xmlns="" xmlns:a14="http://schemas.microsoft.com/office/drawing/2010/main">
                   <a:effectLst>
                     <a:outerShdw blurRad="63500" dist="38099" dir="2700000" algn="ctr" rotWithShape="0">
                       <a:schemeClr val="bg2">
@@ -6270,7 +6245,7 @@
             <a:effectLst/>
             <a:extLst>
               <a:ext uri="{91240B29-F687-4f45-9708-019B960494DF}">
-                <a14:hiddenLine xmlns:a14="http://schemas.microsoft.com/office/drawing/2010/main" xmlns="" w="9525">
+                <a14:hiddenLine xmlns="" xmlns:a14="http://schemas.microsoft.com/office/drawing/2010/main" w="9525">
                   <a:solidFill>
                     <a:schemeClr val="tx1"/>
                   </a:solidFill>
@@ -6280,7 +6255,7 @@
                 </a14:hiddenLine>
               </a:ext>
               <a:ext uri="{AF507438-7753-43e0-B8FC-AC1667EBCBE1}">
-                <a14:hiddenEffects xmlns:a14="http://schemas.microsoft.com/office/drawing/2010/main" xmlns="">
+                <a14:hiddenEffects xmlns="" xmlns:a14="http://schemas.microsoft.com/office/drawing/2010/main">
                   <a:effectLst>
                     <a:outerShdw blurRad="63500" dist="38099" dir="2700000" algn="ctr" rotWithShape="0">
                       <a:schemeClr val="bg2">
@@ -6325,7 +6300,7 @@
             <a:effectLst/>
             <a:extLst>
               <a:ext uri="{91240B29-F687-4f45-9708-019B960494DF}">
-                <a14:hiddenLine xmlns:a14="http://schemas.microsoft.com/office/drawing/2010/main" xmlns="" w="9525">
+                <a14:hiddenLine xmlns="" xmlns:a14="http://schemas.microsoft.com/office/drawing/2010/main" w="9525">
                   <a:solidFill>
                     <a:schemeClr val="tx1"/>
                   </a:solidFill>
@@ -6335,7 +6310,7 @@
                 </a14:hiddenLine>
               </a:ext>
               <a:ext uri="{AF507438-7753-43e0-B8FC-AC1667EBCBE1}">
-                <a14:hiddenEffects xmlns:a14="http://schemas.microsoft.com/office/drawing/2010/main" xmlns="">
+                <a14:hiddenEffects xmlns="" xmlns:a14="http://schemas.microsoft.com/office/drawing/2010/main">
                   <a:effectLst>
                     <a:outerShdw blurRad="63500" dist="38099" dir="2700000" algn="ctr" rotWithShape="0">
                       <a:schemeClr val="bg2">
@@ -6380,7 +6355,7 @@
             <a:effectLst/>
             <a:extLst>
               <a:ext uri="{91240B29-F687-4f45-9708-019B960494DF}">
-                <a14:hiddenLine xmlns:a14="http://schemas.microsoft.com/office/drawing/2010/main" xmlns="" w="9525">
+                <a14:hiddenLine xmlns="" xmlns:a14="http://schemas.microsoft.com/office/drawing/2010/main" w="9525">
                   <a:solidFill>
                     <a:schemeClr val="tx1"/>
                   </a:solidFill>
@@ -6390,7 +6365,7 @@
                 </a14:hiddenLine>
               </a:ext>
               <a:ext uri="{AF507438-7753-43e0-B8FC-AC1667EBCBE1}">
-                <a14:hiddenEffects xmlns:a14="http://schemas.microsoft.com/office/drawing/2010/main" xmlns="">
+                <a14:hiddenEffects xmlns="" xmlns:a14="http://schemas.microsoft.com/office/drawing/2010/main">
                   <a:effectLst>
                     <a:outerShdw blurRad="63500" dist="38099" dir="2700000" algn="ctr" rotWithShape="0">
                       <a:schemeClr val="bg2">
@@ -6435,7 +6410,7 @@
             <a:effectLst/>
             <a:extLst>
               <a:ext uri="{91240B29-F687-4f45-9708-019B960494DF}">
-                <a14:hiddenLine xmlns:a14="http://schemas.microsoft.com/office/drawing/2010/main" xmlns="" w="9525">
+                <a14:hiddenLine xmlns="" xmlns:a14="http://schemas.microsoft.com/office/drawing/2010/main" w="9525">
                   <a:solidFill>
                     <a:schemeClr val="tx1"/>
                   </a:solidFill>
@@ -6445,7 +6420,7 @@
                 </a14:hiddenLine>
               </a:ext>
               <a:ext uri="{AF507438-7753-43e0-B8FC-AC1667EBCBE1}">
-                <a14:hiddenEffects xmlns:a14="http://schemas.microsoft.com/office/drawing/2010/main" xmlns="">
+                <a14:hiddenEffects xmlns="" xmlns:a14="http://schemas.microsoft.com/office/drawing/2010/main">
                   <a:effectLst>
                     <a:outerShdw blurRad="63500" dist="38099" dir="2700000" algn="ctr" rotWithShape="0">
                       <a:schemeClr val="bg2">
@@ -6490,7 +6465,7 @@
             <a:effectLst/>
             <a:extLst>
               <a:ext uri="{91240B29-F687-4f45-9708-019B960494DF}">
-                <a14:hiddenLine xmlns:a14="http://schemas.microsoft.com/office/drawing/2010/main" xmlns="" w="9525">
+                <a14:hiddenLine xmlns="" xmlns:a14="http://schemas.microsoft.com/office/drawing/2010/main" w="9525">
                   <a:solidFill>
                     <a:schemeClr val="tx1"/>
                   </a:solidFill>
@@ -6500,7 +6475,7 @@
                 </a14:hiddenLine>
               </a:ext>
               <a:ext uri="{AF507438-7753-43e0-B8FC-AC1667EBCBE1}">
-                <a14:hiddenEffects xmlns:a14="http://schemas.microsoft.com/office/drawing/2010/main" xmlns="">
+                <a14:hiddenEffects xmlns="" xmlns:a14="http://schemas.microsoft.com/office/drawing/2010/main">
                   <a:effectLst>
                     <a:outerShdw blurRad="63500" dist="38099" dir="2700000" algn="ctr" rotWithShape="0">
                       <a:schemeClr val="bg2">
@@ -6545,7 +6520,7 @@
             <a:effectLst/>
             <a:extLst>
               <a:ext uri="{91240B29-F687-4f45-9708-019B960494DF}">
-                <a14:hiddenLine xmlns:a14="http://schemas.microsoft.com/office/drawing/2010/main" xmlns="" w="9525">
+                <a14:hiddenLine xmlns="" xmlns:a14="http://schemas.microsoft.com/office/drawing/2010/main" w="9525">
                   <a:solidFill>
                     <a:schemeClr val="tx1"/>
                   </a:solidFill>
@@ -6555,7 +6530,7 @@
                 </a14:hiddenLine>
               </a:ext>
               <a:ext uri="{AF507438-7753-43e0-B8FC-AC1667EBCBE1}">
-                <a14:hiddenEffects xmlns:a14="http://schemas.microsoft.com/office/drawing/2010/main" xmlns="">
+                <a14:hiddenEffects xmlns="" xmlns:a14="http://schemas.microsoft.com/office/drawing/2010/main">
                   <a:effectLst>
                     <a:outerShdw blurRad="63500" dist="38099" dir="2700000" algn="ctr" rotWithShape="0">
                       <a:schemeClr val="bg2">
@@ -6600,7 +6575,7 @@
             <a:effectLst/>
             <a:extLst>
               <a:ext uri="{91240B29-F687-4f45-9708-019B960494DF}">
-                <a14:hiddenLine xmlns:a14="http://schemas.microsoft.com/office/drawing/2010/main" xmlns="" w="9525">
+                <a14:hiddenLine xmlns="" xmlns:a14="http://schemas.microsoft.com/office/drawing/2010/main" w="9525">
                   <a:solidFill>
                     <a:schemeClr val="tx1"/>
                   </a:solidFill>
@@ -6610,7 +6585,7 @@
                 </a14:hiddenLine>
               </a:ext>
               <a:ext uri="{AF507438-7753-43e0-B8FC-AC1667EBCBE1}">
-                <a14:hiddenEffects xmlns:a14="http://schemas.microsoft.com/office/drawing/2010/main" xmlns="">
+                <a14:hiddenEffects xmlns="" xmlns:a14="http://schemas.microsoft.com/office/drawing/2010/main">
                   <a:effectLst>
                     <a:outerShdw blurRad="63500" dist="38099" dir="2700000" algn="ctr" rotWithShape="0">
                       <a:schemeClr val="bg2">
@@ -6655,7 +6630,7 @@
             <a:effectLst/>
             <a:extLst>
               <a:ext uri="{91240B29-F687-4f45-9708-019B960494DF}">
-                <a14:hiddenLine xmlns:a14="http://schemas.microsoft.com/office/drawing/2010/main" xmlns="" w="9525">
+                <a14:hiddenLine xmlns="" xmlns:a14="http://schemas.microsoft.com/office/drawing/2010/main" w="9525">
                   <a:solidFill>
                     <a:schemeClr val="tx1"/>
                   </a:solidFill>
@@ -6665,7 +6640,7 @@
                 </a14:hiddenLine>
               </a:ext>
               <a:ext uri="{AF507438-7753-43e0-B8FC-AC1667EBCBE1}">
-                <a14:hiddenEffects xmlns:a14="http://schemas.microsoft.com/office/drawing/2010/main" xmlns="">
+                <a14:hiddenEffects xmlns="" xmlns:a14="http://schemas.microsoft.com/office/drawing/2010/main">
                   <a:effectLst>
                     <a:outerShdw blurRad="63500" dist="38099" dir="2700000" algn="ctr" rotWithShape="0">
                       <a:schemeClr val="bg2">
@@ -6710,7 +6685,7 @@
             <a:effectLst/>
             <a:extLst>
               <a:ext uri="{91240B29-F687-4f45-9708-019B960494DF}">
-                <a14:hiddenLine xmlns:a14="http://schemas.microsoft.com/office/drawing/2010/main" xmlns="" w="9525">
+                <a14:hiddenLine xmlns="" xmlns:a14="http://schemas.microsoft.com/office/drawing/2010/main" w="9525">
                   <a:solidFill>
                     <a:schemeClr val="tx1"/>
                   </a:solidFill>
@@ -6720,7 +6695,7 @@
                 </a14:hiddenLine>
               </a:ext>
               <a:ext uri="{AF507438-7753-43e0-B8FC-AC1667EBCBE1}">
-                <a14:hiddenEffects xmlns:a14="http://schemas.microsoft.com/office/drawing/2010/main" xmlns="">
+                <a14:hiddenEffects xmlns="" xmlns:a14="http://schemas.microsoft.com/office/drawing/2010/main">
                   <a:effectLst>
                     <a:outerShdw blurRad="63500" dist="38099" dir="2700000" algn="ctr" rotWithShape="0">
                       <a:schemeClr val="bg2">
@@ -6765,7 +6740,7 @@
             <a:effectLst/>
             <a:extLst>
               <a:ext uri="{91240B29-F687-4f45-9708-019B960494DF}">
-                <a14:hiddenLine xmlns:a14="http://schemas.microsoft.com/office/drawing/2010/main" xmlns="" w="9525">
+                <a14:hiddenLine xmlns="" xmlns:a14="http://schemas.microsoft.com/office/drawing/2010/main" w="9525">
                   <a:solidFill>
                     <a:schemeClr val="tx1"/>
                   </a:solidFill>
@@ -6775,7 +6750,7 @@
                 </a14:hiddenLine>
               </a:ext>
               <a:ext uri="{AF507438-7753-43e0-B8FC-AC1667EBCBE1}">
-                <a14:hiddenEffects xmlns:a14="http://schemas.microsoft.com/office/drawing/2010/main" xmlns="">
+                <a14:hiddenEffects xmlns="" xmlns:a14="http://schemas.microsoft.com/office/drawing/2010/main">
                   <a:effectLst>
                     <a:outerShdw blurRad="63500" dist="38099" dir="2700000" algn="ctr" rotWithShape="0">
                       <a:schemeClr val="bg2">
@@ -6820,7 +6795,7 @@
             <a:effectLst/>
             <a:extLst>
               <a:ext uri="{91240B29-F687-4f45-9708-019B960494DF}">
-                <a14:hiddenLine xmlns:a14="http://schemas.microsoft.com/office/drawing/2010/main" xmlns="" w="9525">
+                <a14:hiddenLine xmlns="" xmlns:a14="http://schemas.microsoft.com/office/drawing/2010/main" w="9525">
                   <a:solidFill>
                     <a:schemeClr val="tx1"/>
                   </a:solidFill>
@@ -6830,7 +6805,7 @@
                 </a14:hiddenLine>
               </a:ext>
               <a:ext uri="{AF507438-7753-43e0-B8FC-AC1667EBCBE1}">
-                <a14:hiddenEffects xmlns:a14="http://schemas.microsoft.com/office/drawing/2010/main" xmlns="">
+                <a14:hiddenEffects xmlns="" xmlns:a14="http://schemas.microsoft.com/office/drawing/2010/main">
                   <a:effectLst>
                     <a:outerShdw blurRad="63500" dist="38099" dir="2700000" algn="ctr" rotWithShape="0">
                       <a:schemeClr val="bg2">
@@ -6875,7 +6850,7 @@
             <a:effectLst/>
             <a:extLst>
               <a:ext uri="{91240B29-F687-4f45-9708-019B960494DF}">
-                <a14:hiddenLine xmlns:a14="http://schemas.microsoft.com/office/drawing/2010/main" xmlns="" w="9525">
+                <a14:hiddenLine xmlns="" xmlns:a14="http://schemas.microsoft.com/office/drawing/2010/main" w="9525">
                   <a:solidFill>
                     <a:schemeClr val="tx1"/>
                   </a:solidFill>
@@ -6885,7 +6860,7 @@
                 </a14:hiddenLine>
               </a:ext>
               <a:ext uri="{AF507438-7753-43e0-B8FC-AC1667EBCBE1}">
-                <a14:hiddenEffects xmlns:a14="http://schemas.microsoft.com/office/drawing/2010/main" xmlns="">
+                <a14:hiddenEffects xmlns="" xmlns:a14="http://schemas.microsoft.com/office/drawing/2010/main">
                   <a:effectLst>
                     <a:outerShdw blurRad="63500" dist="38099" dir="2700000" algn="ctr" rotWithShape="0">
                       <a:schemeClr val="bg2">
@@ -6930,7 +6905,7 @@
             <a:effectLst/>
             <a:extLst>
               <a:ext uri="{91240B29-F687-4f45-9708-019B960494DF}">
-                <a14:hiddenLine xmlns:a14="http://schemas.microsoft.com/office/drawing/2010/main" xmlns="" w="9525">
+                <a14:hiddenLine xmlns="" xmlns:a14="http://schemas.microsoft.com/office/drawing/2010/main" w="9525">
                   <a:solidFill>
                     <a:schemeClr val="tx1"/>
                   </a:solidFill>
@@ -6940,7 +6915,7 @@
                 </a14:hiddenLine>
               </a:ext>
               <a:ext uri="{AF507438-7753-43e0-B8FC-AC1667EBCBE1}">
-                <a14:hiddenEffects xmlns:a14="http://schemas.microsoft.com/office/drawing/2010/main" xmlns="">
+                <a14:hiddenEffects xmlns="" xmlns:a14="http://schemas.microsoft.com/office/drawing/2010/main">
                   <a:effectLst>
                     <a:outerShdw blurRad="63500" dist="38099" dir="2700000" algn="ctr" rotWithShape="0">
                       <a:schemeClr val="bg2">
@@ -6985,7 +6960,7 @@
             <a:effectLst/>
             <a:extLst>
               <a:ext uri="{91240B29-F687-4f45-9708-019B960494DF}">
-                <a14:hiddenLine xmlns:a14="http://schemas.microsoft.com/office/drawing/2010/main" xmlns="" w="9525">
+                <a14:hiddenLine xmlns="" xmlns:a14="http://schemas.microsoft.com/office/drawing/2010/main" w="9525">
                   <a:solidFill>
                     <a:schemeClr val="tx1"/>
                   </a:solidFill>
@@ -6995,7 +6970,7 @@
                 </a14:hiddenLine>
               </a:ext>
               <a:ext uri="{AF507438-7753-43e0-B8FC-AC1667EBCBE1}">
-                <a14:hiddenEffects xmlns:a14="http://schemas.microsoft.com/office/drawing/2010/main" xmlns="">
+                <a14:hiddenEffects xmlns="" xmlns:a14="http://schemas.microsoft.com/office/drawing/2010/main">
                   <a:effectLst>
                     <a:outerShdw blurRad="63500" dist="38099" dir="2700000" algn="ctr" rotWithShape="0">
                       <a:schemeClr val="bg2">
@@ -7040,7 +7015,7 @@
             <a:effectLst/>
             <a:extLst>
               <a:ext uri="{91240B29-F687-4f45-9708-019B960494DF}">
-                <a14:hiddenLine xmlns:a14="http://schemas.microsoft.com/office/drawing/2010/main" xmlns="" w="9525">
+                <a14:hiddenLine xmlns="" xmlns:a14="http://schemas.microsoft.com/office/drawing/2010/main" w="9525">
                   <a:solidFill>
                     <a:schemeClr val="tx1"/>
                   </a:solidFill>
@@ -7050,7 +7025,7 @@
                 </a14:hiddenLine>
               </a:ext>
               <a:ext uri="{AF507438-7753-43e0-B8FC-AC1667EBCBE1}">
-                <a14:hiddenEffects xmlns:a14="http://schemas.microsoft.com/office/drawing/2010/main" xmlns="">
+                <a14:hiddenEffects xmlns="" xmlns:a14="http://schemas.microsoft.com/office/drawing/2010/main">
                   <a:effectLst>
                     <a:outerShdw blurRad="63500" dist="38099" dir="2700000" algn="ctr" rotWithShape="0">
                       <a:schemeClr val="bg2">
@@ -7087,13 +7062,6 @@
     <p:sldLayoutId id="2147483659" r:id="rId10"/>
     <p:sldLayoutId id="2147483660" r:id="rId11"/>
   </p:sldLayoutIdLst>
-  <p:timing>
-    <p:tnLst>
-      <p:par>
-        <p:cTn id="1" dur="indefinite" restart="never" nodeType="tmRoot"/>
-      </p:par>
-    </p:tnLst>
-  </p:timing>
   <p:txStyles>
     <p:titleStyle>
       <a:lvl1pPr algn="l" rtl="0" fontAlgn="base">
@@ -7601,23 +7569,7 @@
             </a:pPr>
             <a:r>
               <a:rPr lang="en-US" dirty="0"/>
-              <a:t>Also, </a:t>
-            </a:r>
-            <a:r>
-              <a:rPr lang="en-US" dirty="0" smtClean="0"/>
-              <a:t>our low</a:t>
-            </a:r>
-            <a:r>
-              <a:rPr lang="en-US" dirty="0"/>
-              <a:t>-level programming languages do not support declarations, </a:t>
-            </a:r>
-            <a:r>
-              <a:rPr lang="en-US" dirty="0" smtClean="0"/>
-              <a:t>you simply start using a variable name, therefore, all </a:t>
-            </a:r>
-            <a:r>
-              <a:rPr lang="en-US" dirty="0"/>
-              <a:t>declarations need to be resolved in the source language processor.</a:t>
+              <a:t>Also, our low-level programming languages do not support declarations, you simply start using a variable name, therefore, all declarations need to be resolved in the source language processor.</a:t>
             </a:r>
           </a:p>
           <a:p>
@@ -7628,15 +7580,7 @@
             </a:pPr>
             <a:r>
               <a:rPr lang="en-US" dirty="0"/>
-              <a:t>Declarations in the source language usually just become assignment statements in </a:t>
-            </a:r>
-            <a:r>
-              <a:rPr lang="en-US" dirty="0" smtClean="0"/>
-              <a:t>our low</a:t>
-            </a:r>
-            <a:r>
-              <a:rPr lang="en-US" dirty="0"/>
-              <a:t>-level target language.</a:t>
+              <a:t>Declarations in the source language usually just become assignment statements in our low-level target language.</a:t>
             </a:r>
           </a:p>
         </p:txBody>
@@ -7646,13 +7590,6 @@
   <p:clrMapOvr>
     <a:masterClrMapping/>
   </p:clrMapOvr>
-  <p:timing>
-    <p:tnLst>
-      <p:par>
-        <p:cTn id="1" dur="indefinite" restart="never" nodeType="tmRoot"/>
-      </p:par>
-    </p:tnLst>
-  </p:timing>
 </p:sld>
 </file>
 
@@ -7689,10 +7626,9 @@
           <a:lstStyle/>
           <a:p>
             <a:r>
-              <a:rPr lang="en-US" dirty="0" smtClean="0"/>
+              <a:rPr lang="en-US" dirty="0"/>
               <a:t>Cuppa2 Compiler</a:t>
             </a:r>
-            <a:endParaRPr lang="en-US" dirty="0"/>
           </a:p>
         </p:txBody>
       </p:sp>
@@ -7719,72 +7655,72 @@
           <a:lstStyle/>
           <a:p>
             <a:r>
-              <a:rPr lang="en-US" dirty="0" smtClean="0"/>
+              <a:rPr lang="en-US" dirty="0"/>
               <a:t>We reuse the Cuppa2 interpreter frontend but we need to include the new symbol table therefore we need to rename it</a:t>
             </a:r>
           </a:p>
           <a:p>
             <a:pPr lvl="1"/>
             <a:r>
-              <a:rPr lang="en-US" dirty="0" smtClean="0"/>
+              <a:rPr lang="en-US" dirty="0"/>
               <a:t>cuppa2_cc_frontend.py</a:t>
             </a:r>
           </a:p>
           <a:p>
             <a:r>
-              <a:rPr lang="en-US" dirty="0" smtClean="0"/>
+              <a:rPr lang="en-US" dirty="0"/>
               <a:t>Because the compiler is based on the Cuppa1 compiler we can use most of that code generator but need to modify it for:</a:t>
             </a:r>
           </a:p>
           <a:p>
             <a:pPr lvl="1"/>
             <a:r>
-              <a:rPr lang="en-US" dirty="0" smtClean="0"/>
+              <a:rPr lang="en-US" dirty="0"/>
               <a:t>Declarations</a:t>
             </a:r>
           </a:p>
           <a:p>
             <a:pPr lvl="1"/>
             <a:r>
-              <a:rPr lang="en-US" dirty="0" smtClean="0"/>
+              <a:rPr lang="en-US" dirty="0"/>
               <a:t>Get</a:t>
             </a:r>
           </a:p>
           <a:p>
             <a:pPr lvl="1"/>
             <a:r>
-              <a:rPr lang="en-US" dirty="0" smtClean="0"/>
+              <a:rPr lang="en-US" dirty="0"/>
               <a:t>Assignments</a:t>
             </a:r>
           </a:p>
           <a:p>
             <a:pPr lvl="1"/>
             <a:r>
-              <a:rPr lang="en-US" dirty="0" smtClean="0"/>
+              <a:rPr lang="en-US" dirty="0"/>
               <a:t>Variables in expressions</a:t>
             </a:r>
           </a:p>
           <a:p>
             <a:pPr lvl="1"/>
             <a:r>
-              <a:rPr lang="en-US" dirty="0" smtClean="0"/>
+              <a:rPr lang="en-US" dirty="0"/>
               <a:t>cuppa2_cc_codegen.py</a:t>
             </a:r>
           </a:p>
           <a:p>
             <a:r>
-              <a:rPr lang="en-US" dirty="0" smtClean="0"/>
+              <a:rPr lang="en-US" dirty="0"/>
               <a:t>The output phase is the same as the Cuppa1 output phase, but to keep things simple we deleted the peephole optimization</a:t>
             </a:r>
           </a:p>
           <a:p>
             <a:pPr lvl="1"/>
             <a:r>
-              <a:rPr lang="en-US" dirty="0" smtClean="0"/>
+              <a:rPr lang="en-US" dirty="0"/>
               <a:t>to make your compiler more sophisticated you can add this back in </a:t>
             </a:r>
             <a:r>
-              <a:rPr lang="en-US" dirty="0" smtClean="0">
+              <a:rPr lang="en-US" dirty="0">
                 <a:sym typeface="Wingdings"/>
               </a:rPr>
               <a:t></a:t>
@@ -7793,7 +7729,7 @@
           <a:p>
             <a:pPr lvl="1"/>
             <a:r>
-              <a:rPr lang="en-US" dirty="0" smtClean="0">
+              <a:rPr lang="en-US" dirty="0">
                 <a:sym typeface="Wingdings"/>
               </a:rPr>
               <a:t>cuppa2_cc_output.py</a:t>
@@ -7877,11 +7813,11 @@
           <a:lstStyle/>
           <a:p>
             <a:r>
-              <a:rPr lang="en-US" dirty="0" smtClean="0"/>
+              <a:rPr lang="en-US" dirty="0"/>
               <a:t>Cuppa2 </a:t>
             </a:r>
             <a:r>
-              <a:rPr lang="en-US" dirty="0" err="1" smtClean="0"/>
+              <a:rPr lang="en-US" dirty="0" err="1"/>
               <a:t>Codegen</a:t>
             </a:r>
             <a:endParaRPr lang="en-US" dirty="0"/>
@@ -7946,7 +7882,7 @@
           <a:effectLst/>
           <a:extLst>
             <a:ext uri="{AF507438-7753-43e0-B8FC-AC1667EBCBE1}">
-              <a14:hiddenEffects xmlns:a14="http://schemas.microsoft.com/office/drawing/2010/main" xmlns="">
+              <a14:hiddenEffects xmlns="" xmlns:a14="http://schemas.microsoft.com/office/drawing/2010/main">
                 <a:effectLst>
                   <a:outerShdw blurRad="63500" dist="38099" dir="2700000" algn="ctr" rotWithShape="0">
                     <a:schemeClr val="bg2">
@@ -8026,7 +7962,7 @@
           <a:effectLst/>
           <a:extLst>
             <a:ext uri="{AF507438-7753-43e0-B8FC-AC1667EBCBE1}">
-              <a14:hiddenEffects xmlns:a14="http://schemas.microsoft.com/office/drawing/2010/main" xmlns="">
+              <a14:hiddenEffects xmlns="" xmlns:a14="http://schemas.microsoft.com/office/drawing/2010/main">
                 <a:effectLst>
                   <a:outerShdw blurRad="63500" dist="38099" dir="2700000" algn="ctr" rotWithShape="0">
                     <a:schemeClr val="bg2">
@@ -8135,7 +8071,7 @@
           <a:effectLst/>
           <a:extLst>
             <a:ext uri="{AF507438-7753-43e0-B8FC-AC1667EBCBE1}">
-              <a14:hiddenEffects xmlns:a14="http://schemas.microsoft.com/office/drawing/2010/main" xmlns="">
+              <a14:hiddenEffects xmlns="" xmlns:a14="http://schemas.microsoft.com/office/drawing/2010/main">
                 <a:effectLst>
                   <a:outerShdw blurRad="63500" dist="38099" dir="2700000" algn="ctr" rotWithShape="0">
                     <a:schemeClr val="bg2">
@@ -8244,7 +8180,7 @@
           <a:effectLst/>
           <a:extLst>
             <a:ext uri="{AF507438-7753-43e0-B8FC-AC1667EBCBE1}">
-              <a14:hiddenEffects xmlns:a14="http://schemas.microsoft.com/office/drawing/2010/main" xmlns="">
+              <a14:hiddenEffects xmlns="" xmlns:a14="http://schemas.microsoft.com/office/drawing/2010/main">
                 <a:effectLst>
                   <a:outerShdw blurRad="63500" dist="38099" dir="2700000" algn="ctr" rotWithShape="0">
                     <a:schemeClr val="bg2">
@@ -8324,7 +8260,7 @@
           <a:effectLst/>
           <a:extLst>
             <a:ext uri="{AF507438-7753-43e0-B8FC-AC1667EBCBE1}">
-              <a14:hiddenEffects xmlns:a14="http://schemas.microsoft.com/office/drawing/2010/main" xmlns="">
+              <a14:hiddenEffects xmlns="" xmlns:a14="http://schemas.microsoft.com/office/drawing/2010/main">
                 <a:effectLst>
                   <a:outerShdw blurRad="63500" dist="38099" dir="2700000" algn="ctr" rotWithShape="0">
                     <a:schemeClr val="bg2">
@@ -8399,10 +8335,9 @@
           <a:p>
             <a:pPr marL="0" lvl="1"/>
             <a:r>
-              <a:rPr lang="en-US" sz="1400" dirty="0" smtClean="0"/>
+              <a:rPr lang="en-US" sz="1400" dirty="0"/>
               <a:t>cuppa2_cc_codegen.py</a:t>
             </a:r>
-            <a:endParaRPr lang="en-US" sz="1400" dirty="0"/>
           </a:p>
         </p:txBody>
       </p:sp>
@@ -8452,10 +8387,9 @@
           <a:lstStyle/>
           <a:p>
             <a:r>
-              <a:rPr lang="en-US" dirty="0" smtClean="0"/>
+              <a:rPr lang="en-US" dirty="0"/>
               <a:t>Cuppa2 Compiler</a:t>
             </a:r>
-            <a:endParaRPr lang="en-US" dirty="0"/>
           </a:p>
         </p:txBody>
       </p:sp>
@@ -8477,31 +8411,30 @@
           <a:lstStyle/>
           <a:p>
             <a:r>
-              <a:rPr lang="en-US" dirty="0" smtClean="0"/>
+              <a:rPr lang="en-US" dirty="0"/>
               <a:t>Observation: </a:t>
             </a:r>
           </a:p>
           <a:p>
             <a:pPr lvl="1"/>
             <a:r>
-              <a:rPr lang="en-US" dirty="0" smtClean="0"/>
+              <a:rPr lang="en-US" dirty="0"/>
               <a:t>The difference between the Cuppa1 and Cuppa2 language is the introduction of scope and declarations</a:t>
             </a:r>
           </a:p>
           <a:p>
             <a:pPr lvl="1"/>
             <a:r>
-              <a:rPr lang="en-US" dirty="0" smtClean="0"/>
+              <a:rPr lang="en-US" dirty="0"/>
               <a:t>These are purely high-level language constructs and we see this manifested in that the only thing that really changed in the Cuppa2 compiler compared to the Cuppa1 compiler is how variables are named!</a:t>
             </a:r>
           </a:p>
           <a:p>
             <a:pPr lvl="1"/>
             <a:r>
-              <a:rPr lang="en-US" dirty="0" smtClean="0"/>
+              <a:rPr lang="en-US" dirty="0"/>
               <a:t>That means the Cuppa2 compiler is completely responsible for enforcing scope it cannot pass that through to the underlying abstract machine.</a:t>
             </a:r>
-            <a:endParaRPr lang="en-US" dirty="0"/>
           </a:p>
         </p:txBody>
       </p:sp>
@@ -8551,10 +8484,9 @@
           <a:lstStyle/>
           <a:p>
             <a:r>
-              <a:rPr lang="en-US" dirty="0" smtClean="0"/>
+              <a:rPr lang="en-US" dirty="0"/>
               <a:t>Cuppa2 Driver Function</a:t>
             </a:r>
-            <a:endParaRPr lang="en-US" dirty="0"/>
           </a:p>
         </p:txBody>
       </p:sp>
@@ -8610,10 +8542,9 @@
           <a:lstStyle/>
           <a:p>
             <a:r>
-              <a:rPr lang="en-US" sz="1400" smtClean="0"/>
+              <a:rPr lang="en-US" sz="1400"/>
               <a:t>cuppa2_cc.py</a:t>
             </a:r>
-            <a:endParaRPr lang="en-US" sz="1400"/>
           </a:p>
         </p:txBody>
       </p:sp>
@@ -8663,10 +8594,9 @@
           <a:lstStyle/>
           <a:p>
             <a:r>
-              <a:rPr lang="en-US" dirty="0" smtClean="0"/>
+              <a:rPr lang="en-US" dirty="0"/>
               <a:t>Testing the Compiler</a:t>
             </a:r>
-            <a:endParaRPr lang="en-US" dirty="0"/>
           </a:p>
         </p:txBody>
       </p:sp>
@@ -8868,7 +8798,7 @@
           </a:ln>
           <a:extLst>
             <a:ext uri="{909E8E84-426E-40dd-AFC4-6F175D3DCCD1}">
-              <a14:hiddenFill xmlns:a14="http://schemas.microsoft.com/office/drawing/2010/main" xmlns="">
+              <a14:hiddenFill xmlns="" xmlns:a14="http://schemas.microsoft.com/office/drawing/2010/main">
                 <a:solidFill>
                   <a:schemeClr val="accent1"/>
                 </a:solidFill>
@@ -8966,7 +8896,7 @@
           </a:ln>
           <a:extLst>
             <a:ext uri="{909E8E84-426E-40dd-AFC4-6F175D3DCCD1}">
-              <a14:hiddenFill xmlns:a14="http://schemas.microsoft.com/office/drawing/2010/main" xmlns="">
+              <a14:hiddenFill xmlns="" xmlns:a14="http://schemas.microsoft.com/office/drawing/2010/main">
                 <a:solidFill>
                   <a:schemeClr val="accent1"/>
                 </a:solidFill>
@@ -9133,14 +9063,14 @@
               <a:t>        </a:t>
             </a:r>
             <a:r>
-              <a:rPr lang="en-US" sz="1200" dirty="0" err="1" smtClean="0"/>
+              <a:rPr lang="en-US" sz="1200" dirty="0" err="1"/>
               <a:t>noop</a:t>
             </a:r>
-            <a:endParaRPr lang="en-US" sz="1200" dirty="0" smtClean="0"/>
-          </a:p>
-          <a:p>
-            <a:r>
-              <a:rPr lang="en-US" sz="1200" dirty="0" smtClean="0"/>
+            <a:endParaRPr lang="en-US" sz="1200" dirty="0"/>
+          </a:p>
+          <a:p>
+            <a:r>
+              <a:rPr lang="en-US" sz="1200" dirty="0"/>
               <a:t>        print </a:t>
             </a:r>
             <a:r>
@@ -9221,14 +9151,14 @@
           </a:ln>
           <a:extLst>
             <a:ext uri="{909E8E84-426E-40dd-AFC4-6F175D3DCCD1}">
-              <a14:hiddenFill xmlns:a14="http://schemas.microsoft.com/office/drawing/2010/main" xmlns="">
+              <a14:hiddenFill xmlns="" xmlns:a14="http://schemas.microsoft.com/office/drawing/2010/main">
                 <a:solidFill>
                   <a:schemeClr val="accent1"/>
                 </a:solidFill>
               </a14:hiddenFill>
             </a:ext>
             <a:ext uri="{91240B29-F687-4f45-9708-019B960494DF}">
-              <a14:hiddenLine xmlns:a14="http://schemas.microsoft.com/office/drawing/2010/main" xmlns="" w="9525">
+              <a14:hiddenLine xmlns="" xmlns:a14="http://schemas.microsoft.com/office/drawing/2010/main" w="9525">
                 <a:solidFill>
                   <a:schemeClr val="tx1"/>
                 </a:solidFill>
@@ -9247,42 +9177,21 @@
           <a:p>
             <a:r>
               <a:rPr lang="en-US" dirty="0"/>
-              <a:t>Here R$ is just a variable name </a:t>
-            </a:r>
-            <a:r>
-              <a:rPr lang="en-US" dirty="0" smtClean="0"/>
-              <a:t>prefix…it could be any string</a:t>
-            </a:r>
-            <a:r>
-              <a:rPr lang="mr-IN" dirty="0" smtClean="0"/>
+              <a:t>Here R$ is just a variable name prefix…it could be any string</a:t>
+            </a:r>
+            <a:r>
+              <a:rPr lang="mr-IN" dirty="0"/>
               <a:t>…</a:t>
             </a:r>
             <a:r>
-              <a:rPr lang="en-US" dirty="0" smtClean="0"/>
-              <a:t>it </a:t>
-            </a:r>
-            <a:r>
               <a:rPr lang="en-US" dirty="0"/>
-              <a:t>will become </a:t>
-            </a:r>
-            <a:endParaRPr lang="en-US" dirty="0" smtClean="0"/>
-          </a:p>
-          <a:p>
-            <a:r>
-              <a:rPr lang="en-US" dirty="0" smtClean="0"/>
-              <a:t>significant </a:t>
-            </a:r>
+              <a:t>it will become </a:t>
+            </a:r>
+          </a:p>
+          <a:p>
             <a:r>
               <a:rPr lang="en-US" dirty="0"/>
-              <a:t>when </a:t>
-            </a:r>
-            <a:r>
-              <a:rPr lang="en-US" dirty="0" smtClean="0"/>
-              <a:t>considering </a:t>
-            </a:r>
-            <a:r>
-              <a:rPr lang="en-US" dirty="0"/>
-              <a:t>scoping.</a:t>
+              <a:t>significant when considering scoping.</a:t>
             </a:r>
           </a:p>
         </p:txBody>
@@ -9292,13 +9201,6 @@
   <p:clrMapOvr>
     <a:masterClrMapping/>
   </p:clrMapOvr>
-  <p:timing>
-    <p:tnLst>
-      <p:par>
-        <p:cTn id="1" dur="indefinite" restart="never" nodeType="tmRoot"/>
-      </p:par>
-    </p:tnLst>
-  </p:timing>
 </p:sld>
 </file>
 
@@ -9395,7 +9297,7 @@
           </a:ln>
           <a:extLst>
             <a:ext uri="{909E8E84-426E-40dd-AFC4-6F175D3DCCD1}">
-              <a14:hiddenFill xmlns:a14="http://schemas.microsoft.com/office/drawing/2010/main" xmlns="">
+              <a14:hiddenFill xmlns="" xmlns:a14="http://schemas.microsoft.com/office/drawing/2010/main">
                 <a:solidFill>
                   <a:schemeClr val="accent1"/>
                 </a:solidFill>
@@ -9492,7 +9394,7 @@
           </a:ln>
           <a:extLst>
             <a:ext uri="{909E8E84-426E-40dd-AFC4-6F175D3DCCD1}">
-              <a14:hiddenFill xmlns:a14="http://schemas.microsoft.com/office/drawing/2010/main" xmlns="">
+              <a14:hiddenFill xmlns="" xmlns:a14="http://schemas.microsoft.com/office/drawing/2010/main">
                 <a:solidFill>
                   <a:schemeClr val="accent1"/>
                 </a:solidFill>
@@ -9678,14 +9580,14 @@
           </a:ln>
           <a:extLst>
             <a:ext uri="{909E8E84-426E-40dd-AFC4-6F175D3DCCD1}">
-              <a14:hiddenFill xmlns:a14="http://schemas.microsoft.com/office/drawing/2010/main" xmlns="">
+              <a14:hiddenFill xmlns="" xmlns:a14="http://schemas.microsoft.com/office/drawing/2010/main">
                 <a:solidFill>
                   <a:schemeClr val="accent1"/>
                 </a:solidFill>
               </a14:hiddenFill>
             </a:ext>
             <a:ext uri="{91240B29-F687-4f45-9708-019B960494DF}">
-              <a14:hiddenLine xmlns:a14="http://schemas.microsoft.com/office/drawing/2010/main" xmlns="" w="9525">
+              <a14:hiddenLine xmlns="" xmlns:a14="http://schemas.microsoft.com/office/drawing/2010/main" w="9525">
                 <a:solidFill>
                   <a:schemeClr val="tx1"/>
                 </a:solidFill>
@@ -9731,14 +9633,14 @@
           </a:ln>
           <a:extLst>
             <a:ext uri="{909E8E84-426E-40dd-AFC4-6F175D3DCCD1}">
-              <a14:hiddenFill xmlns:a14="http://schemas.microsoft.com/office/drawing/2010/main" xmlns="">
+              <a14:hiddenFill xmlns="" xmlns:a14="http://schemas.microsoft.com/office/drawing/2010/main">
                 <a:solidFill>
                   <a:schemeClr val="accent1"/>
                 </a:solidFill>
               </a14:hiddenFill>
             </a:ext>
             <a:ext uri="{91240B29-F687-4f45-9708-019B960494DF}">
-              <a14:hiddenLine xmlns:a14="http://schemas.microsoft.com/office/drawing/2010/main" xmlns="" w="9525">
+              <a14:hiddenLine xmlns="" xmlns:a14="http://schemas.microsoft.com/office/drawing/2010/main" w="9525">
                 <a:solidFill>
                   <a:schemeClr val="tx1"/>
                 </a:solidFill>
@@ -9784,14 +9686,14 @@
           </a:ln>
           <a:extLst>
             <a:ext uri="{909E8E84-426E-40dd-AFC4-6F175D3DCCD1}">
-              <a14:hiddenFill xmlns:a14="http://schemas.microsoft.com/office/drawing/2010/main" xmlns="">
+              <a14:hiddenFill xmlns="" xmlns:a14="http://schemas.microsoft.com/office/drawing/2010/main">
                 <a:solidFill>
                   <a:schemeClr val="accent1"/>
                 </a:solidFill>
               </a14:hiddenFill>
             </a:ext>
             <a:ext uri="{91240B29-F687-4f45-9708-019B960494DF}">
-              <a14:hiddenLine xmlns:a14="http://schemas.microsoft.com/office/drawing/2010/main" xmlns="" w="9525">
+              <a14:hiddenLine xmlns="" xmlns:a14="http://schemas.microsoft.com/office/drawing/2010/main" w="9525">
                 <a:solidFill>
                   <a:schemeClr val="tx1"/>
                 </a:solidFill>
@@ -9820,13 +9722,6 @@
   <p:clrMapOvr>
     <a:masterClrMapping/>
   </p:clrMapOvr>
-  <p:timing>
-    <p:tnLst>
-      <p:par>
-        <p:cTn id="1" dur="indefinite" restart="never" nodeType="tmRoot"/>
-      </p:par>
-    </p:tnLst>
-  </p:timing>
 </p:sld>
 </file>
 
@@ -9923,7 +9818,7 @@
           </a:ln>
           <a:extLst>
             <a:ext uri="{909E8E84-426E-40dd-AFC4-6F175D3DCCD1}">
-              <a14:hiddenFill xmlns:a14="http://schemas.microsoft.com/office/drawing/2010/main" xmlns="">
+              <a14:hiddenFill xmlns="" xmlns:a14="http://schemas.microsoft.com/office/drawing/2010/main">
                 <a:solidFill>
                   <a:schemeClr val="accent1"/>
                 </a:solidFill>
@@ -10020,7 +9915,7 @@
           </a:ln>
           <a:extLst>
             <a:ext uri="{909E8E84-426E-40dd-AFC4-6F175D3DCCD1}">
-              <a14:hiddenFill xmlns:a14="http://schemas.microsoft.com/office/drawing/2010/main" xmlns="">
+              <a14:hiddenFill xmlns="" xmlns:a14="http://schemas.microsoft.com/office/drawing/2010/main">
                 <a:solidFill>
                   <a:schemeClr val="accent1"/>
                 </a:solidFill>
@@ -10174,14 +10069,14 @@
           </a:ln>
           <a:extLst>
             <a:ext uri="{909E8E84-426E-40dd-AFC4-6F175D3DCCD1}">
-              <a14:hiddenFill xmlns:a14="http://schemas.microsoft.com/office/drawing/2010/main" xmlns="">
+              <a14:hiddenFill xmlns="" xmlns:a14="http://schemas.microsoft.com/office/drawing/2010/main">
                 <a:solidFill>
                   <a:schemeClr val="accent1"/>
                 </a:solidFill>
               </a14:hiddenFill>
             </a:ext>
             <a:ext uri="{91240B29-F687-4f45-9708-019B960494DF}">
-              <a14:hiddenLine xmlns:a14="http://schemas.microsoft.com/office/drawing/2010/main" xmlns="" w="9525">
+              <a14:hiddenLine xmlns="" xmlns:a14="http://schemas.microsoft.com/office/drawing/2010/main" w="9525">
                 <a:solidFill>
                   <a:schemeClr val="tx1"/>
                 </a:solidFill>
@@ -10241,14 +10136,14 @@
           </a:ln>
           <a:extLst>
             <a:ext uri="{909E8E84-426E-40dd-AFC4-6F175D3DCCD1}">
-              <a14:hiddenFill xmlns:a14="http://schemas.microsoft.com/office/drawing/2010/main" xmlns="">
+              <a14:hiddenFill xmlns="" xmlns:a14="http://schemas.microsoft.com/office/drawing/2010/main">
                 <a:solidFill>
                   <a:schemeClr val="accent1"/>
                 </a:solidFill>
               </a14:hiddenFill>
             </a:ext>
             <a:ext uri="{91240B29-F687-4f45-9708-019B960494DF}">
-              <a14:hiddenLine xmlns:a14="http://schemas.microsoft.com/office/drawing/2010/main" xmlns="" w="9525">
+              <a14:hiddenLine xmlns="" xmlns:a14="http://schemas.microsoft.com/office/drawing/2010/main" w="9525">
                 <a:solidFill>
                   <a:schemeClr val="tx1"/>
                 </a:solidFill>
@@ -10294,14 +10189,14 @@
           </a:ln>
           <a:extLst>
             <a:ext uri="{909E8E84-426E-40dd-AFC4-6F175D3DCCD1}">
-              <a14:hiddenFill xmlns:a14="http://schemas.microsoft.com/office/drawing/2010/main" xmlns="">
+              <a14:hiddenFill xmlns="" xmlns:a14="http://schemas.microsoft.com/office/drawing/2010/main">
                 <a:solidFill>
                   <a:schemeClr val="accent1"/>
                 </a:solidFill>
               </a14:hiddenFill>
             </a:ext>
             <a:ext uri="{91240B29-F687-4f45-9708-019B960494DF}">
-              <a14:hiddenLine xmlns:a14="http://schemas.microsoft.com/office/drawing/2010/main" xmlns="" w="9525">
+              <a14:hiddenLine xmlns="" xmlns:a14="http://schemas.microsoft.com/office/drawing/2010/main" w="9525">
                 <a:solidFill>
                   <a:schemeClr val="tx1"/>
                 </a:solidFill>
@@ -10330,13 +10225,6 @@
   <p:clrMapOvr>
     <a:masterClrMapping/>
   </p:clrMapOvr>
-  <p:timing>
-    <p:tnLst>
-      <p:par>
-        <p:cTn id="1" dur="indefinite" restart="never" nodeType="tmRoot"/>
-      </p:par>
-    </p:tnLst>
-  </p:timing>
 </p:sld>
 </file>
 
@@ -10416,7 +10304,7 @@
         </p:nvSpPr>
         <p:spPr bwMode="auto">
           <a:xfrm>
-            <a:off x="1952625" y="2514600"/>
+            <a:off x="1929606" y="2434431"/>
             <a:ext cx="1323975" cy="1927225"/>
           </a:xfrm>
           <a:prstGeom prst="rect">
@@ -10433,7 +10321,7 @@
           </a:ln>
           <a:extLst>
             <a:ext uri="{909E8E84-426E-40dd-AFC4-6F175D3DCCD1}">
-              <a14:hiddenFill xmlns:a14="http://schemas.microsoft.com/office/drawing/2010/main" xmlns="">
+              <a14:hiddenFill xmlns="" xmlns:a14="http://schemas.microsoft.com/office/drawing/2010/main">
                 <a:solidFill>
                   <a:schemeClr val="accent1"/>
                 </a:solidFill>
@@ -10571,7 +10459,7 @@
           </a:ln>
           <a:extLst>
             <a:ext uri="{909E8E84-426E-40dd-AFC4-6F175D3DCCD1}">
-              <a14:hiddenFill xmlns:a14="http://schemas.microsoft.com/office/drawing/2010/main" xmlns="">
+              <a14:hiddenFill xmlns="" xmlns:a14="http://schemas.microsoft.com/office/drawing/2010/main">
                 <a:solidFill>
                   <a:schemeClr val="accent1"/>
                 </a:solidFill>
@@ -10761,14 +10649,14 @@
           </a:ln>
           <a:extLst>
             <a:ext uri="{909E8E84-426E-40dd-AFC4-6F175D3DCCD1}">
-              <a14:hiddenFill xmlns:a14="http://schemas.microsoft.com/office/drawing/2010/main" xmlns="">
+              <a14:hiddenFill xmlns="" xmlns:a14="http://schemas.microsoft.com/office/drawing/2010/main">
                 <a:solidFill>
                   <a:schemeClr val="accent1"/>
                 </a:solidFill>
               </a14:hiddenFill>
             </a:ext>
             <a:ext uri="{91240B29-F687-4f45-9708-019B960494DF}">
-              <a14:hiddenLine xmlns:a14="http://schemas.microsoft.com/office/drawing/2010/main" xmlns="" w="9525">
+              <a14:hiddenLine xmlns="" xmlns:a14="http://schemas.microsoft.com/office/drawing/2010/main" w="9525">
                 <a:solidFill>
                   <a:schemeClr val="tx1"/>
                 </a:solidFill>
@@ -10793,11 +10681,7 @@
           <a:p>
             <a:r>
               <a:rPr lang="en-US" sz="2000" dirty="0"/>
-              <a:t>can never be active at the same time</a:t>
-            </a:r>
-            <a:r>
-              <a:rPr lang="en-US" sz="2000" dirty="0" smtClean="0"/>
-              <a:t>.</a:t>
+              <a:t>can never be active at the same time.</a:t>
             </a:r>
           </a:p>
           <a:p>
@@ -10805,17 +10689,16 @@
           </a:p>
           <a:p>
             <a:r>
-              <a:rPr lang="en-US" sz="2000" dirty="0" smtClean="0"/>
+              <a:rPr lang="en-US" sz="2000" dirty="0"/>
               <a:t>You have to be careful that the variable is properly initialized if </a:t>
             </a:r>
             <a:br>
-              <a:rPr lang="en-US" sz="2000" dirty="0" smtClean="0"/>
+              <a:rPr lang="en-US" sz="2000" dirty="0"/>
             </a:br>
             <a:r>
-              <a:rPr lang="en-US" sz="2000" dirty="0" smtClean="0"/>
+              <a:rPr lang="en-US" sz="2000" dirty="0"/>
               <a:t>you use it for the second scope.</a:t>
             </a:r>
-            <a:endParaRPr lang="en-US" sz="2000" dirty="0"/>
           </a:p>
         </p:txBody>
       </p:sp>
@@ -10841,14 +10724,14 @@
           </a:ln>
           <a:extLst>
             <a:ext uri="{909E8E84-426E-40dd-AFC4-6F175D3DCCD1}">
-              <a14:hiddenFill xmlns:a14="http://schemas.microsoft.com/office/drawing/2010/main" xmlns="">
+              <a14:hiddenFill xmlns="" xmlns:a14="http://schemas.microsoft.com/office/drawing/2010/main">
                 <a:solidFill>
                   <a:schemeClr val="accent1"/>
                 </a:solidFill>
               </a14:hiddenFill>
             </a:ext>
             <a:ext uri="{91240B29-F687-4f45-9708-019B960494DF}">
-              <a14:hiddenLine xmlns:a14="http://schemas.microsoft.com/office/drawing/2010/main" xmlns="" w="9525">
+              <a14:hiddenLine xmlns="" xmlns:a14="http://schemas.microsoft.com/office/drawing/2010/main" w="9525">
                 <a:solidFill>
                   <a:schemeClr val="tx1"/>
                 </a:solidFill>
@@ -10894,14 +10777,14 @@
           </a:ln>
           <a:extLst>
             <a:ext uri="{909E8E84-426E-40dd-AFC4-6F175D3DCCD1}">
-              <a14:hiddenFill xmlns:a14="http://schemas.microsoft.com/office/drawing/2010/main" xmlns="">
+              <a14:hiddenFill xmlns="" xmlns:a14="http://schemas.microsoft.com/office/drawing/2010/main">
                 <a:solidFill>
                   <a:schemeClr val="accent1"/>
                 </a:solidFill>
               </a14:hiddenFill>
             </a:ext>
             <a:ext uri="{91240B29-F687-4f45-9708-019B960494DF}">
-              <a14:hiddenLine xmlns:a14="http://schemas.microsoft.com/office/drawing/2010/main" xmlns="" w="9525">
+              <a14:hiddenLine xmlns="" xmlns:a14="http://schemas.microsoft.com/office/drawing/2010/main" w="9525">
                 <a:solidFill>
                   <a:schemeClr val="tx1"/>
                 </a:solidFill>
@@ -10930,13 +10813,6 @@
   <p:clrMapOvr>
     <a:masterClrMapping/>
   </p:clrMapOvr>
-  <p:timing>
-    <p:tnLst>
-      <p:par>
-        <p:cTn id="1" dur="indefinite" restart="never" nodeType="tmRoot"/>
-      </p:par>
-    </p:tnLst>
-  </p:timing>
 </p:sld>
 </file>
 
@@ -10980,7 +10856,7 @@
               <a:rPr lang="en-US" dirty="0"/>
             </a:br>
             <a:r>
-              <a:rPr lang="en-US" dirty="0" smtClean="0"/>
+              <a:rPr lang="en-US" dirty="0"/>
               <a:t>Cuppa2 </a:t>
             </a:r>
             <a:r>
@@ -10991,13 +10867,8 @@
             </a:r>
             <a:r>
               <a:rPr lang="en-US" dirty="0"/>
-              <a:t> </a:t>
-            </a:r>
-            <a:r>
-              <a:rPr lang="en-US" dirty="0" smtClean="0"/>
-              <a:t>Exp1bytecode</a:t>
-            </a:r>
-            <a:endParaRPr lang="en-US" dirty="0"/>
+              <a:t> Exp1bytecode</a:t>
+            </a:r>
           </a:p>
         </p:txBody>
       </p:sp>
@@ -11029,10 +10900,9 @@
               </a:lnSpc>
             </a:pPr>
             <a:r>
-              <a:rPr lang="en-US" sz="2600" dirty="0" smtClean="0"/>
+              <a:rPr lang="en-US" sz="2600" dirty="0"/>
               <a:t>The compiler follows the Cuppa1 architecture.</a:t>
             </a:r>
-            <a:endParaRPr lang="en-US" sz="2600" dirty="0"/>
           </a:p>
           <a:p>
             <a:pPr>
@@ -11042,21 +10912,8 @@
             </a:pPr>
             <a:r>
               <a:rPr lang="en-US" sz="2600" dirty="0"/>
-              <a:t>Uses the same symbol table as the interpreter, but </a:t>
-            </a:r>
-            <a:r>
-              <a:rPr lang="en-US" sz="2600" dirty="0" smtClean="0"/>
-              <a:t>computes </a:t>
-            </a:r>
-            <a:r>
-              <a:rPr lang="en-US" sz="2600" dirty="0"/>
-              <a:t>the variable </a:t>
-            </a:r>
-            <a:r>
-              <a:rPr lang="en-US" sz="2600" dirty="0" smtClean="0"/>
-              <a:t>prefix instead of storing values</a:t>
-            </a:r>
-            <a:endParaRPr lang="en-US" sz="2600" dirty="0"/>
+              <a:t>Uses the same symbol table as the interpreter, but computes the variable prefix instead of storing values</a:t>
+            </a:r>
           </a:p>
           <a:p>
             <a:pPr>
@@ -11111,7 +10968,7 @@
             </a:ln>
             <a:extLst>
               <a:ext uri="{909E8E84-426E-40dd-AFC4-6F175D3DCCD1}">
-                <a14:hiddenFill xmlns:a14="http://schemas.microsoft.com/office/drawing/2010/main" xmlns="">
+                <a14:hiddenFill xmlns="" xmlns:a14="http://schemas.microsoft.com/office/drawing/2010/main">
                   <a:solidFill>
                     <a:schemeClr val="accent1"/>
                   </a:solidFill>
@@ -11149,14 +11006,14 @@
             </a:ln>
             <a:extLst>
               <a:ext uri="{909E8E84-426E-40dd-AFC4-6F175D3DCCD1}">
-                <a14:hiddenFill xmlns:a14="http://schemas.microsoft.com/office/drawing/2010/main" xmlns="">
+                <a14:hiddenFill xmlns="" xmlns:a14="http://schemas.microsoft.com/office/drawing/2010/main">
                   <a:solidFill>
                     <a:schemeClr val="accent1"/>
                   </a:solidFill>
                 </a14:hiddenFill>
               </a:ext>
               <a:ext uri="{91240B29-F687-4f45-9708-019B960494DF}">
-                <a14:hiddenLine xmlns:a14="http://schemas.microsoft.com/office/drawing/2010/main" xmlns="" w="9525">
+                <a14:hiddenLine xmlns="" xmlns:a14="http://schemas.microsoft.com/office/drawing/2010/main" w="9525">
                   <a:solidFill>
                     <a:schemeClr val="tx1"/>
                   </a:solidFill>
@@ -11208,7 +11065,7 @@
           </a:ln>
           <a:extLst>
             <a:ext uri="{909E8E84-426E-40dd-AFC4-6F175D3DCCD1}">
-              <a14:hiddenFill xmlns:a14="http://schemas.microsoft.com/office/drawing/2010/main" xmlns="">
+              <a14:hiddenFill xmlns="" xmlns:a14="http://schemas.microsoft.com/office/drawing/2010/main">
                 <a:noFill/>
               </a14:hiddenFill>
             </a:ext>
@@ -11326,7 +11183,7 @@
           </a:ln>
           <a:extLst>
             <a:ext uri="{909E8E84-426E-40dd-AFC4-6F175D3DCCD1}">
-              <a14:hiddenFill xmlns:a14="http://schemas.microsoft.com/office/drawing/2010/main" xmlns="">
+              <a14:hiddenFill xmlns="" xmlns:a14="http://schemas.microsoft.com/office/drawing/2010/main">
                 <a:noFill/>
               </a14:hiddenFill>
             </a:ext>
@@ -11355,14 +11212,14 @@
           </a:ln>
           <a:extLst>
             <a:ext uri="{909E8E84-426E-40dd-AFC4-6F175D3DCCD1}">
-              <a14:hiddenFill xmlns:a14="http://schemas.microsoft.com/office/drawing/2010/main" xmlns="">
+              <a14:hiddenFill xmlns="" xmlns:a14="http://schemas.microsoft.com/office/drawing/2010/main">
                 <a:solidFill>
                   <a:schemeClr val="accent1"/>
                 </a:solidFill>
               </a14:hiddenFill>
             </a:ext>
             <a:ext uri="{91240B29-F687-4f45-9708-019B960494DF}">
-              <a14:hiddenLine xmlns:a14="http://schemas.microsoft.com/office/drawing/2010/main" xmlns="" w="9525">
+              <a14:hiddenLine xmlns="" xmlns:a14="http://schemas.microsoft.com/office/drawing/2010/main" w="9525">
                 <a:solidFill>
                   <a:schemeClr val="tx1"/>
                 </a:solidFill>
@@ -11416,7 +11273,7 @@
           </a:ln>
           <a:extLst>
             <a:ext uri="{909E8E84-426E-40dd-AFC4-6F175D3DCCD1}">
-              <a14:hiddenFill xmlns:a14="http://schemas.microsoft.com/office/drawing/2010/main" xmlns="">
+              <a14:hiddenFill xmlns="" xmlns:a14="http://schemas.microsoft.com/office/drawing/2010/main">
                 <a:solidFill>
                   <a:schemeClr val="accent1"/>
                 </a:solidFill>
@@ -11461,7 +11318,7 @@
           </a:ln>
           <a:extLst>
             <a:ext uri="{909E8E84-426E-40dd-AFC4-6F175D3DCCD1}">
-              <a14:hiddenFill xmlns:a14="http://schemas.microsoft.com/office/drawing/2010/main" xmlns="">
+              <a14:hiddenFill xmlns="" xmlns:a14="http://schemas.microsoft.com/office/drawing/2010/main">
                 <a:noFill/>
               </a14:hiddenFill>
             </a:ext>
@@ -11490,14 +11347,14 @@
           </a:ln>
           <a:extLst>
             <a:ext uri="{909E8E84-426E-40dd-AFC4-6F175D3DCCD1}">
-              <a14:hiddenFill xmlns:a14="http://schemas.microsoft.com/office/drawing/2010/main" xmlns="">
+              <a14:hiddenFill xmlns="" xmlns:a14="http://schemas.microsoft.com/office/drawing/2010/main">
                 <a:solidFill>
                   <a:schemeClr val="accent1"/>
                 </a:solidFill>
               </a14:hiddenFill>
             </a:ext>
             <a:ext uri="{91240B29-F687-4f45-9708-019B960494DF}">
-              <a14:hiddenLine xmlns:a14="http://schemas.microsoft.com/office/drawing/2010/main" xmlns="" w="9525">
+              <a14:hiddenLine xmlns="" xmlns:a14="http://schemas.microsoft.com/office/drawing/2010/main" w="9525">
                 <a:solidFill>
                   <a:schemeClr val="tx1"/>
                 </a:solidFill>
@@ -11543,14 +11400,14 @@
           </a:ln>
           <a:extLst>
             <a:ext uri="{909E8E84-426E-40dd-AFC4-6F175D3DCCD1}">
-              <a14:hiddenFill xmlns:a14="http://schemas.microsoft.com/office/drawing/2010/main" xmlns="">
+              <a14:hiddenFill xmlns="" xmlns:a14="http://schemas.microsoft.com/office/drawing/2010/main">
                 <a:solidFill>
                   <a:schemeClr val="accent1"/>
                 </a:solidFill>
               </a14:hiddenFill>
             </a:ext>
             <a:ext uri="{91240B29-F687-4f45-9708-019B960494DF}">
-              <a14:hiddenLine xmlns:a14="http://schemas.microsoft.com/office/drawing/2010/main" xmlns="" w="9525">
+              <a14:hiddenLine xmlns="" xmlns:a14="http://schemas.microsoft.com/office/drawing/2010/main" w="9525">
                 <a:solidFill>
                   <a:schemeClr val="tx1"/>
                 </a:solidFill>
@@ -11568,17 +11425,16 @@
           <a:lstStyle/>
           <a:p>
             <a:r>
-              <a:rPr lang="en-US" dirty="0" err="1" smtClean="0"/>
+              <a:rPr lang="en-US" dirty="0" err="1"/>
               <a:t>CodeGen</a:t>
             </a:r>
-            <a:endParaRPr lang="en-US" dirty="0" smtClean="0"/>
-          </a:p>
-          <a:p>
-            <a:r>
-              <a:rPr lang="en-US" dirty="0" smtClean="0"/>
+            <a:endParaRPr lang="en-US" dirty="0"/>
+          </a:p>
+          <a:p>
+            <a:r>
+              <a:rPr lang="en-US" dirty="0"/>
               <a:t>Walker</a:t>
             </a:r>
-            <a:endParaRPr lang="en-US" dirty="0"/>
           </a:p>
         </p:txBody>
       </p:sp>
@@ -11760,7 +11616,7 @@
             <a:effectLst/>
             <a:extLst>
               <a:ext uri="{AF507438-7753-43e0-B8FC-AC1667EBCBE1}">
-                <a14:hiddenEffects xmlns:a14="http://schemas.microsoft.com/office/drawing/2010/main" xmlns="">
+                <a14:hiddenEffects xmlns="" xmlns:a14="http://schemas.microsoft.com/office/drawing/2010/main">
                   <a:effectLst>
                     <a:outerShdw blurRad="63500" dist="38099" dir="2700000" algn="ctr" rotWithShape="0">
                       <a:schemeClr val="bg2">
@@ -11802,7 +11658,7 @@
             <a:effectLst/>
             <a:extLst>
               <a:ext uri="{AF507438-7753-43e0-B8FC-AC1667EBCBE1}">
-                <a14:hiddenEffects xmlns:a14="http://schemas.microsoft.com/office/drawing/2010/main" xmlns="">
+                <a14:hiddenEffects xmlns="" xmlns:a14="http://schemas.microsoft.com/office/drawing/2010/main">
                   <a:effectLst>
                     <a:outerShdw blurRad="63500" dist="38099" dir="2700000" algn="ctr" rotWithShape="0">
                       <a:schemeClr val="bg2">
@@ -11844,7 +11700,7 @@
             <a:effectLst/>
             <a:extLst>
               <a:ext uri="{AF507438-7753-43e0-B8FC-AC1667EBCBE1}">
-                <a14:hiddenEffects xmlns:a14="http://schemas.microsoft.com/office/drawing/2010/main" xmlns="">
+                <a14:hiddenEffects xmlns="" xmlns:a14="http://schemas.microsoft.com/office/drawing/2010/main">
                   <a:effectLst>
                     <a:outerShdw blurRad="63500" dist="38099" dir="2700000" algn="ctr" rotWithShape="0">
                       <a:schemeClr val="bg2">
@@ -11886,7 +11742,7 @@
             <a:effectLst/>
             <a:extLst>
               <a:ext uri="{AF507438-7753-43e0-B8FC-AC1667EBCBE1}">
-                <a14:hiddenEffects xmlns:a14="http://schemas.microsoft.com/office/drawing/2010/main" xmlns="">
+                <a14:hiddenEffects xmlns="" xmlns:a14="http://schemas.microsoft.com/office/drawing/2010/main">
                   <a:effectLst>
                     <a:outerShdw blurRad="63500" dist="38099" dir="2700000" algn="ctr" rotWithShape="0">
                       <a:schemeClr val="bg2">
@@ -11928,7 +11784,7 @@
             <a:effectLst/>
             <a:extLst>
               <a:ext uri="{AF507438-7753-43e0-B8FC-AC1667EBCBE1}">
-                <a14:hiddenEffects xmlns:a14="http://schemas.microsoft.com/office/drawing/2010/main" xmlns="">
+                <a14:hiddenEffects xmlns="" xmlns:a14="http://schemas.microsoft.com/office/drawing/2010/main">
                   <a:effectLst>
                     <a:outerShdw blurRad="63500" dist="38099" dir="2700000" algn="ctr" rotWithShape="0">
                       <a:schemeClr val="bg2">
@@ -11970,7 +11826,7 @@
             <a:effectLst/>
             <a:extLst>
               <a:ext uri="{AF507438-7753-43e0-B8FC-AC1667EBCBE1}">
-                <a14:hiddenEffects xmlns:a14="http://schemas.microsoft.com/office/drawing/2010/main" xmlns="">
+                <a14:hiddenEffects xmlns="" xmlns:a14="http://schemas.microsoft.com/office/drawing/2010/main">
                   <a:effectLst>
                     <a:outerShdw blurRad="63500" dist="38099" dir="2700000" algn="ctr" rotWithShape="0">
                       <a:schemeClr val="bg2">
@@ -12012,7 +11868,7 @@
             <a:effectLst/>
             <a:extLst>
               <a:ext uri="{AF507438-7753-43e0-B8FC-AC1667EBCBE1}">
-                <a14:hiddenEffects xmlns:a14="http://schemas.microsoft.com/office/drawing/2010/main" xmlns="">
+                <a14:hiddenEffects xmlns="" xmlns:a14="http://schemas.microsoft.com/office/drawing/2010/main">
                   <a:effectLst>
                     <a:outerShdw blurRad="63500" dist="38099" dir="2700000" algn="ctr" rotWithShape="0">
                       <a:schemeClr val="bg2">
@@ -12054,7 +11910,7 @@
             <a:effectLst/>
             <a:extLst>
               <a:ext uri="{AF507438-7753-43e0-B8FC-AC1667EBCBE1}">
-                <a14:hiddenEffects xmlns:a14="http://schemas.microsoft.com/office/drawing/2010/main" xmlns="">
+                <a14:hiddenEffects xmlns="" xmlns:a14="http://schemas.microsoft.com/office/drawing/2010/main">
                   <a:effectLst>
                     <a:outerShdw blurRad="63500" dist="38099" dir="2700000" algn="ctr" rotWithShape="0">
                       <a:schemeClr val="bg2">
@@ -12091,10 +11947,9 @@
           <a:lstStyle/>
           <a:p>
             <a:r>
-              <a:rPr lang="en-US" dirty="0" smtClean="0"/>
+              <a:rPr lang="en-US" dirty="0"/>
               <a:t>Frontend</a:t>
             </a:r>
-            <a:endParaRPr lang="en-US" dirty="0"/>
           </a:p>
         </p:txBody>
       </p:sp>
@@ -12108,13 +11963,6 @@
   <p:clrMapOvr>
     <a:masterClrMapping/>
   </p:clrMapOvr>
-  <p:timing>
-    <p:tnLst>
-      <p:par>
-        <p:cTn id="1" dur="indefinite" restart="never" nodeType="tmRoot"/>
-      </p:par>
-    </p:tnLst>
-  </p:timing>
 </p:sld>
 </file>
 
@@ -12151,10 +11999,9 @@
           <a:lstStyle/>
           <a:p>
             <a:r>
-              <a:rPr lang="en-US" dirty="0" smtClean="0"/>
+              <a:rPr lang="en-US" dirty="0"/>
               <a:t>Observations on Compilers</a:t>
             </a:r>
-            <a:endParaRPr lang="en-US" dirty="0"/>
           </a:p>
         </p:txBody>
       </p:sp>
@@ -12174,30 +12021,21 @@
           <a:lstStyle/>
           <a:p>
             <a:r>
-              <a:rPr lang="en-US" dirty="0" smtClean="0"/>
+              <a:rPr lang="en-US" dirty="0"/>
               <a:t>Compilers do not compute values (as interpreters do)</a:t>
             </a:r>
           </a:p>
           <a:p>
             <a:r>
-              <a:rPr lang="en-US" dirty="0" smtClean="0"/>
+              <a:rPr lang="en-US" dirty="0"/>
               <a:t>Compilers validate the source program, making sure that the intended behavior is correct but do not execute it</a:t>
             </a:r>
           </a:p>
           <a:p>
             <a:r>
-              <a:rPr lang="en-US" dirty="0" smtClean="0"/>
-              <a:t>Compilers generate code for the target machine that then </a:t>
-            </a:r>
-            <a:r>
-              <a:rPr lang="en-US" dirty="0" smtClean="0"/>
-              <a:t>executes </a:t>
-            </a:r>
-            <a:r>
-              <a:rPr lang="en-US" dirty="0" smtClean="0"/>
-              <a:t>the intended behavior</a:t>
-            </a:r>
-            <a:endParaRPr lang="en-US" dirty="0"/>
+              <a:rPr lang="en-US" dirty="0"/>
+              <a:t>Compilers generate code for the target machine that then executes the intended behavior</a:t>
+            </a:r>
           </a:p>
         </p:txBody>
       </p:sp>
@@ -12247,10 +12085,9 @@
           <a:lstStyle/>
           <a:p>
             <a:r>
-              <a:rPr lang="en-US" dirty="0" smtClean="0"/>
+              <a:rPr lang="en-US" dirty="0"/>
               <a:t>Observations on the Symbol Table</a:t>
             </a:r>
-            <a:endParaRPr lang="en-US" dirty="0"/>
           </a:p>
         </p:txBody>
       </p:sp>
@@ -12270,24 +12107,23 @@
           <a:lstStyle/>
           <a:p>
             <a:r>
-              <a:rPr lang="en-US" dirty="0" smtClean="0"/>
+              <a:rPr lang="en-US" dirty="0"/>
               <a:t>The fact that compilers do not compute values but validate the source program has an effect on the symbol table:</a:t>
             </a:r>
           </a:p>
           <a:p>
             <a:pPr lvl="1"/>
             <a:r>
-              <a:rPr lang="en-US" dirty="0" smtClean="0"/>
+              <a:rPr lang="en-US" dirty="0"/>
               <a:t>rather than storing variable-value pairs the symbol table act merely as a record holder for variables seen/declared</a:t>
             </a:r>
           </a:p>
           <a:p>
             <a:pPr lvl="1"/>
             <a:r>
-              <a:rPr lang="en-US" dirty="0" smtClean="0"/>
+              <a:rPr lang="en-US" dirty="0"/>
               <a:t>in our case, the symbol table stores the variable-’target name’ (scoped name) pairs</a:t>
             </a:r>
-            <a:endParaRPr lang="en-US" dirty="0"/>
           </a:p>
         </p:txBody>
       </p:sp>
@@ -12301,13 +12137,6 @@
   <p:clrMapOvr>
     <a:masterClrMapping/>
   </p:clrMapOvr>
-  <p:timing>
-    <p:tnLst>
-      <p:par>
-        <p:cTn id="1" dur="indefinite" restart="never" nodeType="tmRoot"/>
-      </p:par>
-    </p:tnLst>
-  </p:timing>
 </p:sld>
 </file>
 
@@ -12344,10 +12173,9 @@
           <a:lstStyle/>
           <a:p>
             <a:r>
-              <a:rPr lang="en-US" dirty="0" smtClean="0"/>
+              <a:rPr lang="en-US" dirty="0"/>
               <a:t>Observations on the Symbol Table</a:t>
             </a:r>
-            <a:endParaRPr lang="en-US" dirty="0"/>
           </a:p>
         </p:txBody>
       </p:sp>
@@ -12381,7 +12209,7 @@
           <a:lstStyle/>
           <a:p>
             <a:r>
-              <a:rPr lang="en-US" sz="900" dirty="0" smtClean="0">
+              <a:rPr lang="en-US" sz="900" dirty="0">
                 <a:solidFill>
                   <a:srgbClr val="BA2DA2"/>
                 </a:solidFill>
@@ -12390,7 +12218,7 @@
               <a:t>class</a:t>
             </a:r>
             <a:r>
-              <a:rPr lang="en-US" sz="900" dirty="0" smtClean="0">
+              <a:rPr lang="en-US" sz="900" dirty="0">
                 <a:solidFill>
                   <a:srgbClr val="000000"/>
                 </a:solidFill>
@@ -12418,12 +12246,6 @@
             </a:r>
           </a:p>
           <a:p>
-            <a:r>
-              <a:rPr lang="en-US" sz="900" dirty="0">
-                <a:latin typeface="Helvetica" charset="0"/>
-              </a:rPr>
-              <a:t/>
-            </a:r>
             <a:br>
               <a:rPr lang="en-US" sz="900" dirty="0">
                 <a:latin typeface="Helvetica" charset="0"/>
@@ -12508,19 +12330,10 @@
                 </a:solidFill>
                 <a:latin typeface="Menlo" charset="0"/>
               </a:rPr>
-              <a:t> </a:t>
-            </a:r>
-            <a:r>
-              <a:rPr lang="en-US" sz="900" dirty="0" smtClean="0">
-                <a:solidFill>
-                  <a:srgbClr val="000000"/>
-                </a:solidFill>
-                <a:latin typeface="Menlo" charset="0"/>
-              </a:rPr>
-              <a:t>	</a:t>
-            </a:r>
-            <a:r>
-              <a:rPr lang="mr-IN" sz="900" dirty="0" smtClean="0">
+              <a:t> 	</a:t>
+            </a:r>
+            <a:r>
+              <a:rPr lang="mr-IN" sz="900" dirty="0">
                 <a:solidFill>
                   <a:srgbClr val="000000"/>
                 </a:solidFill>
@@ -12621,13 +12434,13 @@
           </a:p>
           <a:p>
             <a:r>
-              <a:rPr lang="en-US" sz="900" dirty="0" smtClean="0">
+              <a:rPr lang="en-US" sz="900" dirty="0">
                 <a:latin typeface="Helvetica" charset="0"/>
               </a:rPr>
               <a:t>	</a:t>
             </a:r>
             <a:r>
-              <a:rPr lang="mr-IN" sz="900" dirty="0" smtClean="0">
+              <a:rPr lang="mr-IN" sz="900" dirty="0">
                 <a:latin typeface="Helvetica" charset="0"/>
               </a:rPr>
               <a:t>…</a:t>
@@ -12725,7 +12538,7 @@
           </a:p>
           <a:p>
             <a:r>
-              <a:rPr lang="en-US" sz="900" dirty="0" smtClean="0">
+              <a:rPr lang="en-US" sz="900" dirty="0">
                 <a:solidFill>
                   <a:srgbClr val="000000"/>
                 </a:solidFill>
@@ -12734,641 +12547,13 @@
               <a:t>	</a:t>
             </a:r>
             <a:r>
-              <a:rPr lang="mr-IN" sz="900" dirty="0" smtClean="0">
+              <a:rPr lang="mr-IN" sz="900" dirty="0">
                 <a:solidFill>
                   <a:srgbClr val="000000"/>
                 </a:solidFill>
                 <a:latin typeface="Menlo" charset="0"/>
               </a:rPr>
               <a:t>…</a:t>
-            </a:r>
-            <a:endParaRPr lang="en-US" sz="900" dirty="0" smtClean="0">
-              <a:solidFill>
-                <a:srgbClr val="000000"/>
-              </a:solidFill>
-              <a:latin typeface="Menlo" charset="0"/>
-            </a:endParaRPr>
-          </a:p>
-          <a:p>
-            <a:r>
-              <a:rPr lang="en-US" sz="900" dirty="0">
-                <a:solidFill>
-                  <a:srgbClr val="000000"/>
-                </a:solidFill>
-                <a:latin typeface="Menlo" charset="0"/>
-              </a:rPr>
-              <a:t>    </a:t>
-            </a:r>
-            <a:r>
-              <a:rPr lang="en-US" sz="900" dirty="0">
-                <a:solidFill>
-                  <a:srgbClr val="008400"/>
-                </a:solidFill>
-                <a:latin typeface="Menlo" charset="0"/>
-              </a:rPr>
-              <a:t>#-------</a:t>
-            </a:r>
-          </a:p>
-          <a:p>
-            <a:r>
-              <a:rPr lang="en-US" sz="900" dirty="0">
-                <a:solidFill>
-                  <a:srgbClr val="000000"/>
-                </a:solidFill>
-                <a:latin typeface="Menlo" charset="0"/>
-              </a:rPr>
-              <a:t>    </a:t>
-            </a:r>
-            <a:r>
-              <a:rPr lang="en-US" sz="900" dirty="0" err="1">
-                <a:solidFill>
-                  <a:srgbClr val="BA2DA2"/>
-                </a:solidFill>
-                <a:latin typeface="Menlo" charset="0"/>
-              </a:rPr>
-              <a:t>def</a:t>
-            </a:r>
-            <a:r>
-              <a:rPr lang="en-US" sz="900" dirty="0">
-                <a:solidFill>
-                  <a:srgbClr val="000000"/>
-                </a:solidFill>
-                <a:latin typeface="Menlo" charset="0"/>
-              </a:rPr>
-              <a:t> </a:t>
-            </a:r>
-            <a:r>
-              <a:rPr lang="en-US" sz="900" dirty="0" err="1">
-                <a:solidFill>
-                  <a:srgbClr val="000000"/>
-                </a:solidFill>
-                <a:latin typeface="Menlo" charset="0"/>
-              </a:rPr>
-              <a:t>declare_sym</a:t>
-            </a:r>
-            <a:r>
-              <a:rPr lang="en-US" sz="900" dirty="0">
-                <a:solidFill>
-                  <a:srgbClr val="000000"/>
-                </a:solidFill>
-                <a:latin typeface="Menlo" charset="0"/>
-              </a:rPr>
-              <a:t>(self, </a:t>
-            </a:r>
-            <a:r>
-              <a:rPr lang="en-US" sz="900" dirty="0" err="1">
-                <a:solidFill>
-                  <a:srgbClr val="000000"/>
-                </a:solidFill>
-                <a:latin typeface="Menlo" charset="0"/>
-              </a:rPr>
-              <a:t>sym</a:t>
-            </a:r>
-            <a:r>
-              <a:rPr lang="en-US" sz="900" dirty="0">
-                <a:solidFill>
-                  <a:srgbClr val="000000"/>
-                </a:solidFill>
-                <a:latin typeface="Menlo" charset="0"/>
-              </a:rPr>
-              <a:t>):</a:t>
-            </a:r>
-          </a:p>
-          <a:p>
-            <a:r>
-              <a:rPr lang="en-US" sz="900" dirty="0">
-                <a:solidFill>
-                  <a:srgbClr val="000000"/>
-                </a:solidFill>
-                <a:latin typeface="Menlo" charset="0"/>
-              </a:rPr>
-              <a:t>        </a:t>
-            </a:r>
-            <a:r>
-              <a:rPr lang="en-US" sz="900" dirty="0">
-                <a:solidFill>
-                  <a:srgbClr val="008400"/>
-                </a:solidFill>
-                <a:latin typeface="Menlo" charset="0"/>
-              </a:rPr>
-              <a:t># declare the symbol in the current scope: </a:t>
-            </a:r>
-            <a:r>
-              <a:rPr lang="en-US" sz="900" dirty="0" err="1">
-                <a:solidFill>
-                  <a:srgbClr val="008400"/>
-                </a:solidFill>
-                <a:latin typeface="Menlo" charset="0"/>
-              </a:rPr>
-              <a:t>dict</a:t>
-            </a:r>
-            <a:r>
-              <a:rPr lang="en-US" sz="900" dirty="0">
-                <a:solidFill>
-                  <a:srgbClr val="008400"/>
-                </a:solidFill>
-                <a:latin typeface="Menlo" charset="0"/>
-              </a:rPr>
-              <a:t> @ position 0</a:t>
-            </a:r>
-          </a:p>
-          <a:p>
-            <a:r>
-              <a:rPr lang="en-US" sz="900" dirty="0">
-                <a:solidFill>
-                  <a:srgbClr val="000000"/>
-                </a:solidFill>
-                <a:latin typeface="Menlo" charset="0"/>
-              </a:rPr>
-              <a:t>        </a:t>
-            </a:r>
-          </a:p>
-          <a:p>
-            <a:r>
-              <a:rPr lang="en-US" sz="900" dirty="0">
-                <a:solidFill>
-                  <a:srgbClr val="000000"/>
-                </a:solidFill>
-                <a:latin typeface="Menlo" charset="0"/>
-              </a:rPr>
-              <a:t>        </a:t>
-            </a:r>
-            <a:r>
-              <a:rPr lang="en-US" sz="900" dirty="0">
-                <a:solidFill>
-                  <a:srgbClr val="008400"/>
-                </a:solidFill>
-                <a:latin typeface="Menlo" charset="0"/>
-              </a:rPr>
-              <a:t># first we need to check whether the symbol was already declared</a:t>
-            </a:r>
-          </a:p>
-          <a:p>
-            <a:r>
-              <a:rPr lang="en-US" sz="900" dirty="0">
-                <a:solidFill>
-                  <a:srgbClr val="000000"/>
-                </a:solidFill>
-                <a:latin typeface="Menlo" charset="0"/>
-              </a:rPr>
-              <a:t>        </a:t>
-            </a:r>
-            <a:r>
-              <a:rPr lang="en-US" sz="900" dirty="0">
-                <a:solidFill>
-                  <a:srgbClr val="008400"/>
-                </a:solidFill>
-                <a:latin typeface="Menlo" charset="0"/>
-              </a:rPr>
-              <a:t># at this scope</a:t>
-            </a:r>
-          </a:p>
-          <a:p>
-            <a:r>
-              <a:rPr lang="en-US" sz="900" dirty="0">
-                <a:solidFill>
-                  <a:srgbClr val="000000"/>
-                </a:solidFill>
-                <a:latin typeface="Menlo" charset="0"/>
-              </a:rPr>
-              <a:t>        </a:t>
-            </a:r>
-            <a:r>
-              <a:rPr lang="en-US" sz="900" dirty="0">
-                <a:solidFill>
-                  <a:srgbClr val="BA2DA2"/>
-                </a:solidFill>
-                <a:latin typeface="Menlo" charset="0"/>
-              </a:rPr>
-              <a:t>if</a:t>
-            </a:r>
-            <a:r>
-              <a:rPr lang="en-US" sz="900" dirty="0">
-                <a:solidFill>
-                  <a:srgbClr val="000000"/>
-                </a:solidFill>
-                <a:latin typeface="Menlo" charset="0"/>
-              </a:rPr>
-              <a:t> </a:t>
-            </a:r>
-            <a:r>
-              <a:rPr lang="en-US" sz="900" dirty="0" err="1">
-                <a:solidFill>
-                  <a:srgbClr val="000000"/>
-                </a:solidFill>
-                <a:latin typeface="Menlo" charset="0"/>
-              </a:rPr>
-              <a:t>sym</a:t>
-            </a:r>
-            <a:r>
-              <a:rPr lang="en-US" sz="900" dirty="0">
-                <a:solidFill>
-                  <a:srgbClr val="000000"/>
-                </a:solidFill>
-                <a:latin typeface="Menlo" charset="0"/>
-              </a:rPr>
-              <a:t> </a:t>
-            </a:r>
-            <a:r>
-              <a:rPr lang="en-US" sz="900" dirty="0">
-                <a:solidFill>
-                  <a:srgbClr val="BA2DA2"/>
-                </a:solidFill>
-                <a:latin typeface="Menlo" charset="0"/>
-              </a:rPr>
-              <a:t>in</a:t>
-            </a:r>
-            <a:r>
-              <a:rPr lang="en-US" sz="900" dirty="0">
-                <a:solidFill>
-                  <a:srgbClr val="000000"/>
-                </a:solidFill>
-                <a:latin typeface="Menlo" charset="0"/>
-              </a:rPr>
-              <a:t> </a:t>
-            </a:r>
-            <a:r>
-              <a:rPr lang="en-US" sz="900" dirty="0" err="1">
-                <a:solidFill>
-                  <a:srgbClr val="000000"/>
-                </a:solidFill>
-                <a:latin typeface="Menlo" charset="0"/>
-              </a:rPr>
-              <a:t>self.scoped_symtab</a:t>
-            </a:r>
-            <a:r>
-              <a:rPr lang="en-US" sz="900" dirty="0">
-                <a:solidFill>
-                  <a:srgbClr val="000000"/>
-                </a:solidFill>
-                <a:latin typeface="Menlo" charset="0"/>
-              </a:rPr>
-              <a:t>[CURR_SCOPE]:</a:t>
-            </a:r>
-          </a:p>
-          <a:p>
-            <a:r>
-              <a:rPr lang="en-US" sz="900" dirty="0">
-                <a:solidFill>
-                  <a:srgbClr val="000000"/>
-                </a:solidFill>
-                <a:latin typeface="Menlo" charset="0"/>
-              </a:rPr>
-              <a:t>            </a:t>
-            </a:r>
-            <a:r>
-              <a:rPr lang="en-US" sz="900" dirty="0">
-                <a:solidFill>
-                  <a:srgbClr val="BA2DA2"/>
-                </a:solidFill>
-                <a:latin typeface="Menlo" charset="0"/>
-              </a:rPr>
-              <a:t>raise</a:t>
-            </a:r>
-            <a:r>
-              <a:rPr lang="en-US" sz="900" dirty="0">
-                <a:solidFill>
-                  <a:srgbClr val="000000"/>
-                </a:solidFill>
-                <a:latin typeface="Menlo" charset="0"/>
-              </a:rPr>
-              <a:t> </a:t>
-            </a:r>
-            <a:r>
-              <a:rPr lang="en-US" sz="900" dirty="0" err="1">
-                <a:solidFill>
-                  <a:srgbClr val="000000"/>
-                </a:solidFill>
-                <a:latin typeface="Menlo" charset="0"/>
-              </a:rPr>
-              <a:t>ValueError</a:t>
-            </a:r>
-            <a:r>
-              <a:rPr lang="en-US" sz="900" dirty="0">
-                <a:solidFill>
-                  <a:srgbClr val="000000"/>
-                </a:solidFill>
-                <a:latin typeface="Menlo" charset="0"/>
-              </a:rPr>
-              <a:t>(</a:t>
-            </a:r>
-            <a:r>
-              <a:rPr lang="en-US" sz="900" dirty="0">
-                <a:solidFill>
-                  <a:srgbClr val="D12F1B"/>
-                </a:solidFill>
-                <a:latin typeface="Menlo" charset="0"/>
-              </a:rPr>
-              <a:t>"symbol {} already </a:t>
-            </a:r>
-            <a:r>
-              <a:rPr lang="en-US" sz="900" dirty="0" err="1">
-                <a:solidFill>
-                  <a:srgbClr val="D12F1B"/>
-                </a:solidFill>
-                <a:latin typeface="Menlo" charset="0"/>
-              </a:rPr>
-              <a:t>declared"</a:t>
-            </a:r>
-            <a:r>
-              <a:rPr lang="en-US" sz="900" dirty="0" err="1">
-                <a:solidFill>
-                  <a:srgbClr val="000000"/>
-                </a:solidFill>
-                <a:latin typeface="Menlo" charset="0"/>
-              </a:rPr>
-              <a:t>.format</a:t>
-            </a:r>
-            <a:r>
-              <a:rPr lang="en-US" sz="900" dirty="0">
-                <a:solidFill>
-                  <a:srgbClr val="000000"/>
-                </a:solidFill>
-                <a:latin typeface="Menlo" charset="0"/>
-              </a:rPr>
-              <a:t>(</a:t>
-            </a:r>
-            <a:r>
-              <a:rPr lang="en-US" sz="900" dirty="0" err="1">
-                <a:solidFill>
-                  <a:srgbClr val="000000"/>
-                </a:solidFill>
-                <a:latin typeface="Menlo" charset="0"/>
-              </a:rPr>
-              <a:t>sym</a:t>
-            </a:r>
-            <a:r>
-              <a:rPr lang="en-US" sz="900" dirty="0">
-                <a:solidFill>
-                  <a:srgbClr val="000000"/>
-                </a:solidFill>
-                <a:latin typeface="Menlo" charset="0"/>
-              </a:rPr>
-              <a:t>))</a:t>
-            </a:r>
-          </a:p>
-          <a:p>
-            <a:r>
-              <a:rPr lang="en-US" sz="900" dirty="0">
-                <a:solidFill>
-                  <a:srgbClr val="000000"/>
-                </a:solidFill>
-                <a:latin typeface="Menlo" charset="0"/>
-              </a:rPr>
-              <a:t>        </a:t>
-            </a:r>
-          </a:p>
-          <a:p>
-            <a:r>
-              <a:rPr lang="en-US" sz="900" dirty="0">
-                <a:solidFill>
-                  <a:srgbClr val="000000"/>
-                </a:solidFill>
-                <a:latin typeface="Menlo" charset="0"/>
-              </a:rPr>
-              <a:t>        </a:t>
-            </a:r>
-            <a:r>
-              <a:rPr lang="en-US" sz="900" dirty="0">
-                <a:solidFill>
-                  <a:srgbClr val="008400"/>
-                </a:solidFill>
-                <a:latin typeface="Menlo" charset="0"/>
-              </a:rPr>
-              <a:t># enter the symbol in the current scope</a:t>
-            </a:r>
-          </a:p>
-          <a:p>
-            <a:r>
-              <a:rPr lang="en-US" sz="900" dirty="0">
-                <a:solidFill>
-                  <a:srgbClr val="000000"/>
-                </a:solidFill>
-                <a:latin typeface="Menlo" charset="0"/>
-              </a:rPr>
-              <a:t>        </a:t>
-            </a:r>
-            <a:r>
-              <a:rPr lang="en-US" sz="900" dirty="0" err="1">
-                <a:solidFill>
-                  <a:srgbClr val="000000"/>
-                </a:solidFill>
-                <a:latin typeface="Menlo" charset="0"/>
-              </a:rPr>
-              <a:t>n_scopes</a:t>
-            </a:r>
-            <a:r>
-              <a:rPr lang="en-US" sz="900" dirty="0">
-                <a:solidFill>
-                  <a:srgbClr val="000000"/>
-                </a:solidFill>
-                <a:latin typeface="Menlo" charset="0"/>
-              </a:rPr>
-              <a:t> = </a:t>
-            </a:r>
-            <a:r>
-              <a:rPr lang="en-US" sz="900" dirty="0" err="1">
-                <a:solidFill>
-                  <a:srgbClr val="000000"/>
-                </a:solidFill>
-                <a:latin typeface="Menlo" charset="0"/>
-              </a:rPr>
-              <a:t>len</a:t>
-            </a:r>
-            <a:r>
-              <a:rPr lang="en-US" sz="900" dirty="0">
-                <a:solidFill>
-                  <a:srgbClr val="000000"/>
-                </a:solidFill>
-                <a:latin typeface="Menlo" charset="0"/>
-              </a:rPr>
-              <a:t>(</a:t>
-            </a:r>
-            <a:r>
-              <a:rPr lang="en-US" sz="900" dirty="0" err="1">
-                <a:solidFill>
-                  <a:srgbClr val="000000"/>
-                </a:solidFill>
-                <a:latin typeface="Menlo" charset="0"/>
-              </a:rPr>
-              <a:t>self.scoped_symtab</a:t>
-            </a:r>
-            <a:r>
-              <a:rPr lang="en-US" sz="900" dirty="0">
-                <a:solidFill>
-                  <a:srgbClr val="000000"/>
-                </a:solidFill>
-                <a:latin typeface="Menlo" charset="0"/>
-              </a:rPr>
-              <a:t>)</a:t>
-            </a:r>
-          </a:p>
-          <a:p>
-            <a:r>
-              <a:rPr lang="en-US" sz="900" dirty="0">
-                <a:solidFill>
-                  <a:srgbClr val="000000"/>
-                </a:solidFill>
-                <a:latin typeface="Menlo" charset="0"/>
-              </a:rPr>
-              <a:t>        prefix = </a:t>
-            </a:r>
-            <a:r>
-              <a:rPr lang="en-US" sz="900" dirty="0" err="1">
-                <a:solidFill>
-                  <a:srgbClr val="000000"/>
-                </a:solidFill>
-                <a:latin typeface="Menlo" charset="0"/>
-              </a:rPr>
-              <a:t>create_prefix</a:t>
-            </a:r>
-            <a:r>
-              <a:rPr lang="en-US" sz="900" dirty="0">
-                <a:solidFill>
-                  <a:srgbClr val="000000"/>
-                </a:solidFill>
-                <a:latin typeface="Menlo" charset="0"/>
-              </a:rPr>
-              <a:t>(n_scopes</a:t>
-            </a:r>
-            <a:r>
-              <a:rPr lang="en-US" sz="900" dirty="0">
-                <a:solidFill>
-                  <a:srgbClr val="272AD8"/>
-                </a:solidFill>
-                <a:latin typeface="Menlo" charset="0"/>
-              </a:rPr>
-              <a:t>-1</a:t>
-            </a:r>
-            <a:r>
-              <a:rPr lang="en-US" sz="900" dirty="0">
-                <a:solidFill>
-                  <a:srgbClr val="000000"/>
-                </a:solidFill>
-                <a:latin typeface="Menlo" charset="0"/>
-              </a:rPr>
-              <a:t>)</a:t>
-            </a:r>
-          </a:p>
-          <a:p>
-            <a:r>
-              <a:rPr lang="en-US" sz="900" dirty="0">
-                <a:solidFill>
-                  <a:srgbClr val="000000"/>
-                </a:solidFill>
-                <a:latin typeface="Menlo" charset="0"/>
-              </a:rPr>
-              <a:t>        </a:t>
-            </a:r>
-            <a:r>
-              <a:rPr lang="en-US" sz="900" dirty="0" err="1">
-                <a:solidFill>
-                  <a:srgbClr val="000000"/>
-                </a:solidFill>
-                <a:latin typeface="Menlo" charset="0"/>
-              </a:rPr>
-              <a:t>scope_dict</a:t>
-            </a:r>
-            <a:r>
-              <a:rPr lang="en-US" sz="900" dirty="0">
-                <a:solidFill>
-                  <a:srgbClr val="000000"/>
-                </a:solidFill>
-                <a:latin typeface="Menlo" charset="0"/>
-              </a:rPr>
-              <a:t> = </a:t>
-            </a:r>
-            <a:r>
-              <a:rPr lang="en-US" sz="900" dirty="0" err="1">
-                <a:solidFill>
-                  <a:srgbClr val="000000"/>
-                </a:solidFill>
-                <a:latin typeface="Menlo" charset="0"/>
-              </a:rPr>
-              <a:t>self.scoped_symtab</a:t>
-            </a:r>
-            <a:r>
-              <a:rPr lang="en-US" sz="900" dirty="0">
-                <a:solidFill>
-                  <a:srgbClr val="000000"/>
-                </a:solidFill>
-                <a:latin typeface="Menlo" charset="0"/>
-              </a:rPr>
-              <a:t>[CURR_SCOPE]</a:t>
-            </a:r>
-          </a:p>
-          <a:p>
-            <a:r>
-              <a:rPr lang="en-US" sz="900" dirty="0">
-                <a:solidFill>
-                  <a:srgbClr val="000000"/>
-                </a:solidFill>
-                <a:latin typeface="Menlo" charset="0"/>
-              </a:rPr>
-              <a:t>        </a:t>
-            </a:r>
-            <a:r>
-              <a:rPr lang="en-US" sz="900" dirty="0" err="1">
-                <a:solidFill>
-                  <a:srgbClr val="000000"/>
-                </a:solidFill>
-                <a:latin typeface="Menlo" charset="0"/>
-              </a:rPr>
-              <a:t>scope_dict</a:t>
-            </a:r>
-            <a:r>
-              <a:rPr lang="en-US" sz="900" dirty="0">
-                <a:solidFill>
-                  <a:srgbClr val="000000"/>
-                </a:solidFill>
-                <a:latin typeface="Menlo" charset="0"/>
-              </a:rPr>
-              <a:t>[</a:t>
-            </a:r>
-            <a:r>
-              <a:rPr lang="en-US" sz="900" dirty="0" err="1">
-                <a:solidFill>
-                  <a:srgbClr val="000000"/>
-                </a:solidFill>
-                <a:latin typeface="Menlo" charset="0"/>
-              </a:rPr>
-              <a:t>sym</a:t>
-            </a:r>
-            <a:r>
-              <a:rPr lang="en-US" sz="900" dirty="0">
-                <a:solidFill>
-                  <a:srgbClr val="000000"/>
-                </a:solidFill>
-                <a:latin typeface="Menlo" charset="0"/>
-              </a:rPr>
-              <a:t>] = prefix + </a:t>
-            </a:r>
-            <a:r>
-              <a:rPr lang="en-US" sz="900" dirty="0" err="1">
-                <a:solidFill>
-                  <a:srgbClr val="000000"/>
-                </a:solidFill>
-                <a:latin typeface="Menlo" charset="0"/>
-              </a:rPr>
-              <a:t>sym</a:t>
-            </a:r>
-            <a:r>
-              <a:rPr lang="en-US" sz="900" dirty="0">
-                <a:solidFill>
-                  <a:srgbClr val="000000"/>
-                </a:solidFill>
-                <a:latin typeface="Menlo" charset="0"/>
-              </a:rPr>
-              <a:t> </a:t>
-            </a:r>
-            <a:r>
-              <a:rPr lang="en-US" sz="900" dirty="0">
-                <a:solidFill>
-                  <a:srgbClr val="008400"/>
-                </a:solidFill>
-                <a:latin typeface="Menlo" charset="0"/>
-              </a:rPr>
-              <a:t># value is the prefixed name</a:t>
             </a:r>
             <a:endParaRPr lang="en-US" sz="900" dirty="0">
               <a:solidFill>
@@ -13380,218 +12565,625 @@
           <a:p>
             <a:r>
               <a:rPr lang="en-US" sz="900" dirty="0">
-                <a:latin typeface="Helvetica" charset="0"/>
-              </a:rPr>
-              <a:t/>
-            </a:r>
-            <a:br>
+                <a:solidFill>
+                  <a:srgbClr val="000000"/>
+                </a:solidFill>
+                <a:latin typeface="Menlo" charset="0"/>
+              </a:rPr>
+              <a:t>    </a:t>
+            </a:r>
+            <a:r>
               <a:rPr lang="en-US" sz="900" dirty="0">
-                <a:latin typeface="Helvetica" charset="0"/>
-              </a:rPr>
-            </a:br>
+                <a:solidFill>
+                  <a:srgbClr val="008400"/>
+                </a:solidFill>
+                <a:latin typeface="Menlo" charset="0"/>
+              </a:rPr>
+              <a:t>#-------</a:t>
+            </a:r>
+          </a:p>
+          <a:p>
+            <a:r>
+              <a:rPr lang="en-US" sz="900" dirty="0">
+                <a:solidFill>
+                  <a:srgbClr val="000000"/>
+                </a:solidFill>
+                <a:latin typeface="Menlo" charset="0"/>
+              </a:rPr>
+              <a:t>    </a:t>
+            </a:r>
+            <a:r>
+              <a:rPr lang="en-US" sz="900" dirty="0" err="1">
+                <a:solidFill>
+                  <a:srgbClr val="BA2DA2"/>
+                </a:solidFill>
+                <a:latin typeface="Menlo" charset="0"/>
+              </a:rPr>
+              <a:t>def</a:t>
+            </a:r>
+            <a:r>
+              <a:rPr lang="en-US" sz="900" dirty="0">
+                <a:solidFill>
+                  <a:srgbClr val="000000"/>
+                </a:solidFill>
+                <a:latin typeface="Menlo" charset="0"/>
+              </a:rPr>
+              <a:t> </a:t>
+            </a:r>
+            <a:r>
+              <a:rPr lang="en-US" sz="900" dirty="0" err="1">
+                <a:solidFill>
+                  <a:srgbClr val="000000"/>
+                </a:solidFill>
+                <a:latin typeface="Menlo" charset="0"/>
+              </a:rPr>
+              <a:t>declare_sym</a:t>
+            </a:r>
+            <a:r>
+              <a:rPr lang="en-US" sz="900" dirty="0">
+                <a:solidFill>
+                  <a:srgbClr val="000000"/>
+                </a:solidFill>
+                <a:latin typeface="Menlo" charset="0"/>
+              </a:rPr>
+              <a:t>(self, </a:t>
+            </a:r>
+            <a:r>
+              <a:rPr lang="en-US" sz="900" dirty="0" err="1">
+                <a:solidFill>
+                  <a:srgbClr val="000000"/>
+                </a:solidFill>
+                <a:latin typeface="Menlo" charset="0"/>
+              </a:rPr>
+              <a:t>sym</a:t>
+            </a:r>
+            <a:r>
+              <a:rPr lang="en-US" sz="900" dirty="0">
+                <a:solidFill>
+                  <a:srgbClr val="000000"/>
+                </a:solidFill>
+                <a:latin typeface="Menlo" charset="0"/>
+              </a:rPr>
+              <a:t>):</a:t>
+            </a:r>
+          </a:p>
+          <a:p>
+            <a:r>
+              <a:rPr lang="en-US" sz="900" dirty="0">
+                <a:solidFill>
+                  <a:srgbClr val="000000"/>
+                </a:solidFill>
+                <a:latin typeface="Menlo" charset="0"/>
+              </a:rPr>
+              <a:t>        </a:t>
+            </a:r>
+            <a:r>
+              <a:rPr lang="en-US" sz="900" dirty="0">
+                <a:solidFill>
+                  <a:srgbClr val="008400"/>
+                </a:solidFill>
+                <a:latin typeface="Menlo" charset="0"/>
+              </a:rPr>
+              <a:t># declare the symbol in the current scope: </a:t>
+            </a:r>
+            <a:r>
+              <a:rPr lang="en-US" sz="900" dirty="0" err="1">
+                <a:solidFill>
+                  <a:srgbClr val="008400"/>
+                </a:solidFill>
+                <a:latin typeface="Menlo" charset="0"/>
+              </a:rPr>
+              <a:t>dict</a:t>
+            </a:r>
+            <a:r>
+              <a:rPr lang="en-US" sz="900" dirty="0">
+                <a:solidFill>
+                  <a:srgbClr val="008400"/>
+                </a:solidFill>
+                <a:latin typeface="Menlo" charset="0"/>
+              </a:rPr>
+              <a:t> @ position 0</a:t>
+            </a:r>
+          </a:p>
+          <a:p>
+            <a:r>
+              <a:rPr lang="en-US" sz="900" dirty="0">
+                <a:solidFill>
+                  <a:srgbClr val="000000"/>
+                </a:solidFill>
+                <a:latin typeface="Menlo" charset="0"/>
+              </a:rPr>
+              <a:t>        </a:t>
+            </a:r>
+          </a:p>
+          <a:p>
+            <a:r>
+              <a:rPr lang="en-US" sz="900" dirty="0">
+                <a:solidFill>
+                  <a:srgbClr val="000000"/>
+                </a:solidFill>
+                <a:latin typeface="Menlo" charset="0"/>
+              </a:rPr>
+              <a:t>        </a:t>
+            </a:r>
+            <a:r>
+              <a:rPr lang="en-US" sz="900" dirty="0">
+                <a:solidFill>
+                  <a:srgbClr val="008400"/>
+                </a:solidFill>
+                <a:latin typeface="Menlo" charset="0"/>
+              </a:rPr>
+              <a:t># first we need to check whether the symbol was already declared</a:t>
+            </a:r>
+          </a:p>
+          <a:p>
+            <a:r>
+              <a:rPr lang="en-US" sz="900" dirty="0">
+                <a:solidFill>
+                  <a:srgbClr val="000000"/>
+                </a:solidFill>
+                <a:latin typeface="Menlo" charset="0"/>
+              </a:rPr>
+              <a:t>        </a:t>
+            </a:r>
+            <a:r>
+              <a:rPr lang="en-US" sz="900" dirty="0">
+                <a:solidFill>
+                  <a:srgbClr val="008400"/>
+                </a:solidFill>
+                <a:latin typeface="Menlo" charset="0"/>
+              </a:rPr>
+              <a:t># at this scope</a:t>
+            </a:r>
+          </a:p>
+          <a:p>
+            <a:r>
+              <a:rPr lang="en-US" sz="900" dirty="0">
+                <a:solidFill>
+                  <a:srgbClr val="000000"/>
+                </a:solidFill>
+                <a:latin typeface="Menlo" charset="0"/>
+              </a:rPr>
+              <a:t>        </a:t>
+            </a:r>
+            <a:r>
+              <a:rPr lang="en-US" sz="900" dirty="0">
+                <a:solidFill>
+                  <a:srgbClr val="BA2DA2"/>
+                </a:solidFill>
+                <a:latin typeface="Menlo" charset="0"/>
+              </a:rPr>
+              <a:t>if</a:t>
+            </a:r>
+            <a:r>
+              <a:rPr lang="en-US" sz="900" dirty="0">
+                <a:solidFill>
+                  <a:srgbClr val="000000"/>
+                </a:solidFill>
+                <a:latin typeface="Menlo" charset="0"/>
+              </a:rPr>
+              <a:t> </a:t>
+            </a:r>
+            <a:r>
+              <a:rPr lang="en-US" sz="900" dirty="0" err="1">
+                <a:solidFill>
+                  <a:srgbClr val="000000"/>
+                </a:solidFill>
+                <a:latin typeface="Menlo" charset="0"/>
+              </a:rPr>
+              <a:t>sym</a:t>
+            </a:r>
+            <a:r>
+              <a:rPr lang="en-US" sz="900" dirty="0">
+                <a:solidFill>
+                  <a:srgbClr val="000000"/>
+                </a:solidFill>
+                <a:latin typeface="Menlo" charset="0"/>
+              </a:rPr>
+              <a:t> </a:t>
+            </a:r>
+            <a:r>
+              <a:rPr lang="en-US" sz="900" dirty="0">
+                <a:solidFill>
+                  <a:srgbClr val="BA2DA2"/>
+                </a:solidFill>
+                <a:latin typeface="Menlo" charset="0"/>
+              </a:rPr>
+              <a:t>in</a:t>
+            </a:r>
+            <a:r>
+              <a:rPr lang="en-US" sz="900" dirty="0">
+                <a:solidFill>
+                  <a:srgbClr val="000000"/>
+                </a:solidFill>
+                <a:latin typeface="Menlo" charset="0"/>
+              </a:rPr>
+              <a:t> </a:t>
+            </a:r>
+            <a:r>
+              <a:rPr lang="en-US" sz="900" dirty="0" err="1">
+                <a:solidFill>
+                  <a:srgbClr val="000000"/>
+                </a:solidFill>
+                <a:latin typeface="Menlo" charset="0"/>
+              </a:rPr>
+              <a:t>self.scoped_symtab</a:t>
+            </a:r>
+            <a:r>
+              <a:rPr lang="en-US" sz="900" dirty="0">
+                <a:solidFill>
+                  <a:srgbClr val="000000"/>
+                </a:solidFill>
+                <a:latin typeface="Menlo" charset="0"/>
+              </a:rPr>
+              <a:t>[CURR_SCOPE]:</a:t>
+            </a:r>
+          </a:p>
+          <a:p>
+            <a:r>
+              <a:rPr lang="en-US" sz="900" dirty="0">
+                <a:solidFill>
+                  <a:srgbClr val="000000"/>
+                </a:solidFill>
+                <a:latin typeface="Menlo" charset="0"/>
+              </a:rPr>
+              <a:t>            </a:t>
+            </a:r>
+            <a:r>
+              <a:rPr lang="en-US" sz="900" dirty="0">
+                <a:solidFill>
+                  <a:srgbClr val="BA2DA2"/>
+                </a:solidFill>
+                <a:latin typeface="Menlo" charset="0"/>
+              </a:rPr>
+              <a:t>raise</a:t>
+            </a:r>
+            <a:r>
+              <a:rPr lang="en-US" sz="900" dirty="0">
+                <a:solidFill>
+                  <a:srgbClr val="000000"/>
+                </a:solidFill>
+                <a:latin typeface="Menlo" charset="0"/>
+              </a:rPr>
+              <a:t> </a:t>
+            </a:r>
+            <a:r>
+              <a:rPr lang="en-US" sz="900" dirty="0" err="1">
+                <a:solidFill>
+                  <a:srgbClr val="000000"/>
+                </a:solidFill>
+                <a:latin typeface="Menlo" charset="0"/>
+              </a:rPr>
+              <a:t>ValueError</a:t>
+            </a:r>
+            <a:r>
+              <a:rPr lang="en-US" sz="900" dirty="0">
+                <a:solidFill>
+                  <a:srgbClr val="000000"/>
+                </a:solidFill>
+                <a:latin typeface="Menlo" charset="0"/>
+              </a:rPr>
+              <a:t>(</a:t>
+            </a:r>
+            <a:r>
+              <a:rPr lang="en-US" sz="900" dirty="0">
+                <a:solidFill>
+                  <a:srgbClr val="D12F1B"/>
+                </a:solidFill>
+                <a:latin typeface="Menlo" charset="0"/>
+              </a:rPr>
+              <a:t>"symbol {} already </a:t>
+            </a:r>
+            <a:r>
+              <a:rPr lang="en-US" sz="900" dirty="0" err="1">
+                <a:solidFill>
+                  <a:srgbClr val="D12F1B"/>
+                </a:solidFill>
+                <a:latin typeface="Menlo" charset="0"/>
+              </a:rPr>
+              <a:t>declared"</a:t>
+            </a:r>
+            <a:r>
+              <a:rPr lang="en-US" sz="900" dirty="0" err="1">
+                <a:solidFill>
+                  <a:srgbClr val="000000"/>
+                </a:solidFill>
+                <a:latin typeface="Menlo" charset="0"/>
+              </a:rPr>
+              <a:t>.format</a:t>
+            </a:r>
+            <a:r>
+              <a:rPr lang="en-US" sz="900" dirty="0">
+                <a:solidFill>
+                  <a:srgbClr val="000000"/>
+                </a:solidFill>
+                <a:latin typeface="Menlo" charset="0"/>
+              </a:rPr>
+              <a:t>(</a:t>
+            </a:r>
+            <a:r>
+              <a:rPr lang="en-US" sz="900" dirty="0" err="1">
+                <a:solidFill>
+                  <a:srgbClr val="000000"/>
+                </a:solidFill>
+                <a:latin typeface="Menlo" charset="0"/>
+              </a:rPr>
+              <a:t>sym</a:t>
+            </a:r>
+            <a:r>
+              <a:rPr lang="en-US" sz="900" dirty="0">
+                <a:solidFill>
+                  <a:srgbClr val="000000"/>
+                </a:solidFill>
+                <a:latin typeface="Menlo" charset="0"/>
+              </a:rPr>
+              <a:t>))</a:t>
+            </a:r>
+          </a:p>
+          <a:p>
+            <a:r>
+              <a:rPr lang="en-US" sz="900" dirty="0">
+                <a:solidFill>
+                  <a:srgbClr val="000000"/>
+                </a:solidFill>
+                <a:latin typeface="Menlo" charset="0"/>
+              </a:rPr>
+              <a:t>        </a:t>
+            </a:r>
+          </a:p>
+          <a:p>
+            <a:r>
+              <a:rPr lang="en-US" sz="900" dirty="0">
+                <a:solidFill>
+                  <a:srgbClr val="000000"/>
+                </a:solidFill>
+                <a:latin typeface="Menlo" charset="0"/>
+              </a:rPr>
+              <a:t>        </a:t>
+            </a:r>
+            <a:r>
+              <a:rPr lang="en-US" sz="900" dirty="0">
+                <a:solidFill>
+                  <a:srgbClr val="008400"/>
+                </a:solidFill>
+                <a:latin typeface="Menlo" charset="0"/>
+              </a:rPr>
+              <a:t># enter the symbol in the current scope</a:t>
+            </a:r>
+          </a:p>
+          <a:p>
+            <a:r>
+              <a:rPr lang="en-US" sz="900" dirty="0">
+                <a:solidFill>
+                  <a:srgbClr val="000000"/>
+                </a:solidFill>
+                <a:latin typeface="Menlo" charset="0"/>
+              </a:rPr>
+              <a:t>        </a:t>
+            </a:r>
+            <a:r>
+              <a:rPr lang="en-US" sz="900" dirty="0" err="1">
+                <a:solidFill>
+                  <a:srgbClr val="000000"/>
+                </a:solidFill>
+                <a:latin typeface="Menlo" charset="0"/>
+              </a:rPr>
+              <a:t>n_scopes</a:t>
+            </a:r>
+            <a:r>
+              <a:rPr lang="en-US" sz="900" dirty="0">
+                <a:solidFill>
+                  <a:srgbClr val="000000"/>
+                </a:solidFill>
+                <a:latin typeface="Menlo" charset="0"/>
+              </a:rPr>
+              <a:t> = </a:t>
+            </a:r>
+            <a:r>
+              <a:rPr lang="en-US" sz="900" dirty="0" err="1">
+                <a:solidFill>
+                  <a:srgbClr val="000000"/>
+                </a:solidFill>
+                <a:latin typeface="Menlo" charset="0"/>
+              </a:rPr>
+              <a:t>len</a:t>
+            </a:r>
+            <a:r>
+              <a:rPr lang="en-US" sz="900" dirty="0">
+                <a:solidFill>
+                  <a:srgbClr val="000000"/>
+                </a:solidFill>
+                <a:latin typeface="Menlo" charset="0"/>
+              </a:rPr>
+              <a:t>(</a:t>
+            </a:r>
+            <a:r>
+              <a:rPr lang="en-US" sz="900" dirty="0" err="1">
+                <a:solidFill>
+                  <a:srgbClr val="000000"/>
+                </a:solidFill>
+                <a:latin typeface="Menlo" charset="0"/>
+              </a:rPr>
+              <a:t>self.scoped_symtab</a:t>
+            </a:r>
+            <a:r>
+              <a:rPr lang="en-US" sz="900" dirty="0">
+                <a:solidFill>
+                  <a:srgbClr val="000000"/>
+                </a:solidFill>
+                <a:latin typeface="Menlo" charset="0"/>
+              </a:rPr>
+              <a:t>)</a:t>
+            </a:r>
+          </a:p>
+          <a:p>
+            <a:r>
+              <a:rPr lang="en-US" sz="900" dirty="0">
+                <a:solidFill>
+                  <a:srgbClr val="000000"/>
+                </a:solidFill>
+                <a:latin typeface="Menlo" charset="0"/>
+              </a:rPr>
+              <a:t>        prefix = </a:t>
+            </a:r>
+            <a:r>
+              <a:rPr lang="en-US" sz="900" dirty="0" err="1">
+                <a:solidFill>
+                  <a:srgbClr val="000000"/>
+                </a:solidFill>
+                <a:latin typeface="Menlo" charset="0"/>
+              </a:rPr>
+              <a:t>create_prefix</a:t>
+            </a:r>
+            <a:r>
+              <a:rPr lang="en-US" sz="900" dirty="0">
+                <a:solidFill>
+                  <a:srgbClr val="000000"/>
+                </a:solidFill>
+                <a:latin typeface="Menlo" charset="0"/>
+              </a:rPr>
+              <a:t>(n_scopes</a:t>
+            </a:r>
+            <a:r>
+              <a:rPr lang="en-US" sz="900" dirty="0">
+                <a:solidFill>
+                  <a:srgbClr val="272AD8"/>
+                </a:solidFill>
+                <a:latin typeface="Menlo" charset="0"/>
+              </a:rPr>
+              <a:t>-1</a:t>
+            </a:r>
+            <a:r>
+              <a:rPr lang="en-US" sz="900" dirty="0">
+                <a:solidFill>
+                  <a:srgbClr val="000000"/>
+                </a:solidFill>
+                <a:latin typeface="Menlo" charset="0"/>
+              </a:rPr>
+              <a:t>)</a:t>
+            </a:r>
+          </a:p>
+          <a:p>
+            <a:r>
+              <a:rPr lang="en-US" sz="900" dirty="0">
+                <a:solidFill>
+                  <a:srgbClr val="000000"/>
+                </a:solidFill>
+                <a:latin typeface="Menlo" charset="0"/>
+              </a:rPr>
+              <a:t>        </a:t>
+            </a:r>
+            <a:r>
+              <a:rPr lang="en-US" sz="900" dirty="0" err="1">
+                <a:solidFill>
+                  <a:srgbClr val="000000"/>
+                </a:solidFill>
+                <a:latin typeface="Menlo" charset="0"/>
+              </a:rPr>
+              <a:t>scope_dict</a:t>
+            </a:r>
+            <a:r>
+              <a:rPr lang="en-US" sz="900" dirty="0">
+                <a:solidFill>
+                  <a:srgbClr val="000000"/>
+                </a:solidFill>
+                <a:latin typeface="Menlo" charset="0"/>
+              </a:rPr>
+              <a:t> = </a:t>
+            </a:r>
+            <a:r>
+              <a:rPr lang="en-US" sz="900" dirty="0" err="1">
+                <a:solidFill>
+                  <a:srgbClr val="000000"/>
+                </a:solidFill>
+                <a:latin typeface="Menlo" charset="0"/>
+              </a:rPr>
+              <a:t>self.scoped_symtab</a:t>
+            </a:r>
+            <a:r>
+              <a:rPr lang="en-US" sz="900" dirty="0">
+                <a:solidFill>
+                  <a:srgbClr val="000000"/>
+                </a:solidFill>
+                <a:latin typeface="Menlo" charset="0"/>
+              </a:rPr>
+              <a:t>[CURR_SCOPE]</a:t>
+            </a:r>
+          </a:p>
+          <a:p>
+            <a:r>
+              <a:rPr lang="en-US" sz="900" dirty="0">
+                <a:solidFill>
+                  <a:srgbClr val="000000"/>
+                </a:solidFill>
+                <a:latin typeface="Menlo" charset="0"/>
+              </a:rPr>
+              <a:t>        </a:t>
+            </a:r>
+            <a:r>
+              <a:rPr lang="en-US" sz="900" dirty="0" err="1">
+                <a:solidFill>
+                  <a:srgbClr val="000000"/>
+                </a:solidFill>
+                <a:latin typeface="Menlo" charset="0"/>
+              </a:rPr>
+              <a:t>scope_dict</a:t>
+            </a:r>
+            <a:r>
+              <a:rPr lang="en-US" sz="900" dirty="0">
+                <a:solidFill>
+                  <a:srgbClr val="000000"/>
+                </a:solidFill>
+                <a:latin typeface="Menlo" charset="0"/>
+              </a:rPr>
+              <a:t>[</a:t>
+            </a:r>
+            <a:r>
+              <a:rPr lang="en-US" sz="900" dirty="0" err="1">
+                <a:solidFill>
+                  <a:srgbClr val="000000"/>
+                </a:solidFill>
+                <a:latin typeface="Menlo" charset="0"/>
+              </a:rPr>
+              <a:t>sym</a:t>
+            </a:r>
+            <a:r>
+              <a:rPr lang="en-US" sz="900" dirty="0">
+                <a:solidFill>
+                  <a:srgbClr val="000000"/>
+                </a:solidFill>
+                <a:latin typeface="Menlo" charset="0"/>
+              </a:rPr>
+              <a:t>] = prefix + </a:t>
+            </a:r>
+            <a:r>
+              <a:rPr lang="en-US" sz="900" dirty="0" err="1">
+                <a:solidFill>
+                  <a:srgbClr val="000000"/>
+                </a:solidFill>
+                <a:latin typeface="Menlo" charset="0"/>
+              </a:rPr>
+              <a:t>sym</a:t>
+            </a:r>
+            <a:r>
+              <a:rPr lang="en-US" sz="900" dirty="0">
+                <a:solidFill>
+                  <a:srgbClr val="000000"/>
+                </a:solidFill>
+                <a:latin typeface="Menlo" charset="0"/>
+              </a:rPr>
+              <a:t> </a:t>
+            </a:r>
+            <a:r>
+              <a:rPr lang="en-US" sz="900" dirty="0">
+                <a:solidFill>
+                  <a:srgbClr val="008400"/>
+                </a:solidFill>
+                <a:latin typeface="Menlo" charset="0"/>
+              </a:rPr>
+              <a:t># value is the prefixed name</a:t>
+            </a:r>
             <a:endParaRPr lang="en-US" sz="900" dirty="0">
-              <a:latin typeface="Helvetica" charset="0"/>
-            </a:endParaRPr>
-          </a:p>
-          <a:p>
-            <a:r>
-              <a:rPr lang="en-US" sz="900" dirty="0">
-                <a:solidFill>
-                  <a:srgbClr val="000000"/>
-                </a:solidFill>
-                <a:latin typeface="Menlo" charset="0"/>
-              </a:rPr>
-              <a:t>    </a:t>
-            </a:r>
-            <a:r>
-              <a:rPr lang="en-US" sz="900" dirty="0">
-                <a:solidFill>
-                  <a:srgbClr val="008400"/>
-                </a:solidFill>
-                <a:latin typeface="Menlo" charset="0"/>
-              </a:rPr>
-              <a:t>#-------</a:t>
-            </a:r>
-          </a:p>
-          <a:p>
-            <a:r>
-              <a:rPr lang="en-US" sz="900" dirty="0">
-                <a:solidFill>
-                  <a:srgbClr val="000000"/>
-                </a:solidFill>
-                <a:latin typeface="Menlo" charset="0"/>
-              </a:rPr>
-              <a:t>    </a:t>
-            </a:r>
-            <a:r>
-              <a:rPr lang="en-US" sz="900" dirty="0" err="1">
-                <a:solidFill>
-                  <a:srgbClr val="BA2DA2"/>
-                </a:solidFill>
-                <a:latin typeface="Menlo" charset="0"/>
-              </a:rPr>
-              <a:t>def</a:t>
-            </a:r>
-            <a:r>
-              <a:rPr lang="en-US" sz="900" dirty="0">
-                <a:solidFill>
-                  <a:srgbClr val="000000"/>
-                </a:solidFill>
-                <a:latin typeface="Menlo" charset="0"/>
-              </a:rPr>
-              <a:t> </a:t>
-            </a:r>
-            <a:r>
-              <a:rPr lang="en-US" sz="900" dirty="0" err="1">
-                <a:solidFill>
-                  <a:srgbClr val="000000"/>
-                </a:solidFill>
-                <a:latin typeface="Menlo" charset="0"/>
-              </a:rPr>
-              <a:t>lookup_sym</a:t>
-            </a:r>
-            <a:r>
-              <a:rPr lang="en-US" sz="900" dirty="0">
-                <a:solidFill>
-                  <a:srgbClr val="000000"/>
-                </a:solidFill>
-                <a:latin typeface="Menlo" charset="0"/>
-              </a:rPr>
-              <a:t>(self, </a:t>
-            </a:r>
-            <a:r>
-              <a:rPr lang="en-US" sz="900" dirty="0" err="1">
-                <a:solidFill>
-                  <a:srgbClr val="000000"/>
-                </a:solidFill>
-                <a:latin typeface="Menlo" charset="0"/>
-              </a:rPr>
-              <a:t>sym</a:t>
-            </a:r>
-            <a:r>
-              <a:rPr lang="en-US" sz="900" dirty="0">
-                <a:solidFill>
-                  <a:srgbClr val="000000"/>
-                </a:solidFill>
-                <a:latin typeface="Menlo" charset="0"/>
-              </a:rPr>
-              <a:t>):</a:t>
-            </a:r>
-          </a:p>
-          <a:p>
-            <a:r>
-              <a:rPr lang="en-US" sz="900" dirty="0">
-                <a:solidFill>
-                  <a:srgbClr val="000000"/>
-                </a:solidFill>
-                <a:latin typeface="Menlo" charset="0"/>
-              </a:rPr>
-              <a:t>        </a:t>
-            </a:r>
-            <a:r>
-              <a:rPr lang="en-US" sz="900" dirty="0">
-                <a:solidFill>
-                  <a:srgbClr val="008400"/>
-                </a:solidFill>
-                <a:latin typeface="Menlo" charset="0"/>
-              </a:rPr>
-              <a:t># find the first </a:t>
-            </a:r>
-            <a:r>
-              <a:rPr lang="en-US" sz="900" dirty="0" err="1">
-                <a:solidFill>
-                  <a:srgbClr val="008400"/>
-                </a:solidFill>
-                <a:latin typeface="Menlo" charset="0"/>
-              </a:rPr>
-              <a:t>occurence</a:t>
-            </a:r>
-            <a:r>
-              <a:rPr lang="en-US" sz="900" dirty="0">
-                <a:solidFill>
-                  <a:srgbClr val="008400"/>
-                </a:solidFill>
-                <a:latin typeface="Menlo" charset="0"/>
-              </a:rPr>
-              <a:t> of </a:t>
-            </a:r>
-            <a:r>
-              <a:rPr lang="en-US" sz="900" dirty="0" err="1">
-                <a:solidFill>
-                  <a:srgbClr val="008400"/>
-                </a:solidFill>
-                <a:latin typeface="Menlo" charset="0"/>
-              </a:rPr>
-              <a:t>sym</a:t>
-            </a:r>
-            <a:r>
-              <a:rPr lang="en-US" sz="900" dirty="0">
-                <a:solidFill>
-                  <a:srgbClr val="008400"/>
-                </a:solidFill>
-                <a:latin typeface="Menlo" charset="0"/>
-              </a:rPr>
-              <a:t> in the </a:t>
-            </a:r>
-            <a:r>
-              <a:rPr lang="en-US" sz="900" dirty="0" err="1">
-                <a:solidFill>
-                  <a:srgbClr val="008400"/>
-                </a:solidFill>
-                <a:latin typeface="Menlo" charset="0"/>
-              </a:rPr>
-              <a:t>symtab</a:t>
-            </a:r>
-            <a:r>
-              <a:rPr lang="en-US" sz="900" dirty="0">
-                <a:solidFill>
-                  <a:srgbClr val="008400"/>
-                </a:solidFill>
-                <a:latin typeface="Menlo" charset="0"/>
-              </a:rPr>
-              <a:t> stack</a:t>
-            </a:r>
-          </a:p>
-          <a:p>
-            <a:r>
-              <a:rPr lang="en-US" sz="900" dirty="0">
-                <a:solidFill>
-                  <a:srgbClr val="000000"/>
-                </a:solidFill>
-                <a:latin typeface="Menlo" charset="0"/>
-              </a:rPr>
-              <a:t>        </a:t>
-            </a:r>
-            <a:r>
-              <a:rPr lang="en-US" sz="900" dirty="0">
-                <a:solidFill>
-                  <a:srgbClr val="008400"/>
-                </a:solidFill>
-                <a:latin typeface="Menlo" charset="0"/>
-              </a:rPr>
-              <a:t># and return the associated value</a:t>
-            </a:r>
-          </a:p>
-          <a:p>
-            <a:r>
-              <a:rPr lang="en-US" sz="900" dirty="0" smtClean="0">
-                <a:solidFill>
-                  <a:srgbClr val="000000"/>
-                </a:solidFill>
-                <a:latin typeface="Menlo" charset="0"/>
-              </a:rPr>
-              <a:t>	</a:t>
-            </a:r>
-            <a:r>
-              <a:rPr lang="mr-IN" sz="900" dirty="0" smtClean="0">
-                <a:solidFill>
-                  <a:srgbClr val="000000"/>
-                </a:solidFill>
-                <a:latin typeface="Menlo" charset="0"/>
-              </a:rPr>
-              <a:t>…</a:t>
-            </a:r>
-            <a:endParaRPr lang="en-US" sz="900" dirty="0" smtClean="0">
               <a:solidFill>
                 <a:srgbClr val="000000"/>
               </a:solidFill>
@@ -13599,16 +13191,231 @@
             </a:endParaRPr>
           </a:p>
           <a:p>
-            <a:r>
+            <a:br>
               <a:rPr lang="en-US" sz="900" dirty="0">
+                <a:latin typeface="Helvetica" charset="0"/>
+              </a:rPr>
+            </a:br>
+            <a:endParaRPr lang="en-US" sz="900" dirty="0">
+              <a:latin typeface="Helvetica" charset="0"/>
+            </a:endParaRPr>
+          </a:p>
+          <a:p>
+            <a:r>
+              <a:rPr lang="en-US" sz="900" dirty="0">
                 <a:solidFill>
                   <a:srgbClr val="000000"/>
                 </a:solidFill>
                 <a:latin typeface="Menlo" charset="0"/>
               </a:rPr>
+              <a:t>    </a:t>
+            </a:r>
+            <a:r>
+              <a:rPr lang="en-US" sz="900" dirty="0">
+                <a:solidFill>
+                  <a:srgbClr val="008400"/>
+                </a:solidFill>
+                <a:latin typeface="Menlo" charset="0"/>
+              </a:rPr>
+              <a:t>#-------</a:t>
+            </a:r>
+          </a:p>
+          <a:p>
+            <a:r>
+              <a:rPr lang="en-US" sz="900" dirty="0">
+                <a:solidFill>
+                  <a:srgbClr val="000000"/>
+                </a:solidFill>
+                <a:latin typeface="Menlo" charset="0"/>
+              </a:rPr>
+              <a:t>    </a:t>
+            </a:r>
+            <a:r>
+              <a:rPr lang="en-US" sz="900" dirty="0" err="1">
+                <a:solidFill>
+                  <a:srgbClr val="BA2DA2"/>
+                </a:solidFill>
+                <a:latin typeface="Menlo" charset="0"/>
+              </a:rPr>
+              <a:t>def</a:t>
+            </a:r>
+            <a:r>
+              <a:rPr lang="en-US" sz="900" dirty="0">
+                <a:solidFill>
+                  <a:srgbClr val="000000"/>
+                </a:solidFill>
+                <a:latin typeface="Menlo" charset="0"/>
+              </a:rPr>
+              <a:t> </a:t>
+            </a:r>
+            <a:r>
+              <a:rPr lang="en-US" sz="900" dirty="0" err="1">
+                <a:solidFill>
+                  <a:srgbClr val="000000"/>
+                </a:solidFill>
+                <a:latin typeface="Menlo" charset="0"/>
+              </a:rPr>
+              <a:t>lookup_sym</a:t>
+            </a:r>
+            <a:r>
+              <a:rPr lang="en-US" sz="900" dirty="0">
+                <a:solidFill>
+                  <a:srgbClr val="000000"/>
+                </a:solidFill>
+                <a:latin typeface="Menlo" charset="0"/>
+              </a:rPr>
+              <a:t>(self, </a:t>
+            </a:r>
+            <a:r>
+              <a:rPr lang="en-US" sz="900" dirty="0" err="1">
+                <a:solidFill>
+                  <a:srgbClr val="000000"/>
+                </a:solidFill>
+                <a:latin typeface="Menlo" charset="0"/>
+              </a:rPr>
+              <a:t>sym</a:t>
+            </a:r>
+            <a:r>
+              <a:rPr lang="en-US" sz="900" dirty="0">
+                <a:solidFill>
+                  <a:srgbClr val="000000"/>
+                </a:solidFill>
+                <a:latin typeface="Menlo" charset="0"/>
+              </a:rPr>
+              <a:t>):</a:t>
+            </a:r>
+          </a:p>
+          <a:p>
+            <a:r>
+              <a:rPr lang="en-US" sz="900" dirty="0">
+                <a:solidFill>
+                  <a:srgbClr val="000000"/>
+                </a:solidFill>
+                <a:latin typeface="Menlo" charset="0"/>
+              </a:rPr>
+              <a:t>        </a:t>
+            </a:r>
+            <a:r>
+              <a:rPr lang="en-US" sz="900" dirty="0">
+                <a:solidFill>
+                  <a:srgbClr val="008400"/>
+                </a:solidFill>
+                <a:latin typeface="Menlo" charset="0"/>
+              </a:rPr>
+              <a:t># find the first </a:t>
+            </a:r>
+            <a:r>
+              <a:rPr lang="en-US" sz="900" dirty="0" err="1">
+                <a:solidFill>
+                  <a:srgbClr val="008400"/>
+                </a:solidFill>
+                <a:latin typeface="Menlo" charset="0"/>
+              </a:rPr>
+              <a:t>occurence</a:t>
+            </a:r>
+            <a:r>
+              <a:rPr lang="en-US" sz="900" dirty="0">
+                <a:solidFill>
+                  <a:srgbClr val="008400"/>
+                </a:solidFill>
+                <a:latin typeface="Menlo" charset="0"/>
+              </a:rPr>
+              <a:t> of </a:t>
+            </a:r>
+            <a:r>
+              <a:rPr lang="en-US" sz="900" dirty="0" err="1">
+                <a:solidFill>
+                  <a:srgbClr val="008400"/>
+                </a:solidFill>
+                <a:latin typeface="Menlo" charset="0"/>
+              </a:rPr>
+              <a:t>sym</a:t>
+            </a:r>
+            <a:r>
+              <a:rPr lang="en-US" sz="900" dirty="0">
+                <a:solidFill>
+                  <a:srgbClr val="008400"/>
+                </a:solidFill>
+                <a:latin typeface="Menlo" charset="0"/>
+              </a:rPr>
+              <a:t> in the </a:t>
+            </a:r>
+            <a:r>
+              <a:rPr lang="en-US" sz="900" dirty="0" err="1">
+                <a:solidFill>
+                  <a:srgbClr val="008400"/>
+                </a:solidFill>
+                <a:latin typeface="Menlo" charset="0"/>
+              </a:rPr>
+              <a:t>symtab</a:t>
+            </a:r>
+            <a:r>
+              <a:rPr lang="en-US" sz="900" dirty="0">
+                <a:solidFill>
+                  <a:srgbClr val="008400"/>
+                </a:solidFill>
+                <a:latin typeface="Menlo" charset="0"/>
+              </a:rPr>
+              <a:t> stack</a:t>
+            </a:r>
+          </a:p>
+          <a:p>
+            <a:r>
+              <a:rPr lang="en-US" sz="900" dirty="0">
+                <a:solidFill>
+                  <a:srgbClr val="000000"/>
+                </a:solidFill>
+                <a:latin typeface="Menlo" charset="0"/>
+              </a:rPr>
+              <a:t>        </a:t>
+            </a:r>
+            <a:r>
+              <a:rPr lang="en-US" sz="900" dirty="0">
+                <a:solidFill>
+                  <a:srgbClr val="008400"/>
+                </a:solidFill>
+                <a:latin typeface="Menlo" charset="0"/>
+              </a:rPr>
+              <a:t># and return the associated value</a:t>
+            </a:r>
+          </a:p>
+          <a:p>
+            <a:r>
+              <a:rPr lang="en-US" sz="900" dirty="0">
+                <a:solidFill>
+                  <a:srgbClr val="000000"/>
+                </a:solidFill>
+                <a:latin typeface="Menlo" charset="0"/>
+              </a:rPr>
+              <a:t>	</a:t>
+            </a:r>
+            <a:r>
+              <a:rPr lang="mr-IN" sz="900" dirty="0">
+                <a:solidFill>
+                  <a:srgbClr val="000000"/>
+                </a:solidFill>
+                <a:latin typeface="Menlo" charset="0"/>
+              </a:rPr>
+              <a:t>…</a:t>
+            </a:r>
+            <a:endParaRPr lang="en-US" sz="900" dirty="0">
+              <a:solidFill>
+                <a:srgbClr val="000000"/>
+              </a:solidFill>
+              <a:latin typeface="Menlo" charset="0"/>
+            </a:endParaRPr>
+          </a:p>
+          <a:p>
+            <a:r>
+              <a:rPr lang="en-US" sz="900" dirty="0">
+                <a:solidFill>
+                  <a:srgbClr val="000000"/>
+                </a:solidFill>
+                <a:latin typeface="Menlo" charset="0"/>
+              </a:rPr>
               <a:t>   </a:t>
             </a:r>
-            <a:endParaRPr lang="en-US" sz="900" dirty="0" smtClean="0">
+            <a:endParaRPr lang="en-US" sz="900" dirty="0">
               <a:solidFill>
                 <a:srgbClr val="008400"/>
               </a:solidFill>
@@ -13646,7 +13453,7 @@
           <a:effectLst/>
           <a:extLst>
             <a:ext uri="{AF507438-7753-43e0-B8FC-AC1667EBCBE1}">
-              <a14:hiddenEffects xmlns:a14="http://schemas.microsoft.com/office/drawing/2010/main" xmlns="">
+              <a14:hiddenEffects xmlns="" xmlns:a14="http://schemas.microsoft.com/office/drawing/2010/main">
                 <a:effectLst>
                   <a:outerShdw blurRad="63500" dist="38099" dir="2700000" algn="ctr" rotWithShape="0">
                     <a:schemeClr val="bg2">
@@ -13707,13 +13514,6 @@
   <p:clrMapOvr>
     <a:masterClrMapping/>
   </p:clrMapOvr>
-  <p:timing>
-    <p:tnLst>
-      <p:par>
-        <p:cTn id="1" dur="indefinite" restart="never" nodeType="tmRoot"/>
-      </p:par>
-    </p:tnLst>
-  </p:timing>
 </p:sld>
 </file>
 
@@ -13963,7 +13763,7 @@
         <a:effectLst/>
         <a:extLst>
           <a:ext uri="{AF507438-7753-43e0-B8FC-AC1667EBCBE1}">
-            <a14:hiddenEffects xmlns:a14="http://schemas.microsoft.com/office/drawing/2010/main" xmlns="">
+            <a14:hiddenEffects xmlns="" xmlns:a14="http://schemas.microsoft.com/office/drawing/2010/main">
               <a:effectLst>
                 <a:outerShdw blurRad="63500" dist="38099" dir="2700000" algn="ctr" rotWithShape="0">
                   <a:schemeClr val="bg2">
@@ -14040,7 +13840,7 @@
         <a:effectLst/>
         <a:extLst>
           <a:ext uri="{AF507438-7753-43e0-B8FC-AC1667EBCBE1}">
-            <a14:hiddenEffects xmlns:a14="http://schemas.microsoft.com/office/drawing/2010/main" xmlns="">
+            <a14:hiddenEffects xmlns="" xmlns:a14="http://schemas.microsoft.com/office/drawing/2010/main">
               <a:effectLst>
                 <a:outerShdw blurRad="63500" dist="38099" dir="2700000" algn="ctr" rotWithShape="0">
                   <a:schemeClr val="bg2">
